--- a/apresentacao_projeto_arquitetural_TCC_Marciano.pptx
+++ b/apresentacao_projeto_arquitetural_TCC_Marciano.pptx
@@ -3042,7 +3042,49 @@
                 </a:uFill>
                 <a:latin typeface="Arial"/>
               </a:rPr>
-              <a:t>Click to edit the title text format</a:t>
+              <a:t>Click to </a:t>
+            </a:r>
+            <a:r>
+              <a:rPr b="0" lang="en-US" sz="4400" spc="-1" strike="noStrike">
+                <a:solidFill>
+                  <a:srgbClr val="000000"/>
+                </a:solidFill>
+                <a:uFill>
+                  <a:solidFill>
+                    <a:srgbClr val="ffffff"/>
+                  </a:solidFill>
+                </a:uFill>
+                <a:latin typeface="Arial"/>
+              </a:rPr>
+              <a:t>edit the </a:t>
+            </a:r>
+            <a:r>
+              <a:rPr b="0" lang="en-US" sz="4400" spc="-1" strike="noStrike">
+                <a:solidFill>
+                  <a:srgbClr val="000000"/>
+                </a:solidFill>
+                <a:uFill>
+                  <a:solidFill>
+                    <a:srgbClr val="ffffff"/>
+                  </a:solidFill>
+                </a:uFill>
+                <a:latin typeface="Arial"/>
+              </a:rPr>
+              <a:t>title text </a:t>
+            </a:r>
+            <a:r>
+              <a:rPr b="0" lang="en-US" sz="4400" spc="-1" strike="noStrike">
+                <a:solidFill>
+                  <a:srgbClr val="000000"/>
+                </a:solidFill>
+                <a:uFill>
+                  <a:solidFill>
+                    <a:srgbClr val="ffffff"/>
+                  </a:solidFill>
+                </a:uFill>
+                <a:latin typeface="Arial"/>
+              </a:rPr>
+              <a:t>format</a:t>
             </a:r>
             <a:endParaRPr b="0" lang="en-US" sz="4400" spc="-1" strike="noStrike">
               <a:solidFill>
@@ -3738,7 +3780,7 @@
         <p:spPr>
           <a:xfrm>
             <a:off x="0" y="4599000"/>
-            <a:ext cx="9143280" cy="851760"/>
+            <a:ext cx="9142920" cy="851400"/>
           </a:xfrm>
           <a:prstGeom prst="rect">
             <a:avLst/>
@@ -3800,7 +3842,7 @@
         <p:spPr>
           <a:xfrm>
             <a:off x="997560" y="1805040"/>
-            <a:ext cx="7065000" cy="2588040"/>
+            <a:ext cx="7064640" cy="2587680"/>
           </a:xfrm>
           <a:prstGeom prst="roundRect">
             <a:avLst>
@@ -3810,60 +3852,29 @@
           <a:gradFill>
             <a:gsLst>
               <a:gs pos="0">
-                <a:schemeClr val="accent1">
-                  <a:shade val="30000"/>
-                  <a:satMod val="115000"/>
-                </a:schemeClr>
-              </a:gs>
-              <a:gs pos="9000">
-                <a:schemeClr val="accent1">
-                  <a:shade val="67500"/>
-                  <a:satMod val="115000"/>
-                </a:schemeClr>
+                <a:srgbClr val="3b6ba6"/>
               </a:gs>
               <a:gs pos="100000">
-                <a:schemeClr val="accent1">
-                  <a:shade val="100000"/>
-                  <a:satMod val="115000"/>
-                </a:schemeClr>
+                <a:srgbClr val="467fc4"/>
               </a:gs>
             </a:gsLst>
             <a:lin ang="16200000"/>
           </a:gradFill>
-          <a:ln>
+          <a:ln w="25560">
             <a:noFill/>
           </a:ln>
           <a:effectLst>
-            <a:outerShdw algn="ctr" blurRad="57785" dir="3180000" dist="33020">
+            <a:outerShdw dist="32904" dir="3180283">
               <a:srgbClr val="000000">
                 <a:alpha val="30000"/>
               </a:srgbClr>
             </a:outerShdw>
           </a:effectLst>
-          <a:scene3d>
-            <a:camera prst="orthographicFront">
-              <a:rot lat="0" lon="0" rev="0"/>
-            </a:camera>
-            <a:lightRig dir="t" rig="brightRoom">
-              <a:rot lat="0" lon="0" rev="600000"/>
-            </a:lightRig>
-          </a:scene3d>
-          <a:sp3d prstMaterial="metal">
-            <a:bevelT prst="angle" w="38100" h="57150"/>
-          </a:sp3d>
         </p:spPr>
         <p:style>
-          <a:lnRef idx="2">
-            <a:schemeClr val="accent1">
-              <a:shade val="50000"/>
-            </a:schemeClr>
-          </a:lnRef>
-          <a:fillRef idx="1">
-            <a:schemeClr val="accent1"/>
-          </a:fillRef>
-          <a:effectRef idx="0">
-            <a:schemeClr val="accent1"/>
-          </a:effectRef>
+          <a:lnRef idx="0"/>
+          <a:fillRef idx="0"/>
+          <a:effectRef idx="0"/>
           <a:fontRef idx="minor"/>
         </p:style>
         <p:txBody>
@@ -3905,33 +3916,6 @@
       </p:sp>
     </p:spTree>
   </p:cSld>
-  <p:timing>
-    <p:tnLst>
-      <p:par>
-        <p:cTn id="1" dur="indefinite" restart="never" nodeType="tmRoot">
-          <p:childTnLst>
-            <p:seq>
-              <p:cTn id="2" nodeType="mainSeq"/>
-              <p:prevCondLst>
-                <p:cond delay="0" evt="onPrev">
-                  <p:tgtEl>
-                    <p:sldTgt/>
-                  </p:tgtEl>
-                </p:cond>
-              </p:prevCondLst>
-              <p:nextCondLst>
-                <p:cond delay="0" evt="onNext">
-                  <p:tgtEl>
-                    <p:sldTgt/>
-                  </p:tgtEl>
-                </p:cond>
-              </p:nextCondLst>
-            </p:seq>
-          </p:childTnLst>
-        </p:cTn>
-      </p:par>
-    </p:tnLst>
-  </p:timing>
 </p:sld>
 </file>
 
@@ -3961,7 +3945,7 @@
         <p:spPr>
           <a:xfrm>
             <a:off x="0" y="1001880"/>
-            <a:ext cx="9143280" cy="664560"/>
+            <a:ext cx="9142920" cy="664200"/>
           </a:xfrm>
           <a:prstGeom prst="rect">
             <a:avLst/>
@@ -3977,22 +3961,14 @@
             </a:gsLst>
             <a:lin ang="16200000"/>
           </a:gradFill>
-          <a:ln>
+          <a:ln w="25560">
             <a:noFill/>
           </a:ln>
         </p:spPr>
         <p:style>
-          <a:lnRef idx="2">
-            <a:schemeClr val="accent1">
-              <a:shade val="50000"/>
-            </a:schemeClr>
-          </a:lnRef>
-          <a:fillRef idx="1">
-            <a:schemeClr val="accent1"/>
-          </a:fillRef>
-          <a:effectRef idx="0">
-            <a:schemeClr val="accent1"/>
-          </a:effectRef>
+          <a:lnRef idx="0"/>
+          <a:fillRef idx="0"/>
+          <a:effectRef idx="0"/>
           <a:fontRef idx="minor"/>
         </p:style>
       </p:sp>
@@ -4005,7 +3981,7 @@
         <p:spPr>
           <a:xfrm>
             <a:off x="206280" y="1100160"/>
-            <a:ext cx="8735400" cy="470880"/>
+            <a:ext cx="8735040" cy="470520"/>
           </a:xfrm>
           <a:prstGeom prst="rect">
             <a:avLst/>
@@ -4042,7 +4018,7 @@
                 <a:latin typeface="Calibri"/>
                 <a:ea typeface="Calibri"/>
               </a:rPr>
-              <a:t>Requisitos Não Funcionais </a:t>
+              <a:t>Restrições de projeto</a:t>
             </a:r>
             <a:endParaRPr b="0" lang="en-US" sz="1800" spc="-1" strike="noStrike">
               <a:solidFill>
@@ -4067,7 +4043,7 @@
         <p:spPr>
           <a:xfrm>
             <a:off x="179280" y="1770120"/>
-            <a:ext cx="8827200" cy="4118760"/>
+            <a:ext cx="8826840" cy="4118400"/>
           </a:xfrm>
           <a:prstGeom prst="rect">
             <a:avLst/>
@@ -4086,327 +4062,119 @@
         <p:txBody>
           <a:bodyPr lIns="90000" rIns="90000" tIns="45000" bIns="45000"/>
           <a:p>
+            <a:r>
+              <a:rPr b="1" lang="en-US" sz="2300" spc="-1" strike="noStrike">
+                <a:solidFill>
+                  <a:srgbClr val="404040"/>
+                </a:solidFill>
+                <a:uFill>
+                  <a:solidFill>
+                    <a:srgbClr val="ffffff"/>
+                  </a:solidFill>
+                </a:uFill>
+                <a:latin typeface="Calibri"/>
+                <a:ea typeface="DejaVu Sans"/>
+              </a:rPr>
+              <a:t>O sistema deve ser desenvolvido em Java</a:t>
+            </a:r>
+            <a:endParaRPr b="0" lang="en-US" sz="1800" spc="-1" strike="noStrike">
+              <a:solidFill>
+                <a:srgbClr val="000000"/>
+              </a:solidFill>
+              <a:uFill>
+                <a:solidFill>
+                  <a:srgbClr val="ffffff"/>
+                </a:solidFill>
+              </a:uFill>
+              <a:latin typeface="Arial"/>
+            </a:endParaRPr>
+          </a:p>
+          <a:p>
+            <a:endParaRPr b="0" lang="en-US" sz="1800" spc="-1" strike="noStrike">
+              <a:solidFill>
+                <a:srgbClr val="000000"/>
+              </a:solidFill>
+              <a:uFill>
+                <a:solidFill>
+                  <a:srgbClr val="ffffff"/>
+                </a:solidFill>
+              </a:uFill>
+              <a:latin typeface="Arial"/>
+            </a:endParaRPr>
+          </a:p>
+          <a:p>
+            <a:r>
+              <a:rPr b="1" lang="en-US" sz="2300" spc="-1" strike="noStrike">
+                <a:solidFill>
+                  <a:srgbClr val="404040"/>
+                </a:solidFill>
+                <a:uFill>
+                  <a:solidFill>
+                    <a:srgbClr val="ffffff"/>
+                  </a:solidFill>
+                </a:uFill>
+                <a:latin typeface="Calibri"/>
+                <a:ea typeface="DejaVu Sans"/>
+              </a:rPr>
+              <a:t>O sistema deve abrir de forma responsiva em aparelhos menores, como celular e tablet.</a:t>
+            </a:r>
+            <a:endParaRPr b="0" lang="en-US" sz="1800" spc="-1" strike="noStrike">
+              <a:solidFill>
+                <a:srgbClr val="000000"/>
+              </a:solidFill>
+              <a:uFill>
+                <a:solidFill>
+                  <a:srgbClr val="ffffff"/>
+                </a:solidFill>
+              </a:uFill>
+              <a:latin typeface="Arial"/>
+            </a:endParaRPr>
+          </a:p>
+          <a:p>
+            <a:endParaRPr b="0" lang="en-US" sz="1800" spc="-1" strike="noStrike">
+              <a:solidFill>
+                <a:srgbClr val="000000"/>
+              </a:solidFill>
+              <a:uFill>
+                <a:solidFill>
+                  <a:srgbClr val="ffffff"/>
+                </a:solidFill>
+              </a:uFill>
+              <a:latin typeface="Arial"/>
+            </a:endParaRPr>
+          </a:p>
+          <a:p>
+            <a:r>
+              <a:rPr b="1" lang="en-US" sz="2300" spc="-1" strike="noStrike">
+                <a:solidFill>
+                  <a:srgbClr val="404040"/>
+                </a:solidFill>
+                <a:uFill>
+                  <a:solidFill>
+                    <a:srgbClr val="ffffff"/>
+                  </a:solidFill>
+                </a:uFill>
+                <a:latin typeface="Calibri"/>
+                <a:ea typeface="DejaVu Sans"/>
+              </a:rPr>
+              <a:t>O sistema deve ser modular para facilitar os testes, a manutenção e a implantação.</a:t>
+            </a:r>
+            <a:endParaRPr b="0" lang="en-US" sz="1800" spc="-1" strike="noStrike">
+              <a:solidFill>
+                <a:srgbClr val="000000"/>
+              </a:solidFill>
+              <a:uFill>
+                <a:solidFill>
+                  <a:srgbClr val="ffffff"/>
+                </a:solidFill>
+              </a:uFill>
+              <a:latin typeface="Arial"/>
+            </a:endParaRPr>
+          </a:p>
+          <a:p>
             <a:pPr>
               <a:lnSpc>
-                <a:spcPts val="349"/>
-              </a:lnSpc>
-            </a:pPr>
-            <a:r>
-              <a:rPr b="1" lang="en-US" sz="2300" spc="-1" strike="noStrike">
-                <a:solidFill>
-                  <a:srgbClr val="404040"/>
-                </a:solidFill>
-                <a:uFill>
-                  <a:solidFill>
-                    <a:srgbClr val="ffffff"/>
-                  </a:solidFill>
-                </a:uFill>
-                <a:latin typeface="Calibri"/>
-                <a:ea typeface="DejaVu Sans"/>
-              </a:rPr>
-              <a:t>• </a:t>
-            </a:r>
-            <a:r>
-              <a:rPr b="1" lang="en-US" sz="2300" spc="-1" strike="noStrike">
-                <a:solidFill>
-                  <a:srgbClr val="404040"/>
-                </a:solidFill>
-                <a:uFill>
-                  <a:solidFill>
-                    <a:srgbClr val="ffffff"/>
-                  </a:solidFill>
-                </a:uFill>
-                <a:latin typeface="Calibri"/>
-                <a:ea typeface="DejaVu Sans"/>
-              </a:rPr>
-              <a:t>O sistema deve prover boa usabilidade.</a:t>
-            </a:r>
-            <a:endParaRPr b="0" lang="en-US" sz="1800" spc="-1" strike="noStrike">
-              <a:solidFill>
-                <a:srgbClr val="000000"/>
-              </a:solidFill>
-              <a:uFill>
-                <a:solidFill>
-                  <a:srgbClr val="ffffff"/>
-                </a:solidFill>
-              </a:uFill>
-              <a:latin typeface="Arial"/>
-            </a:endParaRPr>
-          </a:p>
-          <a:p>
-            <a:pPr>
-              <a:lnSpc>
-                <a:spcPts val="349"/>
-              </a:lnSpc>
-            </a:pPr>
-            <a:r>
-              <a:rPr b="1" lang="en-US" sz="2300" spc="-1" strike="noStrike">
-                <a:solidFill>
-                  <a:srgbClr val="404040"/>
-                </a:solidFill>
-                <a:uFill>
-                  <a:solidFill>
-                    <a:srgbClr val="ffffff"/>
-                  </a:solidFill>
-                </a:uFill>
-                <a:latin typeface="Calibri"/>
-                <a:ea typeface="DejaVu Sans"/>
-              </a:rPr>
-              <a:t>• </a:t>
-            </a:r>
-            <a:r>
-              <a:rPr b="1" lang="en-US" sz="2300" spc="-1" strike="noStrike">
-                <a:solidFill>
-                  <a:srgbClr val="404040"/>
-                </a:solidFill>
-                <a:uFill>
-                  <a:solidFill>
-                    <a:srgbClr val="ffffff"/>
-                  </a:solidFill>
-                </a:uFill>
-                <a:latin typeface="Calibri"/>
-                <a:ea typeface="DejaVu Sans"/>
-              </a:rPr>
-              <a:t>O sistema deve suportar ambientes Web</a:t>
-            </a:r>
-            <a:endParaRPr b="0" lang="en-US" sz="1800" spc="-1" strike="noStrike">
-              <a:solidFill>
-                <a:srgbClr val="000000"/>
-              </a:solidFill>
-              <a:uFill>
-                <a:solidFill>
-                  <a:srgbClr val="ffffff"/>
-                </a:solidFill>
-              </a:uFill>
-              <a:latin typeface="Arial"/>
-            </a:endParaRPr>
-          </a:p>
-          <a:p>
-            <a:pPr>
-              <a:lnSpc>
-                <a:spcPts val="349"/>
-              </a:lnSpc>
-            </a:pPr>
-            <a:r>
-              <a:rPr b="1" lang="en-US" sz="2300" spc="-1" strike="noStrike">
-                <a:solidFill>
-                  <a:srgbClr val="404040"/>
-                </a:solidFill>
-                <a:uFill>
-                  <a:solidFill>
-                    <a:srgbClr val="ffffff"/>
-                  </a:solidFill>
-                </a:uFill>
-                <a:latin typeface="Calibri"/>
-                <a:ea typeface="DejaVu Sans"/>
-              </a:rPr>
-              <a:t> </a:t>
-            </a:r>
-            <a:r>
-              <a:rPr b="1" lang="en-US" sz="2300" spc="-1" strike="noStrike">
-                <a:solidFill>
-                  <a:srgbClr val="404040"/>
-                </a:solidFill>
-                <a:uFill>
-                  <a:solidFill>
-                    <a:srgbClr val="ffffff"/>
-                  </a:solidFill>
-                </a:uFill>
-                <a:latin typeface="Calibri"/>
-                <a:ea typeface="DejaVu Sans"/>
-              </a:rPr>
-              <a:t>	</a:t>
-            </a:r>
-            <a:r>
-              <a:rPr b="1" lang="en-US" sz="2300" spc="-1" strike="noStrike">
-                <a:solidFill>
-                  <a:srgbClr val="404040"/>
-                </a:solidFill>
-                <a:uFill>
-                  <a:solidFill>
-                    <a:srgbClr val="ffffff"/>
-                  </a:solidFill>
-                </a:uFill>
-                <a:latin typeface="Calibri"/>
-                <a:ea typeface="DejaVu Sans"/>
-              </a:rPr>
-              <a:t>   </a:t>
-            </a:r>
-            <a:r>
-              <a:rPr b="1" lang="en-US" sz="2300" spc="-1" strike="noStrike">
-                <a:solidFill>
-                  <a:srgbClr val="404040"/>
-                </a:solidFill>
-                <a:uFill>
-                  <a:solidFill>
-                    <a:srgbClr val="ffffff"/>
-                  </a:solidFill>
-                </a:uFill>
-                <a:latin typeface="Calibri"/>
-                <a:ea typeface="DejaVu Sans"/>
-              </a:rPr>
-              <a:t>responsivos e ambientes móveis.</a:t>
-            </a:r>
-            <a:endParaRPr b="0" lang="en-US" sz="1800" spc="-1" strike="noStrike">
-              <a:solidFill>
-                <a:srgbClr val="000000"/>
-              </a:solidFill>
-              <a:uFill>
-                <a:solidFill>
-                  <a:srgbClr val="ffffff"/>
-                </a:solidFill>
-              </a:uFill>
-              <a:latin typeface="Arial"/>
-            </a:endParaRPr>
-          </a:p>
-          <a:p>
-            <a:pPr>
-              <a:lnSpc>
-                <a:spcPts val="349"/>
-              </a:lnSpc>
-            </a:pPr>
-            <a:r>
-              <a:rPr b="1" lang="en-US" sz="2300" spc="-1" strike="noStrike">
-                <a:solidFill>
-                  <a:srgbClr val="404040"/>
-                </a:solidFill>
-                <a:uFill>
-                  <a:solidFill>
-                    <a:srgbClr val="ffffff"/>
-                  </a:solidFill>
-                </a:uFill>
-                <a:latin typeface="Calibri"/>
-                <a:ea typeface="DejaVu Sans"/>
-              </a:rPr>
-              <a:t>• </a:t>
-            </a:r>
-            <a:r>
-              <a:rPr b="1" lang="en-US" sz="2300" spc="-1" strike="noStrike">
-                <a:solidFill>
-                  <a:srgbClr val="404040"/>
-                </a:solidFill>
-                <a:uFill>
-                  <a:solidFill>
-                    <a:srgbClr val="ffffff"/>
-                  </a:solidFill>
-                </a:uFill>
-                <a:latin typeface="Calibri"/>
-                <a:ea typeface="DejaVu Sans"/>
-              </a:rPr>
-              <a:t>O sistema deve ser rápido.</a:t>
-            </a:r>
-            <a:endParaRPr b="0" lang="en-US" sz="1800" spc="-1" strike="noStrike">
-              <a:solidFill>
-                <a:srgbClr val="000000"/>
-              </a:solidFill>
-              <a:uFill>
-                <a:solidFill>
-                  <a:srgbClr val="ffffff"/>
-                </a:solidFill>
-              </a:uFill>
-              <a:latin typeface="Arial"/>
-            </a:endParaRPr>
-          </a:p>
-          <a:p>
-            <a:pPr>
-              <a:lnSpc>
-                <a:spcPts val="349"/>
-              </a:lnSpc>
-            </a:pPr>
-            <a:r>
-              <a:rPr b="1" lang="en-US" sz="2300" spc="-1" strike="noStrike">
-                <a:solidFill>
-                  <a:srgbClr val="404040"/>
-                </a:solidFill>
-                <a:uFill>
-                  <a:solidFill>
-                    <a:srgbClr val="ffffff"/>
-                  </a:solidFill>
-                </a:uFill>
-                <a:latin typeface="Calibri"/>
-                <a:ea typeface="DejaVu Sans"/>
-              </a:rPr>
-              <a:t>• </a:t>
-            </a:r>
-            <a:r>
-              <a:rPr b="1" lang="en-US" sz="2300" spc="-1" strike="noStrike">
-                <a:solidFill>
-                  <a:srgbClr val="404040"/>
-                </a:solidFill>
-                <a:uFill>
-                  <a:solidFill>
-                    <a:srgbClr val="ffffff"/>
-                  </a:solidFill>
-                </a:uFill>
-                <a:latin typeface="Calibri"/>
-                <a:ea typeface="DejaVu Sans"/>
-              </a:rPr>
-              <a:t>O sistema deve apresentar manutenção facilitada.</a:t>
-            </a:r>
-            <a:endParaRPr b="0" lang="en-US" sz="1800" spc="-1" strike="noStrike">
-              <a:solidFill>
-                <a:srgbClr val="000000"/>
-              </a:solidFill>
-              <a:uFill>
-                <a:solidFill>
-                  <a:srgbClr val="ffffff"/>
-                </a:solidFill>
-              </a:uFill>
-              <a:latin typeface="Arial"/>
-            </a:endParaRPr>
-          </a:p>
-          <a:p>
-            <a:pPr>
-              <a:lnSpc>
-                <a:spcPts val="349"/>
-              </a:lnSpc>
-            </a:pPr>
-            <a:r>
-              <a:rPr b="1" lang="en-US" sz="2300" spc="-1" strike="noStrike">
-                <a:solidFill>
-                  <a:srgbClr val="404040"/>
-                </a:solidFill>
-                <a:uFill>
-                  <a:solidFill>
-                    <a:srgbClr val="ffffff"/>
-                  </a:solidFill>
-                </a:uFill>
-                <a:latin typeface="Calibri"/>
-                <a:ea typeface="DejaVu Sans"/>
-              </a:rPr>
-              <a:t>• </a:t>
-            </a:r>
-            <a:r>
-              <a:rPr b="1" lang="en-US" sz="2300" spc="-1" strike="noStrike">
-                <a:solidFill>
-                  <a:srgbClr val="404040"/>
-                </a:solidFill>
-                <a:uFill>
-                  <a:solidFill>
-                    <a:srgbClr val="ffffff"/>
-                  </a:solidFill>
-                </a:uFill>
-                <a:latin typeface="Calibri"/>
-                <a:ea typeface="DejaVu Sans"/>
-              </a:rPr>
-              <a:t>O sistema deve ser simples para testar.</a:t>
-            </a:r>
-            <a:endParaRPr b="0" lang="en-US" sz="1800" spc="-1" strike="noStrike">
-              <a:solidFill>
-                <a:srgbClr val="000000"/>
-              </a:solidFill>
-              <a:uFill>
-                <a:solidFill>
-                  <a:srgbClr val="ffffff"/>
-                </a:solidFill>
-              </a:uFill>
-              <a:latin typeface="Arial"/>
-            </a:endParaRPr>
-          </a:p>
-          <a:p>
-            <a:pPr>
-              <a:lnSpc>
-                <a:spcPts val="299"/>
+                <a:spcPts val="105"/>
               </a:lnSpc>
             </a:pPr>
             <a:r>
@@ -4447,7 +4215,7 @@
         <p:spPr>
           <a:xfrm>
             <a:off x="228600" y="461880"/>
-            <a:ext cx="8825760" cy="942480"/>
+            <a:ext cx="8825400" cy="942120"/>
           </a:xfrm>
           <a:prstGeom prst="rect">
             <a:avLst/>
@@ -4468,7 +4236,7 @@
           <a:p>
             <a:pPr>
               <a:lnSpc>
-                <a:spcPts val="349"/>
+                <a:spcPts val="123"/>
               </a:lnSpc>
             </a:pPr>
             <a:r>
@@ -4547,33 +4315,6 @@
       </p:sp>
     </p:spTree>
   </p:cSld>
-  <p:timing>
-    <p:tnLst>
-      <p:par>
-        <p:cTn id="19" dur="indefinite" restart="never" nodeType="tmRoot">
-          <p:childTnLst>
-            <p:seq>
-              <p:cTn id="20" nodeType="mainSeq"/>
-              <p:prevCondLst>
-                <p:cond delay="0" evt="onPrev">
-                  <p:tgtEl>
-                    <p:sldTgt/>
-                  </p:tgtEl>
-                </p:cond>
-              </p:prevCondLst>
-              <p:nextCondLst>
-                <p:cond delay="0" evt="onNext">
-                  <p:tgtEl>
-                    <p:sldTgt/>
-                  </p:tgtEl>
-                </p:cond>
-              </p:nextCondLst>
-            </p:seq>
-          </p:childTnLst>
-        </p:cTn>
-      </p:par>
-    </p:tnLst>
-  </p:timing>
 </p:sld>
 </file>
 
@@ -4603,7 +4344,7 @@
         <p:spPr>
           <a:xfrm>
             <a:off x="0" y="1001880"/>
-            <a:ext cx="9143280" cy="664560"/>
+            <a:ext cx="9142920" cy="664200"/>
           </a:xfrm>
           <a:prstGeom prst="rect">
             <a:avLst/>
@@ -4619,22 +4360,14 @@
             </a:gsLst>
             <a:lin ang="16200000"/>
           </a:gradFill>
-          <a:ln>
+          <a:ln w="25560">
             <a:noFill/>
           </a:ln>
         </p:spPr>
         <p:style>
-          <a:lnRef idx="2">
-            <a:schemeClr val="accent1">
-              <a:shade val="50000"/>
-            </a:schemeClr>
-          </a:lnRef>
-          <a:fillRef idx="1">
-            <a:schemeClr val="accent1"/>
-          </a:fillRef>
-          <a:effectRef idx="0">
-            <a:schemeClr val="accent1"/>
-          </a:effectRef>
+          <a:lnRef idx="0"/>
+          <a:fillRef idx="0"/>
+          <a:effectRef idx="0"/>
           <a:fontRef idx="minor"/>
         </p:style>
       </p:sp>
@@ -4647,7 +4380,7 @@
         <p:spPr>
           <a:xfrm>
             <a:off x="206280" y="1100160"/>
-            <a:ext cx="8735400" cy="470880"/>
+            <a:ext cx="8735040" cy="470520"/>
           </a:xfrm>
           <a:prstGeom prst="rect">
             <a:avLst/>
@@ -4684,7 +4417,7 @@
                 <a:latin typeface="Calibri"/>
                 <a:ea typeface="Calibri"/>
               </a:rPr>
-              <a:t>Restrições de projeto</a:t>
+              <a:t>Mecanismos arquiteturais</a:t>
             </a:r>
             <a:endParaRPr b="0" lang="en-US" sz="1800" spc="-1" strike="noStrike">
               <a:solidFill>
@@ -4709,7 +4442,7 @@
         <p:spPr>
           <a:xfrm>
             <a:off x="179280" y="1770120"/>
-            <a:ext cx="8827200" cy="4118760"/>
+            <a:ext cx="8826840" cy="4118400"/>
           </a:xfrm>
           <a:prstGeom prst="rect">
             <a:avLst/>
@@ -4729,7 +4462,7 @@
           <a:bodyPr lIns="90000" rIns="90000" tIns="45000" bIns="45000"/>
           <a:p>
             <a:r>
-              <a:rPr b="1" lang="en-US" sz="2300" spc="-1" strike="noStrike">
+              <a:rPr b="1" lang="en-US" sz="2000" spc="-1" strike="noStrike">
                 <a:solidFill>
                   <a:srgbClr val="404040"/>
                 </a:solidFill>
@@ -4741,89 +4474,7 @@
                 <a:latin typeface="Calibri"/>
                 <a:ea typeface="DejaVu Sans"/>
               </a:rPr>
-              <a:t>O sistema deve ser desenvolvido em Java</a:t>
-            </a:r>
-            <a:endParaRPr b="0" lang="en-US" sz="1800" spc="-1" strike="noStrike">
-              <a:solidFill>
-                <a:srgbClr val="000000"/>
-              </a:solidFill>
-              <a:uFill>
-                <a:solidFill>
-                  <a:srgbClr val="ffffff"/>
-                </a:solidFill>
-              </a:uFill>
-              <a:latin typeface="Arial"/>
-            </a:endParaRPr>
-          </a:p>
-          <a:p>
-            <a:endParaRPr b="0" lang="en-US" sz="1800" spc="-1" strike="noStrike">
-              <a:solidFill>
-                <a:srgbClr val="000000"/>
-              </a:solidFill>
-              <a:uFill>
-                <a:solidFill>
-                  <a:srgbClr val="ffffff"/>
-                </a:solidFill>
-              </a:uFill>
-              <a:latin typeface="Arial"/>
-            </a:endParaRPr>
-          </a:p>
-          <a:p>
-            <a:r>
-              <a:rPr b="1" lang="en-US" sz="2300" spc="-1" strike="noStrike">
-                <a:solidFill>
-                  <a:srgbClr val="404040"/>
-                </a:solidFill>
-                <a:uFill>
-                  <a:solidFill>
-                    <a:srgbClr val="ffffff"/>
-                  </a:solidFill>
-                </a:uFill>
-                <a:latin typeface="Calibri"/>
-                <a:ea typeface="DejaVu Sans"/>
-              </a:rPr>
-              <a:t>O sistema deve abrir de forma responsiva em aparelhos menores, como celular e tablet.</a:t>
-            </a:r>
-            <a:endParaRPr b="0" lang="en-US" sz="1800" spc="-1" strike="noStrike">
-              <a:solidFill>
-                <a:srgbClr val="000000"/>
-              </a:solidFill>
-              <a:uFill>
-                <a:solidFill>
-                  <a:srgbClr val="ffffff"/>
-                </a:solidFill>
-              </a:uFill>
-              <a:latin typeface="Arial"/>
-            </a:endParaRPr>
-          </a:p>
-          <a:p>
-            <a:endParaRPr b="0" lang="en-US" sz="1800" spc="-1" strike="noStrike">
-              <a:solidFill>
-                <a:srgbClr val="000000"/>
-              </a:solidFill>
-              <a:uFill>
-                <a:solidFill>
-                  <a:srgbClr val="ffffff"/>
-                </a:solidFill>
-              </a:uFill>
-              <a:latin typeface="Arial"/>
-            </a:endParaRPr>
-          </a:p>
-          <a:p>
-            <a:r>
-              <a:rPr b="1" lang="en-US" sz="2300" spc="-1" strike="noStrike">
-                <a:solidFill>
-                  <a:srgbClr val="404040"/>
-                </a:solidFill>
-                <a:uFill>
-                  <a:solidFill>
-                    <a:srgbClr val="ffffff"/>
-                  </a:solidFill>
-                </a:uFill>
-                <a:latin typeface="Calibri"/>
-                <a:ea typeface="DejaVu Sans"/>
-              </a:rPr>
-              <a:t>O sistema deve ser modular para facilitar os testes, a manutenção e a implantação.</a:t>
+              <a:t> </a:t>
             </a:r>
             <a:endParaRPr b="0" lang="en-US" sz="1800" spc="-1" strike="noStrike">
               <a:solidFill>
@@ -4840,7 +4491,7 @@
           <a:p>
             <a:pPr>
               <a:lnSpc>
-                <a:spcPts val="299"/>
+                <a:spcPts val="105"/>
               </a:lnSpc>
             </a:pPr>
             <a:r>
@@ -4881,7 +4532,7 @@
         <p:spPr>
           <a:xfrm>
             <a:off x="228600" y="461880"/>
-            <a:ext cx="8825760" cy="942480"/>
+            <a:ext cx="8825400" cy="942120"/>
           </a:xfrm>
           <a:prstGeom prst="rect">
             <a:avLst/>
@@ -4902,7 +4553,7 @@
           <a:p>
             <a:pPr>
               <a:lnSpc>
-                <a:spcPts val="349"/>
+                <a:spcPts val="123"/>
               </a:lnSpc>
             </a:pPr>
             <a:r>
@@ -4979,35 +4630,1114 @@
           </a:p>
         </p:txBody>
       </p:sp>
+      <p:graphicFrame>
+        <p:nvGraphicFramePr>
+          <p:cNvPr id="116" name="Table 5"/>
+          <p:cNvGraphicFramePr/>
+          <p:nvPr/>
+        </p:nvGraphicFramePr>
+        <p:xfrm>
+          <a:off x="179280" y="1770120"/>
+          <a:ext cx="8964360" cy="4339800"/>
+        </p:xfrm>
+        <a:graphic>
+          <a:graphicData uri="http://schemas.openxmlformats.org/drawingml/2006/table">
+            <a:tbl>
+              <a:tblPr/>
+              <a:tblGrid>
+                <a:gridCol w="2987280"/>
+                <a:gridCol w="2987280"/>
+                <a:gridCol w="2990160"/>
+              </a:tblGrid>
+              <a:tr h="694800">
+                <a:tc>
+                  <a:txBody>
+                    <a:bodyPr lIns="90000" rIns="90000" tIns="46800" bIns="46800"/>
+                    <a:p>
+                      <a:pPr algn="ctr"/>
+                      <a:r>
+                        <a:rPr b="1" lang="en-US" sz="1200" spc="-1" strike="noStrike">
+                          <a:solidFill>
+                            <a:srgbClr val="00000a"/>
+                          </a:solidFill>
+                          <a:uFill>
+                            <a:solidFill>
+                              <a:srgbClr val="ffffff"/>
+                            </a:solidFill>
+                          </a:uFill>
+                          <a:latin typeface="Times New Roman"/>
+                          <a:ea typeface="Times New Roman"/>
+                        </a:rPr>
+                        <a:t>Mecanismo de Análise</a:t>
+                      </a:r>
+                      <a:endParaRPr b="0" lang="en-US" sz="1800" spc="-1" strike="noStrike">
+                        <a:solidFill>
+                          <a:srgbClr val="000000"/>
+                        </a:solidFill>
+                        <a:uFill>
+                          <a:solidFill>
+                            <a:srgbClr val="ffffff"/>
+                          </a:solidFill>
+                        </a:uFill>
+                        <a:latin typeface="Arial"/>
+                      </a:endParaRPr>
+                    </a:p>
+                  </a:txBody>
+                  <a:tcPr marL="90000" marR="90000">
+                    <a:lnL w="720">
+                      <a:solidFill>
+                        <a:srgbClr val="ffffff"/>
+                      </a:solidFill>
+                    </a:lnL>
+                    <a:lnR w="720">
+                      <a:solidFill>
+                        <a:srgbClr val="ffffff"/>
+                      </a:solidFill>
+                    </a:lnR>
+                    <a:lnT w="720">
+                      <a:solidFill>
+                        <a:srgbClr val="ffffff"/>
+                      </a:solidFill>
+                    </a:lnT>
+                    <a:lnB w="720">
+                      <a:solidFill>
+                        <a:srgbClr val="ffffff"/>
+                      </a:solidFill>
+                    </a:lnB>
+                    <a:solidFill>
+                      <a:srgbClr val="b3b3b3"/>
+                    </a:solidFill>
+                  </a:tcPr>
+                </a:tc>
+                <a:tc>
+                  <a:txBody>
+                    <a:bodyPr lIns="90000" rIns="90000" tIns="46800" bIns="46800"/>
+                    <a:p>
+                      <a:pPr algn="ctr"/>
+                      <a:r>
+                        <a:rPr b="1" lang="en-US" sz="1200" spc="-1" strike="noStrike">
+                          <a:solidFill>
+                            <a:srgbClr val="00000a"/>
+                          </a:solidFill>
+                          <a:uFill>
+                            <a:solidFill>
+                              <a:srgbClr val="ffffff"/>
+                            </a:solidFill>
+                          </a:uFill>
+                          <a:latin typeface="Times New Roman"/>
+                          <a:ea typeface="Times New Roman"/>
+                        </a:rPr>
+                        <a:t>Mecanismod de Design</a:t>
+                      </a:r>
+                      <a:endParaRPr b="0" lang="en-US" sz="1800" spc="-1" strike="noStrike">
+                        <a:solidFill>
+                          <a:srgbClr val="000000"/>
+                        </a:solidFill>
+                        <a:uFill>
+                          <a:solidFill>
+                            <a:srgbClr val="ffffff"/>
+                          </a:solidFill>
+                        </a:uFill>
+                        <a:latin typeface="Arial"/>
+                      </a:endParaRPr>
+                    </a:p>
+                  </a:txBody>
+                  <a:tcPr marL="90000" marR="90000">
+                    <a:lnL w="720">
+                      <a:solidFill>
+                        <a:srgbClr val="ffffff"/>
+                      </a:solidFill>
+                    </a:lnL>
+                    <a:lnR w="720">
+                      <a:solidFill>
+                        <a:srgbClr val="ffffff"/>
+                      </a:solidFill>
+                    </a:lnR>
+                    <a:lnT w="720">
+                      <a:solidFill>
+                        <a:srgbClr val="ffffff"/>
+                      </a:solidFill>
+                    </a:lnT>
+                    <a:lnB w="720">
+                      <a:solidFill>
+                        <a:srgbClr val="ffffff"/>
+                      </a:solidFill>
+                    </a:lnB>
+                    <a:solidFill>
+                      <a:srgbClr val="b3b3b3"/>
+                    </a:solidFill>
+                  </a:tcPr>
+                </a:tc>
+                <a:tc>
+                  <a:txBody>
+                    <a:bodyPr lIns="90000" rIns="90000" tIns="46800" bIns="46800"/>
+                    <a:p>
+                      <a:pPr algn="ctr"/>
+                      <a:r>
+                        <a:rPr b="1" lang="en-US" sz="1200" spc="-1" strike="noStrike">
+                          <a:solidFill>
+                            <a:srgbClr val="00000a"/>
+                          </a:solidFill>
+                          <a:uFill>
+                            <a:solidFill>
+                              <a:srgbClr val="ffffff"/>
+                            </a:solidFill>
+                          </a:uFill>
+                          <a:latin typeface="Times New Roman"/>
+                          <a:ea typeface="Times New Roman"/>
+                        </a:rPr>
+                        <a:t>Mecanismo de Implementação</a:t>
+                      </a:r>
+                      <a:endParaRPr b="0" lang="en-US" sz="1800" spc="-1" strike="noStrike">
+                        <a:solidFill>
+                          <a:srgbClr val="000000"/>
+                        </a:solidFill>
+                        <a:uFill>
+                          <a:solidFill>
+                            <a:srgbClr val="ffffff"/>
+                          </a:solidFill>
+                        </a:uFill>
+                        <a:latin typeface="Arial"/>
+                      </a:endParaRPr>
+                    </a:p>
+                  </a:txBody>
+                  <a:tcPr marL="90000" marR="90000">
+                    <a:lnL w="720">
+                      <a:solidFill>
+                        <a:srgbClr val="ffffff"/>
+                      </a:solidFill>
+                    </a:lnL>
+                    <a:lnR w="720">
+                      <a:solidFill>
+                        <a:srgbClr val="ffffff"/>
+                      </a:solidFill>
+                    </a:lnR>
+                    <a:lnT w="720">
+                      <a:solidFill>
+                        <a:srgbClr val="ffffff"/>
+                      </a:solidFill>
+                    </a:lnT>
+                    <a:lnB w="720">
+                      <a:solidFill>
+                        <a:srgbClr val="ffffff"/>
+                      </a:solidFill>
+                    </a:lnB>
+                    <a:solidFill>
+                      <a:srgbClr val="b3b3b3"/>
+                    </a:solidFill>
+                  </a:tcPr>
+                </a:tc>
+              </a:tr>
+              <a:tr h="694800">
+                <a:tc>
+                  <a:txBody>
+                    <a:bodyPr lIns="90000" rIns="90000" tIns="46800" bIns="46800"/>
+                    <a:p>
+                      <a:r>
+                        <a:rPr b="0" lang="en-US" sz="1200" spc="-1" strike="noStrike">
+                          <a:solidFill>
+                            <a:srgbClr val="00000a"/>
+                          </a:solidFill>
+                          <a:uFill>
+                            <a:solidFill>
+                              <a:srgbClr val="ffffff"/>
+                            </a:solidFill>
+                          </a:uFill>
+                          <a:latin typeface="Times New Roman"/>
+                          <a:ea typeface="Times New Roman"/>
+                        </a:rPr>
+                        <a:t>Comunicação entre Processos</a:t>
+                      </a:r>
+                      <a:endParaRPr b="0" lang="en-US" sz="1800" spc="-1" strike="noStrike">
+                        <a:solidFill>
+                          <a:srgbClr val="000000"/>
+                        </a:solidFill>
+                        <a:uFill>
+                          <a:solidFill>
+                            <a:srgbClr val="ffffff"/>
+                          </a:solidFill>
+                        </a:uFill>
+                        <a:latin typeface="Arial"/>
+                      </a:endParaRPr>
+                    </a:p>
+                  </a:txBody>
+                  <a:tcPr marL="90000" marR="90000">
+                    <a:lnL w="720">
+                      <a:solidFill>
+                        <a:srgbClr val="ffffff"/>
+                      </a:solidFill>
+                    </a:lnL>
+                    <a:lnR w="720">
+                      <a:solidFill>
+                        <a:srgbClr val="ffffff"/>
+                      </a:solidFill>
+                    </a:lnR>
+                    <a:lnT w="720">
+                      <a:solidFill>
+                        <a:srgbClr val="ffffff"/>
+                      </a:solidFill>
+                    </a:lnT>
+                    <a:lnB w="720">
+                      <a:solidFill>
+                        <a:srgbClr val="ffffff"/>
+                      </a:solidFill>
+                    </a:lnB>
+                    <a:solidFill>
+                      <a:srgbClr val="cccccc"/>
+                    </a:solidFill>
+                  </a:tcPr>
+                </a:tc>
+                <a:tc>
+                  <a:txBody>
+                    <a:bodyPr lIns="90000" rIns="90000" tIns="46800" bIns="46800"/>
+                    <a:p>
+                      <a:r>
+                        <a:rPr b="0" lang="en-US" sz="1800" spc="-1" strike="noStrike">
+                          <a:solidFill>
+                            <a:srgbClr val="000000"/>
+                          </a:solidFill>
+                          <a:uFill>
+                            <a:solidFill>
+                              <a:srgbClr val="ffffff"/>
+                            </a:solidFill>
+                          </a:uFill>
+                          <a:latin typeface="Arial"/>
+                        </a:rPr>
+                        <a:t>Contêiner Web e Aplicação</a:t>
+                      </a:r>
+                      <a:endParaRPr b="0" lang="en-US" sz="1800" spc="-1" strike="noStrike">
+                        <a:solidFill>
+                          <a:srgbClr val="000000"/>
+                        </a:solidFill>
+                        <a:uFill>
+                          <a:solidFill>
+                            <a:srgbClr val="ffffff"/>
+                          </a:solidFill>
+                        </a:uFill>
+                        <a:latin typeface="Arial"/>
+                      </a:endParaRPr>
+                    </a:p>
+                    <a:p>
+                      <a:endParaRPr b="0" lang="en-US" sz="1800" spc="-1" strike="noStrike">
+                        <a:solidFill>
+                          <a:srgbClr val="000000"/>
+                        </a:solidFill>
+                        <a:uFill>
+                          <a:solidFill>
+                            <a:srgbClr val="ffffff"/>
+                          </a:solidFill>
+                        </a:uFill>
+                        <a:latin typeface="Arial"/>
+                      </a:endParaRPr>
+                    </a:p>
+                  </a:txBody>
+                  <a:tcPr marL="90000" marR="90000">
+                    <a:lnL w="720">
+                      <a:solidFill>
+                        <a:srgbClr val="ffffff"/>
+                      </a:solidFill>
+                    </a:lnL>
+                    <a:lnR w="720">
+                      <a:solidFill>
+                        <a:srgbClr val="ffffff"/>
+                      </a:solidFill>
+                    </a:lnR>
+                    <a:lnT w="720">
+                      <a:solidFill>
+                        <a:srgbClr val="ffffff"/>
+                      </a:solidFill>
+                    </a:lnT>
+                    <a:lnB w="720">
+                      <a:solidFill>
+                        <a:srgbClr val="ffffff"/>
+                      </a:solidFill>
+                    </a:lnB>
+                    <a:solidFill>
+                      <a:srgbClr val="cccccc"/>
+                    </a:solidFill>
+                  </a:tcPr>
+                </a:tc>
+                <a:tc>
+                  <a:txBody>
+                    <a:bodyPr lIns="90000" rIns="90000" tIns="46800" bIns="46800"/>
+                    <a:p>
+                      <a:r>
+                        <a:rPr b="0" lang="en-US" sz="1200" spc="-1" strike="noStrike">
+                          <a:solidFill>
+                            <a:srgbClr val="00000a"/>
+                          </a:solidFill>
+                          <a:uFill>
+                            <a:solidFill>
+                              <a:srgbClr val="ffffff"/>
+                            </a:solidFill>
+                          </a:uFill>
+                          <a:latin typeface="Times New Roman"/>
+                          <a:ea typeface="Times New Roman"/>
+                        </a:rPr>
+                        <a:t>Docker</a:t>
+                      </a:r>
+                      <a:endParaRPr b="0" lang="en-US" sz="1800" spc="-1" strike="noStrike">
+                        <a:solidFill>
+                          <a:srgbClr val="000000"/>
+                        </a:solidFill>
+                        <a:uFill>
+                          <a:solidFill>
+                            <a:srgbClr val="ffffff"/>
+                          </a:solidFill>
+                        </a:uFill>
+                        <a:latin typeface="Arial"/>
+                      </a:endParaRPr>
+                    </a:p>
+                  </a:txBody>
+                  <a:tcPr marL="90000" marR="90000">
+                    <a:lnL w="720">
+                      <a:solidFill>
+                        <a:srgbClr val="ffffff"/>
+                      </a:solidFill>
+                    </a:lnL>
+                    <a:lnR w="720">
+                      <a:solidFill>
+                        <a:srgbClr val="ffffff"/>
+                      </a:solidFill>
+                    </a:lnR>
+                    <a:lnT w="720">
+                      <a:solidFill>
+                        <a:srgbClr val="ffffff"/>
+                      </a:solidFill>
+                    </a:lnT>
+                    <a:lnB w="720">
+                      <a:solidFill>
+                        <a:srgbClr val="ffffff"/>
+                      </a:solidFill>
+                    </a:lnB>
+                    <a:solidFill>
+                      <a:srgbClr val="cccccc"/>
+                    </a:solidFill>
+                  </a:tcPr>
+                </a:tc>
+              </a:tr>
+              <a:tr h="694800">
+                <a:tc>
+                  <a:txBody>
+                    <a:bodyPr lIns="90000" rIns="90000" tIns="46800" bIns="46800"/>
+                    <a:p>
+                      <a:r>
+                        <a:rPr b="0" lang="pt-BR" sz="1200" spc="-1" strike="noStrike">
+                          <a:solidFill>
+                            <a:srgbClr val="00000a"/>
+                          </a:solidFill>
+                          <a:uFill>
+                            <a:solidFill>
+                              <a:srgbClr val="ffffff"/>
+                            </a:solidFill>
+                          </a:uFill>
+                          <a:latin typeface="Times New Roman"/>
+                          <a:ea typeface="Times New Roman"/>
+                        </a:rPr>
+                        <a:t>Integração com outros módulos e/ou sistemas</a:t>
+                      </a:r>
+                      <a:endParaRPr b="0" lang="en-US" sz="1800" spc="-1" strike="noStrike">
+                        <a:solidFill>
+                          <a:srgbClr val="000000"/>
+                        </a:solidFill>
+                        <a:uFill>
+                          <a:solidFill>
+                            <a:srgbClr val="ffffff"/>
+                          </a:solidFill>
+                        </a:uFill>
+                        <a:latin typeface="Arial"/>
+                      </a:endParaRPr>
+                    </a:p>
+                  </a:txBody>
+                  <a:tcPr marL="90000" marR="90000">
+                    <a:lnL w="720">
+                      <a:solidFill>
+                        <a:srgbClr val="ffffff"/>
+                      </a:solidFill>
+                    </a:lnL>
+                    <a:lnR w="720">
+                      <a:solidFill>
+                        <a:srgbClr val="ffffff"/>
+                      </a:solidFill>
+                    </a:lnR>
+                    <a:lnT w="720">
+                      <a:solidFill>
+                        <a:srgbClr val="ffffff"/>
+                      </a:solidFill>
+                    </a:lnT>
+                    <a:lnB w="720">
+                      <a:solidFill>
+                        <a:srgbClr val="ffffff"/>
+                      </a:solidFill>
+                    </a:lnB>
+                    <a:solidFill>
+                      <a:srgbClr val="e6e6e6"/>
+                    </a:solidFill>
+                  </a:tcPr>
+                </a:tc>
+                <a:tc>
+                  <a:txBody>
+                    <a:bodyPr lIns="90000" rIns="90000" tIns="46800" bIns="46800"/>
+                    <a:p>
+                      <a:r>
+                        <a:rPr b="0" lang="pt-BR" sz="1200" spc="-1" strike="noStrike">
+                          <a:solidFill>
+                            <a:srgbClr val="00000a"/>
+                          </a:solidFill>
+                          <a:uFill>
+                            <a:solidFill>
+                              <a:srgbClr val="ffffff"/>
+                            </a:solidFill>
+                          </a:uFill>
+                          <a:latin typeface="Times New Roman"/>
+                          <a:ea typeface="Times New Roman"/>
+                        </a:rPr>
+                        <a:t>Interfaces Utilizando XML ou JSON</a:t>
+                      </a:r>
+                      <a:endParaRPr b="0" lang="en-US" sz="1800" spc="-1" strike="noStrike">
+                        <a:solidFill>
+                          <a:srgbClr val="000000"/>
+                        </a:solidFill>
+                        <a:uFill>
+                          <a:solidFill>
+                            <a:srgbClr val="ffffff"/>
+                          </a:solidFill>
+                        </a:uFill>
+                        <a:latin typeface="Arial"/>
+                      </a:endParaRPr>
+                    </a:p>
+                  </a:txBody>
+                  <a:tcPr marL="90000" marR="90000">
+                    <a:lnL w="720">
+                      <a:solidFill>
+                        <a:srgbClr val="ffffff"/>
+                      </a:solidFill>
+                    </a:lnL>
+                    <a:lnR w="720">
+                      <a:solidFill>
+                        <a:srgbClr val="ffffff"/>
+                      </a:solidFill>
+                    </a:lnR>
+                    <a:lnT w="720">
+                      <a:solidFill>
+                        <a:srgbClr val="ffffff"/>
+                      </a:solidFill>
+                    </a:lnT>
+                    <a:lnB w="720">
+                      <a:solidFill>
+                        <a:srgbClr val="ffffff"/>
+                      </a:solidFill>
+                    </a:lnB>
+                    <a:solidFill>
+                      <a:srgbClr val="e6e6e6"/>
+                    </a:solidFill>
+                  </a:tcPr>
+                </a:tc>
+                <a:tc>
+                  <a:txBody>
+                    <a:bodyPr lIns="90000" rIns="90000" tIns="46800" bIns="46800"/>
+                    <a:p>
+                      <a:r>
+                        <a:rPr b="0" lang="en-US" sz="1200" spc="-1" strike="noStrike">
+                          <a:solidFill>
+                            <a:srgbClr val="00000a"/>
+                          </a:solidFill>
+                          <a:uFill>
+                            <a:solidFill>
+                              <a:srgbClr val="ffffff"/>
+                            </a:solidFill>
+                          </a:uFill>
+                          <a:latin typeface="Times New Roman"/>
+                          <a:ea typeface="Times New Roman"/>
+                        </a:rPr>
+                        <a:t>WebServices e WebAPI</a:t>
+                      </a:r>
+                      <a:endParaRPr b="0" lang="en-US" sz="1800" spc="-1" strike="noStrike">
+                        <a:solidFill>
+                          <a:srgbClr val="000000"/>
+                        </a:solidFill>
+                        <a:uFill>
+                          <a:solidFill>
+                            <a:srgbClr val="ffffff"/>
+                          </a:solidFill>
+                        </a:uFill>
+                        <a:latin typeface="Arial"/>
+                      </a:endParaRPr>
+                    </a:p>
+                  </a:txBody>
+                  <a:tcPr marL="90000" marR="90000">
+                    <a:lnL w="720">
+                      <a:solidFill>
+                        <a:srgbClr val="ffffff"/>
+                      </a:solidFill>
+                    </a:lnL>
+                    <a:lnR w="720">
+                      <a:solidFill>
+                        <a:srgbClr val="ffffff"/>
+                      </a:solidFill>
+                    </a:lnR>
+                    <a:lnT w="720">
+                      <a:solidFill>
+                        <a:srgbClr val="ffffff"/>
+                      </a:solidFill>
+                    </a:lnT>
+                    <a:lnB w="720">
+                      <a:solidFill>
+                        <a:srgbClr val="ffffff"/>
+                      </a:solidFill>
+                    </a:lnB>
+                    <a:solidFill>
+                      <a:srgbClr val="e6e6e6"/>
+                    </a:solidFill>
+                  </a:tcPr>
+                </a:tc>
+              </a:tr>
+              <a:tr h="694800">
+                <a:tc>
+                  <a:txBody>
+                    <a:bodyPr lIns="90000" rIns="90000" tIns="46800" bIns="46800"/>
+                    <a:p>
+                      <a:r>
+                        <a:rPr b="0" lang="en-US" sz="1200" spc="-1" strike="noStrike">
+                          <a:solidFill>
+                            <a:srgbClr val="00000a"/>
+                          </a:solidFill>
+                          <a:uFill>
+                            <a:solidFill>
+                              <a:srgbClr val="ffffff"/>
+                            </a:solidFill>
+                          </a:uFill>
+                          <a:latin typeface="Times New Roman"/>
+                          <a:ea typeface="Times New Roman"/>
+                        </a:rPr>
+                        <a:t>ESB</a:t>
+                      </a:r>
+                      <a:endParaRPr b="0" lang="en-US" sz="1800" spc="-1" strike="noStrike">
+                        <a:solidFill>
+                          <a:srgbClr val="000000"/>
+                        </a:solidFill>
+                        <a:uFill>
+                          <a:solidFill>
+                            <a:srgbClr val="ffffff"/>
+                          </a:solidFill>
+                        </a:uFill>
+                        <a:latin typeface="Arial"/>
+                      </a:endParaRPr>
+                    </a:p>
+                  </a:txBody>
+                  <a:tcPr marL="90000" marR="90000">
+                    <a:lnL w="720">
+                      <a:solidFill>
+                        <a:srgbClr val="ffffff"/>
+                      </a:solidFill>
+                    </a:lnL>
+                    <a:lnR w="720">
+                      <a:solidFill>
+                        <a:srgbClr val="ffffff"/>
+                      </a:solidFill>
+                    </a:lnR>
+                    <a:lnT w="720">
+                      <a:solidFill>
+                        <a:srgbClr val="ffffff"/>
+                      </a:solidFill>
+                    </a:lnT>
+                    <a:lnB w="720">
+                      <a:solidFill>
+                        <a:srgbClr val="ffffff"/>
+                      </a:solidFill>
+                    </a:lnB>
+                    <a:solidFill>
+                      <a:srgbClr val="cccccc"/>
+                    </a:solidFill>
+                  </a:tcPr>
+                </a:tc>
+                <a:tc>
+                  <a:txBody>
+                    <a:bodyPr lIns="90000" rIns="90000" tIns="46800" bIns="46800"/>
+                    <a:p>
+                      <a:r>
+                        <a:rPr b="0" lang="en-US" sz="1200" spc="-1" strike="noStrike">
+                          <a:solidFill>
+                            <a:srgbClr val="00000a"/>
+                          </a:solidFill>
+                          <a:uFill>
+                            <a:solidFill>
+                              <a:srgbClr val="ffffff"/>
+                            </a:solidFill>
+                          </a:uFill>
+                          <a:latin typeface="Times New Roman"/>
+                          <a:ea typeface="Times New Roman"/>
+                        </a:rPr>
+                        <a:t>Integração através de Mensagens</a:t>
+                      </a:r>
+                      <a:endParaRPr b="0" lang="en-US" sz="1800" spc="-1" strike="noStrike">
+                        <a:solidFill>
+                          <a:srgbClr val="000000"/>
+                        </a:solidFill>
+                        <a:uFill>
+                          <a:solidFill>
+                            <a:srgbClr val="ffffff"/>
+                          </a:solidFill>
+                        </a:uFill>
+                        <a:latin typeface="Arial"/>
+                      </a:endParaRPr>
+                    </a:p>
+                  </a:txBody>
+                  <a:tcPr marL="90000" marR="90000">
+                    <a:lnL w="720">
+                      <a:solidFill>
+                        <a:srgbClr val="ffffff"/>
+                      </a:solidFill>
+                    </a:lnL>
+                    <a:lnR w="720">
+                      <a:solidFill>
+                        <a:srgbClr val="ffffff"/>
+                      </a:solidFill>
+                    </a:lnR>
+                    <a:lnT w="720">
+                      <a:solidFill>
+                        <a:srgbClr val="ffffff"/>
+                      </a:solidFill>
+                    </a:lnT>
+                    <a:lnB w="720">
+                      <a:solidFill>
+                        <a:srgbClr val="ffffff"/>
+                      </a:solidFill>
+                    </a:lnB>
+                    <a:solidFill>
+                      <a:srgbClr val="cccccc"/>
+                    </a:solidFill>
+                  </a:tcPr>
+                </a:tc>
+                <a:tc>
+                  <a:txBody>
+                    <a:bodyPr lIns="90000" rIns="90000" tIns="46800" bIns="46800"/>
+                    <a:p>
+                      <a:r>
+                        <a:rPr b="0" lang="en-US" sz="1800" spc="-1" strike="noStrike">
+                          <a:solidFill>
+                            <a:srgbClr val="000000"/>
+                          </a:solidFill>
+                          <a:uFill>
+                            <a:solidFill>
+                              <a:srgbClr val="ffffff"/>
+                            </a:solidFill>
+                          </a:uFill>
+                          <a:latin typeface="Arial"/>
+                        </a:rPr>
+                        <a:t>Spring Integration e ActiveMQ</a:t>
+                      </a:r>
+                      <a:endParaRPr b="0" lang="en-US" sz="1800" spc="-1" strike="noStrike">
+                        <a:solidFill>
+                          <a:srgbClr val="000000"/>
+                        </a:solidFill>
+                        <a:uFill>
+                          <a:solidFill>
+                            <a:srgbClr val="ffffff"/>
+                          </a:solidFill>
+                        </a:uFill>
+                        <a:latin typeface="Arial"/>
+                      </a:endParaRPr>
+                    </a:p>
+                    <a:p>
+                      <a:endParaRPr b="0" lang="en-US" sz="1800" spc="-1" strike="noStrike">
+                        <a:solidFill>
+                          <a:srgbClr val="000000"/>
+                        </a:solidFill>
+                        <a:uFill>
+                          <a:solidFill>
+                            <a:srgbClr val="ffffff"/>
+                          </a:solidFill>
+                        </a:uFill>
+                        <a:latin typeface="Arial"/>
+                      </a:endParaRPr>
+                    </a:p>
+                  </a:txBody>
+                  <a:tcPr marL="90000" marR="90000">
+                    <a:lnL w="720">
+                      <a:solidFill>
+                        <a:srgbClr val="ffffff"/>
+                      </a:solidFill>
+                    </a:lnL>
+                    <a:lnR w="720">
+                      <a:solidFill>
+                        <a:srgbClr val="ffffff"/>
+                      </a:solidFill>
+                    </a:lnR>
+                    <a:lnT w="720">
+                      <a:solidFill>
+                        <a:srgbClr val="ffffff"/>
+                      </a:solidFill>
+                    </a:lnT>
+                    <a:lnB w="720">
+                      <a:solidFill>
+                        <a:srgbClr val="ffffff"/>
+                      </a:solidFill>
+                    </a:lnB>
+                    <a:solidFill>
+                      <a:srgbClr val="cccccc"/>
+                    </a:solidFill>
+                  </a:tcPr>
+                </a:tc>
+              </a:tr>
+              <a:tr h="694800">
+                <a:tc>
+                  <a:txBody>
+                    <a:bodyPr lIns="90000" rIns="90000" tIns="46800" bIns="46800"/>
+                    <a:p>
+                      <a:r>
+                        <a:rPr b="0" lang="en-US" sz="1200" spc="-1" strike="noStrike">
+                          <a:solidFill>
+                            <a:srgbClr val="00000a"/>
+                          </a:solidFill>
+                          <a:uFill>
+                            <a:solidFill>
+                              <a:srgbClr val="ffffff"/>
+                            </a:solidFill>
+                          </a:uFill>
+                          <a:latin typeface="Times New Roman"/>
+                          <a:ea typeface="Times New Roman"/>
+                        </a:rPr>
+                        <a:t>Log</a:t>
+                      </a:r>
+                      <a:endParaRPr b="0" lang="en-US" sz="1800" spc="-1" strike="noStrike">
+                        <a:solidFill>
+                          <a:srgbClr val="000000"/>
+                        </a:solidFill>
+                        <a:uFill>
+                          <a:solidFill>
+                            <a:srgbClr val="ffffff"/>
+                          </a:solidFill>
+                        </a:uFill>
+                        <a:latin typeface="Arial"/>
+                      </a:endParaRPr>
+                    </a:p>
+                  </a:txBody>
+                  <a:tcPr marL="90000" marR="90000">
+                    <a:lnL w="720">
+                      <a:solidFill>
+                        <a:srgbClr val="ffffff"/>
+                      </a:solidFill>
+                    </a:lnL>
+                    <a:lnR w="720">
+                      <a:solidFill>
+                        <a:srgbClr val="ffffff"/>
+                      </a:solidFill>
+                    </a:lnR>
+                    <a:lnT w="720">
+                      <a:solidFill>
+                        <a:srgbClr val="ffffff"/>
+                      </a:solidFill>
+                    </a:lnT>
+                    <a:lnB w="720">
+                      <a:solidFill>
+                        <a:srgbClr val="ffffff"/>
+                      </a:solidFill>
+                    </a:lnB>
+                    <a:solidFill>
+                      <a:srgbClr val="e6e6e6"/>
+                    </a:solidFill>
+                  </a:tcPr>
+                </a:tc>
+                <a:tc>
+                  <a:txBody>
+                    <a:bodyPr lIns="90000" rIns="90000" tIns="46800" bIns="46800"/>
+                    <a:p>
+                      <a:r>
+                        <a:rPr b="0" lang="en-US" sz="1200" spc="-1" strike="noStrike">
+                          <a:solidFill>
+                            <a:srgbClr val="00000a"/>
+                          </a:solidFill>
+                          <a:uFill>
+                            <a:solidFill>
+                              <a:srgbClr val="ffffff"/>
+                            </a:solidFill>
+                          </a:uFill>
+                          <a:latin typeface="Times New Roman"/>
+                          <a:ea typeface="Times New Roman"/>
+                        </a:rPr>
+                        <a:t>Framework de Log</a:t>
+                      </a:r>
+                      <a:endParaRPr b="0" lang="en-US" sz="1800" spc="-1" strike="noStrike">
+                        <a:solidFill>
+                          <a:srgbClr val="000000"/>
+                        </a:solidFill>
+                        <a:uFill>
+                          <a:solidFill>
+                            <a:srgbClr val="ffffff"/>
+                          </a:solidFill>
+                        </a:uFill>
+                        <a:latin typeface="Arial"/>
+                      </a:endParaRPr>
+                    </a:p>
+                  </a:txBody>
+                  <a:tcPr marL="90000" marR="90000">
+                    <a:lnL w="720">
+                      <a:solidFill>
+                        <a:srgbClr val="ffffff"/>
+                      </a:solidFill>
+                    </a:lnL>
+                    <a:lnR w="720">
+                      <a:solidFill>
+                        <a:srgbClr val="ffffff"/>
+                      </a:solidFill>
+                    </a:lnR>
+                    <a:lnT w="720">
+                      <a:solidFill>
+                        <a:srgbClr val="ffffff"/>
+                      </a:solidFill>
+                    </a:lnT>
+                    <a:lnB w="720">
+                      <a:solidFill>
+                        <a:srgbClr val="ffffff"/>
+                      </a:solidFill>
+                    </a:lnB>
+                    <a:solidFill>
+                      <a:srgbClr val="e6e6e6"/>
+                    </a:solidFill>
+                  </a:tcPr>
+                </a:tc>
+                <a:tc>
+                  <a:txBody>
+                    <a:bodyPr lIns="90000" rIns="90000" tIns="46800" bIns="46800"/>
+                    <a:p>
+                      <a:r>
+                        <a:rPr b="0" lang="en-US" sz="1200" spc="-1" strike="noStrike">
+                          <a:solidFill>
+                            <a:srgbClr val="00000a"/>
+                          </a:solidFill>
+                          <a:uFill>
+                            <a:solidFill>
+                              <a:srgbClr val="ffffff"/>
+                            </a:solidFill>
+                          </a:uFill>
+                          <a:latin typeface="Times New Roman"/>
+                          <a:ea typeface="Times New Roman"/>
+                        </a:rPr>
+                        <a:t>SLF4J</a:t>
+                      </a:r>
+                      <a:endParaRPr b="0" lang="en-US" sz="1800" spc="-1" strike="noStrike">
+                        <a:solidFill>
+                          <a:srgbClr val="000000"/>
+                        </a:solidFill>
+                        <a:uFill>
+                          <a:solidFill>
+                            <a:srgbClr val="ffffff"/>
+                          </a:solidFill>
+                        </a:uFill>
+                        <a:latin typeface="Arial"/>
+                      </a:endParaRPr>
+                    </a:p>
+                  </a:txBody>
+                  <a:tcPr marL="90000" marR="90000">
+                    <a:lnL w="720">
+                      <a:solidFill>
+                        <a:srgbClr val="ffffff"/>
+                      </a:solidFill>
+                    </a:lnL>
+                    <a:lnR w="720">
+                      <a:solidFill>
+                        <a:srgbClr val="ffffff"/>
+                      </a:solidFill>
+                    </a:lnR>
+                    <a:lnT w="720">
+                      <a:solidFill>
+                        <a:srgbClr val="ffffff"/>
+                      </a:solidFill>
+                    </a:lnT>
+                    <a:lnB w="720">
+                      <a:solidFill>
+                        <a:srgbClr val="ffffff"/>
+                      </a:solidFill>
+                    </a:lnB>
+                    <a:solidFill>
+                      <a:srgbClr val="e6e6e6"/>
+                    </a:solidFill>
+                  </a:tcPr>
+                </a:tc>
+              </a:tr>
+              <a:tr h="699120">
+                <a:tc>
+                  <a:txBody>
+                    <a:bodyPr lIns="90000" rIns="90000" tIns="46800" bIns="46800"/>
+                    <a:p>
+                      <a:r>
+                        <a:rPr b="0" lang="en-US" sz="1200" spc="-1" strike="noStrike">
+                          <a:solidFill>
+                            <a:srgbClr val="00000a"/>
+                          </a:solidFill>
+                          <a:uFill>
+                            <a:solidFill>
+                              <a:srgbClr val="ffffff"/>
+                            </a:solidFill>
+                          </a:uFill>
+                          <a:latin typeface="Times New Roman"/>
+                          <a:ea typeface="Times New Roman"/>
+                        </a:rPr>
+                        <a:t>Cache</a:t>
+                      </a:r>
+                      <a:endParaRPr b="0" lang="en-US" sz="1800" spc="-1" strike="noStrike">
+                        <a:solidFill>
+                          <a:srgbClr val="000000"/>
+                        </a:solidFill>
+                        <a:uFill>
+                          <a:solidFill>
+                            <a:srgbClr val="ffffff"/>
+                          </a:solidFill>
+                        </a:uFill>
+                        <a:latin typeface="Arial"/>
+                      </a:endParaRPr>
+                    </a:p>
+                  </a:txBody>
+                  <a:tcPr marL="90000" marR="90000">
+                    <a:lnL w="720">
+                      <a:solidFill>
+                        <a:srgbClr val="ffffff"/>
+                      </a:solidFill>
+                    </a:lnL>
+                    <a:lnR w="720">
+                      <a:solidFill>
+                        <a:srgbClr val="ffffff"/>
+                      </a:solidFill>
+                    </a:lnR>
+                    <a:lnT w="720">
+                      <a:solidFill>
+                        <a:srgbClr val="ffffff"/>
+                      </a:solidFill>
+                    </a:lnT>
+                    <a:lnB w="720">
+                      <a:solidFill>
+                        <a:srgbClr val="ffffff"/>
+                      </a:solidFill>
+                    </a:lnB>
+                    <a:solidFill>
+                      <a:srgbClr val="cccccc"/>
+                    </a:solidFill>
+                  </a:tcPr>
+                </a:tc>
+                <a:tc>
+                  <a:txBody>
+                    <a:bodyPr lIns="90000" rIns="90000" tIns="46800" bIns="46800"/>
+                    <a:p>
+                      <a:r>
+                        <a:rPr b="0" lang="en-US" sz="1200" spc="-1" strike="noStrike">
+                          <a:solidFill>
+                            <a:srgbClr val="00000a"/>
+                          </a:solidFill>
+                          <a:uFill>
+                            <a:solidFill>
+                              <a:srgbClr val="ffffff"/>
+                            </a:solidFill>
+                          </a:uFill>
+                          <a:latin typeface="Times New Roman"/>
+                          <a:ea typeface="Times New Roman"/>
+                        </a:rPr>
+                        <a:t>Framework de Cache</a:t>
+                      </a:r>
+                      <a:endParaRPr b="0" lang="en-US" sz="1800" spc="-1" strike="noStrike">
+                        <a:solidFill>
+                          <a:srgbClr val="000000"/>
+                        </a:solidFill>
+                        <a:uFill>
+                          <a:solidFill>
+                            <a:srgbClr val="ffffff"/>
+                          </a:solidFill>
+                        </a:uFill>
+                        <a:latin typeface="Arial"/>
+                      </a:endParaRPr>
+                    </a:p>
+                  </a:txBody>
+                  <a:tcPr marL="90000" marR="90000">
+                    <a:lnL w="720">
+                      <a:solidFill>
+                        <a:srgbClr val="ffffff"/>
+                      </a:solidFill>
+                    </a:lnL>
+                    <a:lnR w="720">
+                      <a:solidFill>
+                        <a:srgbClr val="ffffff"/>
+                      </a:solidFill>
+                    </a:lnR>
+                    <a:lnT w="720">
+                      <a:solidFill>
+                        <a:srgbClr val="ffffff"/>
+                      </a:solidFill>
+                    </a:lnT>
+                    <a:lnB w="720">
+                      <a:solidFill>
+                        <a:srgbClr val="ffffff"/>
+                      </a:solidFill>
+                    </a:lnB>
+                    <a:solidFill>
+                      <a:srgbClr val="cccccc"/>
+                    </a:solidFill>
+                  </a:tcPr>
+                </a:tc>
+                <a:tc>
+                  <a:txBody>
+                    <a:bodyPr lIns="90000" rIns="90000" tIns="46800" bIns="46800"/>
+                    <a:p>
+                      <a:r>
+                        <a:rPr b="0" lang="en-US" sz="1200" spc="-1" strike="noStrike">
+                          <a:solidFill>
+                            <a:srgbClr val="00000a"/>
+                          </a:solidFill>
+                          <a:uFill>
+                            <a:solidFill>
+                              <a:srgbClr val="ffffff"/>
+                            </a:solidFill>
+                          </a:uFill>
+                          <a:latin typeface="Times New Roman"/>
+                          <a:ea typeface="Times New Roman"/>
+                        </a:rPr>
+                        <a:t>Guava</a:t>
+                      </a:r>
+                      <a:endParaRPr b="0" lang="en-US" sz="1800" spc="-1" strike="noStrike">
+                        <a:solidFill>
+                          <a:srgbClr val="000000"/>
+                        </a:solidFill>
+                        <a:uFill>
+                          <a:solidFill>
+                            <a:srgbClr val="ffffff"/>
+                          </a:solidFill>
+                        </a:uFill>
+                        <a:latin typeface="Arial"/>
+                      </a:endParaRPr>
+                    </a:p>
+                  </a:txBody>
+                  <a:tcPr marL="90000" marR="90000">
+                    <a:lnL w="720">
+                      <a:solidFill>
+                        <a:srgbClr val="ffffff"/>
+                      </a:solidFill>
+                    </a:lnL>
+                    <a:lnR w="720">
+                      <a:solidFill>
+                        <a:srgbClr val="ffffff"/>
+                      </a:solidFill>
+                    </a:lnR>
+                    <a:lnT w="720">
+                      <a:solidFill>
+                        <a:srgbClr val="ffffff"/>
+                      </a:solidFill>
+                    </a:lnT>
+                    <a:lnB w="720">
+                      <a:solidFill>
+                        <a:srgbClr val="ffffff"/>
+                      </a:solidFill>
+                    </a:lnB>
+                    <a:solidFill>
+                      <a:srgbClr val="cccccc"/>
+                    </a:solidFill>
+                  </a:tcPr>
+                </a:tc>
+              </a:tr>
+            </a:tbl>
+          </a:graphicData>
+        </a:graphic>
+      </p:graphicFrame>
     </p:spTree>
   </p:cSld>
-  <p:timing>
-    <p:tnLst>
-      <p:par>
-        <p:cTn id="21" dur="indefinite" restart="never" nodeType="tmRoot">
-          <p:childTnLst>
-            <p:seq>
-              <p:cTn id="22" nodeType="mainSeq"/>
-              <p:prevCondLst>
-                <p:cond delay="0" evt="onPrev">
-                  <p:tgtEl>
-                    <p:sldTgt/>
-                  </p:tgtEl>
-                </p:cond>
-              </p:prevCondLst>
-              <p:nextCondLst>
-                <p:cond delay="0" evt="onNext">
-                  <p:tgtEl>
-                    <p:sldTgt/>
-                  </p:tgtEl>
-                </p:cond>
-              </p:nextCondLst>
-            </p:seq>
-          </p:childTnLst>
-        </p:cTn>
-      </p:par>
-    </p:tnLst>
-  </p:timing>
 </p:sld>
 </file>
 
@@ -5030,14 +5760,14 @@
       </p:grpSpPr>
       <p:sp>
         <p:nvSpPr>
-          <p:cNvPr id="116" name="CustomShape 1"/>
+          <p:cNvPr id="117" name="CustomShape 1"/>
           <p:cNvSpPr/>
           <p:nvPr/>
         </p:nvSpPr>
         <p:spPr>
           <a:xfrm>
             <a:off x="0" y="1001880"/>
-            <a:ext cx="9143280" cy="664560"/>
+            <a:ext cx="9142920" cy="664200"/>
           </a:xfrm>
           <a:prstGeom prst="rect">
             <a:avLst/>
@@ -5053,35 +5783,27 @@
             </a:gsLst>
             <a:lin ang="16200000"/>
           </a:gradFill>
-          <a:ln>
+          <a:ln w="25560">
             <a:noFill/>
           </a:ln>
         </p:spPr>
         <p:style>
-          <a:lnRef idx="2">
-            <a:schemeClr val="accent1">
-              <a:shade val="50000"/>
-            </a:schemeClr>
-          </a:lnRef>
-          <a:fillRef idx="1">
-            <a:schemeClr val="accent1"/>
-          </a:fillRef>
-          <a:effectRef idx="0">
-            <a:schemeClr val="accent1"/>
-          </a:effectRef>
+          <a:lnRef idx="0"/>
+          <a:fillRef idx="0"/>
+          <a:effectRef idx="0"/>
           <a:fontRef idx="minor"/>
         </p:style>
       </p:sp>
       <p:sp>
         <p:nvSpPr>
-          <p:cNvPr id="117" name="CustomShape 2"/>
+          <p:cNvPr id="118" name="CustomShape 2"/>
           <p:cNvSpPr/>
           <p:nvPr/>
         </p:nvSpPr>
         <p:spPr>
           <a:xfrm>
             <a:off x="206280" y="1100160"/>
-            <a:ext cx="8735400" cy="470880"/>
+            <a:ext cx="8735040" cy="470520"/>
           </a:xfrm>
           <a:prstGeom prst="rect">
             <a:avLst/>
@@ -5136,14 +5858,14 @@
       </p:sp>
       <p:sp>
         <p:nvSpPr>
-          <p:cNvPr id="118" name="CustomShape 3"/>
+          <p:cNvPr id="119" name="CustomShape 3"/>
           <p:cNvSpPr/>
           <p:nvPr/>
         </p:nvSpPr>
         <p:spPr>
           <a:xfrm>
             <a:off x="179280" y="1770120"/>
-            <a:ext cx="8827200" cy="4118760"/>
+            <a:ext cx="8826840" cy="4118400"/>
           </a:xfrm>
           <a:prstGeom prst="rect">
             <a:avLst/>
@@ -5162,241 +5884,6 @@
         <p:txBody>
           <a:bodyPr lIns="90000" rIns="90000" tIns="45000" bIns="45000"/>
           <a:p>
-            <a:r>
-              <a:rPr b="1" lang="en-US" sz="2000" spc="-1" strike="noStrike">
-                <a:solidFill>
-                  <a:srgbClr val="404040"/>
-                </a:solidFill>
-                <a:uFill>
-                  <a:solidFill>
-                    <a:srgbClr val="ffffff"/>
-                  </a:solidFill>
-                </a:uFill>
-                <a:latin typeface="Calibri"/>
-                <a:ea typeface="DejaVu Sans"/>
-              </a:rPr>
-              <a:t>Comunicação entre Processos</a:t>
-            </a:r>
-            <a:endParaRPr b="0" lang="en-US" sz="1800" spc="-1" strike="noStrike">
-              <a:solidFill>
-                <a:srgbClr val="000000"/>
-              </a:solidFill>
-              <a:uFill>
-                <a:solidFill>
-                  <a:srgbClr val="ffffff"/>
-                </a:solidFill>
-              </a:uFill>
-              <a:latin typeface="Arial"/>
-            </a:endParaRPr>
-          </a:p>
-          <a:p>
-            <a:endParaRPr b="0" lang="en-US" sz="1800" spc="-1" strike="noStrike">
-              <a:solidFill>
-                <a:srgbClr val="000000"/>
-              </a:solidFill>
-              <a:uFill>
-                <a:solidFill>
-                  <a:srgbClr val="ffffff"/>
-                </a:solidFill>
-              </a:uFill>
-              <a:latin typeface="Arial"/>
-            </a:endParaRPr>
-          </a:p>
-          <a:p>
-            <a:r>
-              <a:rPr b="1" lang="en-US" sz="2000" spc="-1" strike="noStrike">
-                <a:solidFill>
-                  <a:srgbClr val="404040"/>
-                </a:solidFill>
-                <a:uFill>
-                  <a:solidFill>
-                    <a:srgbClr val="ffffff"/>
-                  </a:solidFill>
-                </a:uFill>
-                <a:latin typeface="Calibri"/>
-                <a:ea typeface="DejaVu Sans"/>
-              </a:rPr>
-              <a:t>Integração com outros módulos e/ou sistemas</a:t>
-            </a:r>
-            <a:endParaRPr b="0" lang="en-US" sz="1800" spc="-1" strike="noStrike">
-              <a:solidFill>
-                <a:srgbClr val="000000"/>
-              </a:solidFill>
-              <a:uFill>
-                <a:solidFill>
-                  <a:srgbClr val="ffffff"/>
-                </a:solidFill>
-              </a:uFill>
-              <a:latin typeface="Arial"/>
-            </a:endParaRPr>
-          </a:p>
-          <a:p>
-            <a:endParaRPr b="0" lang="en-US" sz="1800" spc="-1" strike="noStrike">
-              <a:solidFill>
-                <a:srgbClr val="000000"/>
-              </a:solidFill>
-              <a:uFill>
-                <a:solidFill>
-                  <a:srgbClr val="ffffff"/>
-                </a:solidFill>
-              </a:uFill>
-              <a:latin typeface="Arial"/>
-            </a:endParaRPr>
-          </a:p>
-          <a:p>
-            <a:r>
-              <a:rPr b="1" lang="en-US" sz="2000" spc="-1" strike="noStrike">
-                <a:solidFill>
-                  <a:srgbClr val="404040"/>
-                </a:solidFill>
-                <a:uFill>
-                  <a:solidFill>
-                    <a:srgbClr val="ffffff"/>
-                  </a:solidFill>
-                </a:uFill>
-                <a:latin typeface="Calibri"/>
-                <a:ea typeface="DejaVu Sans"/>
-              </a:rPr>
-              <a:t>ESB</a:t>
-            </a:r>
-            <a:endParaRPr b="0" lang="en-US" sz="1800" spc="-1" strike="noStrike">
-              <a:solidFill>
-                <a:srgbClr val="000000"/>
-              </a:solidFill>
-              <a:uFill>
-                <a:solidFill>
-                  <a:srgbClr val="ffffff"/>
-                </a:solidFill>
-              </a:uFill>
-              <a:latin typeface="Arial"/>
-            </a:endParaRPr>
-          </a:p>
-          <a:p>
-            <a:endParaRPr b="0" lang="en-US" sz="1800" spc="-1" strike="noStrike">
-              <a:solidFill>
-                <a:srgbClr val="000000"/>
-              </a:solidFill>
-              <a:uFill>
-                <a:solidFill>
-                  <a:srgbClr val="ffffff"/>
-                </a:solidFill>
-              </a:uFill>
-              <a:latin typeface="Arial"/>
-            </a:endParaRPr>
-          </a:p>
-          <a:p>
-            <a:r>
-              <a:rPr b="1" lang="en-US" sz="2000" spc="-1" strike="noStrike">
-                <a:solidFill>
-                  <a:srgbClr val="404040"/>
-                </a:solidFill>
-                <a:uFill>
-                  <a:solidFill>
-                    <a:srgbClr val="ffffff"/>
-                  </a:solidFill>
-                </a:uFill>
-                <a:latin typeface="Calibri"/>
-                <a:ea typeface="DejaVu Sans"/>
-              </a:rPr>
-              <a:t>Log</a:t>
-            </a:r>
-            <a:endParaRPr b="0" lang="en-US" sz="1800" spc="-1" strike="noStrike">
-              <a:solidFill>
-                <a:srgbClr val="000000"/>
-              </a:solidFill>
-              <a:uFill>
-                <a:solidFill>
-                  <a:srgbClr val="ffffff"/>
-                </a:solidFill>
-              </a:uFill>
-              <a:latin typeface="Arial"/>
-            </a:endParaRPr>
-          </a:p>
-          <a:p>
-            <a:endParaRPr b="0" lang="en-US" sz="1800" spc="-1" strike="noStrike">
-              <a:solidFill>
-                <a:srgbClr val="000000"/>
-              </a:solidFill>
-              <a:uFill>
-                <a:solidFill>
-                  <a:srgbClr val="ffffff"/>
-                </a:solidFill>
-              </a:uFill>
-              <a:latin typeface="Arial"/>
-            </a:endParaRPr>
-          </a:p>
-          <a:p>
-            <a:r>
-              <a:rPr b="1" lang="en-US" sz="2000" spc="-1" strike="noStrike">
-                <a:solidFill>
-                  <a:srgbClr val="404040"/>
-                </a:solidFill>
-                <a:uFill>
-                  <a:solidFill>
-                    <a:srgbClr val="ffffff"/>
-                  </a:solidFill>
-                </a:uFill>
-                <a:latin typeface="Calibri"/>
-                <a:ea typeface="DejaVu Sans"/>
-              </a:rPr>
-              <a:t>Cache</a:t>
-            </a:r>
-            <a:endParaRPr b="0" lang="en-US" sz="1800" spc="-1" strike="noStrike">
-              <a:solidFill>
-                <a:srgbClr val="000000"/>
-              </a:solidFill>
-              <a:uFill>
-                <a:solidFill>
-                  <a:srgbClr val="ffffff"/>
-                </a:solidFill>
-              </a:uFill>
-              <a:latin typeface="Arial"/>
-            </a:endParaRPr>
-          </a:p>
-          <a:p>
-            <a:endParaRPr b="0" lang="en-US" sz="1800" spc="-1" strike="noStrike">
-              <a:solidFill>
-                <a:srgbClr val="000000"/>
-              </a:solidFill>
-              <a:uFill>
-                <a:solidFill>
-                  <a:srgbClr val="ffffff"/>
-                </a:solidFill>
-              </a:uFill>
-              <a:latin typeface="Arial"/>
-            </a:endParaRPr>
-          </a:p>
-          <a:p>
-            <a:r>
-              <a:rPr b="1" lang="en-US" sz="2000" spc="-1" strike="noStrike">
-                <a:solidFill>
-                  <a:srgbClr val="404040"/>
-                </a:solidFill>
-                <a:uFill>
-                  <a:solidFill>
-                    <a:srgbClr val="ffffff"/>
-                  </a:solidFill>
-                </a:uFill>
-                <a:latin typeface="Calibri"/>
-                <a:ea typeface="DejaVu Sans"/>
-              </a:rPr>
-              <a:t>Build</a:t>
-            </a:r>
-            <a:r>
-              <a:rPr b="1" lang="en-US" sz="2000" spc="-1" strike="noStrike">
-                <a:solidFill>
-                  <a:srgbClr val="404040"/>
-                </a:solidFill>
-                <a:uFill>
-                  <a:solidFill>
-                    <a:srgbClr val="ffffff"/>
-                  </a:solidFill>
-                </a:uFill>
-                <a:latin typeface="Calibri"/>
-                <a:ea typeface="DejaVu Sans"/>
-              </a:rPr>
-              <a:t> </a:t>
-            </a:r>
             <a:endParaRPr b="0" lang="en-US" sz="1800" spc="-1" strike="noStrike">
               <a:solidFill>
                 <a:srgbClr val="000000"/>
@@ -5412,7 +5899,7 @@
           <a:p>
             <a:pPr>
               <a:lnSpc>
-                <a:spcPts val="299"/>
+                <a:spcPts val="105"/>
               </a:lnSpc>
             </a:pPr>
             <a:r>
@@ -5446,14 +5933,14 @@
       </p:sp>
       <p:sp>
         <p:nvSpPr>
-          <p:cNvPr id="119" name="CustomShape 4"/>
+          <p:cNvPr id="120" name="CustomShape 4"/>
           <p:cNvSpPr/>
           <p:nvPr/>
         </p:nvSpPr>
         <p:spPr>
           <a:xfrm>
             <a:off x="228600" y="461880"/>
-            <a:ext cx="8825760" cy="942480"/>
+            <a:ext cx="8825400" cy="942120"/>
           </a:xfrm>
           <a:prstGeom prst="rect">
             <a:avLst/>
@@ -5474,7 +5961,7 @@
           <a:p>
             <a:pPr>
               <a:lnSpc>
-                <a:spcPts val="349"/>
+                <a:spcPts val="123"/>
               </a:lnSpc>
             </a:pPr>
             <a:r>
@@ -5551,35 +6038,947 @@
           </a:p>
         </p:txBody>
       </p:sp>
+      <p:graphicFrame>
+        <p:nvGraphicFramePr>
+          <p:cNvPr id="121" name="Table 5"/>
+          <p:cNvGraphicFramePr/>
+          <p:nvPr/>
+        </p:nvGraphicFramePr>
+        <p:xfrm>
+          <a:off x="91440" y="1665000"/>
+          <a:ext cx="9052200" cy="5153760"/>
+        </p:xfrm>
+        <a:graphic>
+          <a:graphicData uri="http://schemas.openxmlformats.org/drawingml/2006/table">
+            <a:tbl>
+              <a:tblPr/>
+              <a:tblGrid>
+                <a:gridCol w="3016800"/>
+                <a:gridCol w="3016800"/>
+                <a:gridCol w="3018960"/>
+              </a:tblGrid>
+              <a:tr h="726120">
+                <a:tc>
+                  <a:txBody>
+                    <a:bodyPr lIns="90000" rIns="90000" tIns="46800" bIns="46800"/>
+                    <a:p>
+                      <a:r>
+                        <a:rPr b="0" lang="en-US" sz="1200" spc="-1" strike="noStrike">
+                          <a:solidFill>
+                            <a:srgbClr val="00000a"/>
+                          </a:solidFill>
+                          <a:uFill>
+                            <a:solidFill>
+                              <a:srgbClr val="ffffff"/>
+                            </a:solidFill>
+                          </a:uFill>
+                          <a:latin typeface="Times New Roman"/>
+                          <a:ea typeface="Times New Roman"/>
+                        </a:rPr>
+                        <a:t>Build</a:t>
+                      </a:r>
+                      <a:endParaRPr b="0" lang="en-US" sz="1800" spc="-1" strike="noStrike">
+                        <a:solidFill>
+                          <a:srgbClr val="000000"/>
+                        </a:solidFill>
+                        <a:uFill>
+                          <a:solidFill>
+                            <a:srgbClr val="ffffff"/>
+                          </a:solidFill>
+                        </a:uFill>
+                        <a:latin typeface="Arial"/>
+                      </a:endParaRPr>
+                    </a:p>
+                  </a:txBody>
+                  <a:tcPr marL="90000" marR="90000">
+                    <a:lnL w="720">
+                      <a:solidFill>
+                        <a:srgbClr val="ffffff"/>
+                      </a:solidFill>
+                    </a:lnL>
+                    <a:lnR w="720">
+                      <a:solidFill>
+                        <a:srgbClr val="ffffff"/>
+                      </a:solidFill>
+                    </a:lnR>
+                    <a:lnT w="720">
+                      <a:solidFill>
+                        <a:srgbClr val="ffffff"/>
+                      </a:solidFill>
+                    </a:lnT>
+                    <a:lnB w="720">
+                      <a:solidFill>
+                        <a:srgbClr val="ffffff"/>
+                      </a:solidFill>
+                    </a:lnB>
+                    <a:solidFill>
+                      <a:srgbClr val="b3b3b3"/>
+                    </a:solidFill>
+                  </a:tcPr>
+                </a:tc>
+                <a:tc>
+                  <a:txBody>
+                    <a:bodyPr lIns="90000" rIns="90000" tIns="46800" bIns="46800"/>
+                    <a:p>
+                      <a:r>
+                        <a:rPr b="0" lang="pt-BR" sz="1200" spc="-1" strike="noStrike">
+                          <a:solidFill>
+                            <a:srgbClr val="00000a"/>
+                          </a:solidFill>
+                          <a:uFill>
+                            <a:solidFill>
+                              <a:srgbClr val="ffffff"/>
+                            </a:solidFill>
+                          </a:uFill>
+                          <a:latin typeface="Times New Roman"/>
+                          <a:ea typeface="Times New Roman"/>
+                        </a:rPr>
+                        <a:t>Geração de Artefatos para servidores de aplicação</a:t>
+                      </a:r>
+                      <a:endParaRPr b="0" lang="en-US" sz="1800" spc="-1" strike="noStrike">
+                        <a:solidFill>
+                          <a:srgbClr val="000000"/>
+                        </a:solidFill>
+                        <a:uFill>
+                          <a:solidFill>
+                            <a:srgbClr val="ffffff"/>
+                          </a:solidFill>
+                        </a:uFill>
+                        <a:latin typeface="Arial"/>
+                      </a:endParaRPr>
+                    </a:p>
+                  </a:txBody>
+                  <a:tcPr marL="90000" marR="90000">
+                    <a:lnL w="720">
+                      <a:solidFill>
+                        <a:srgbClr val="ffffff"/>
+                      </a:solidFill>
+                    </a:lnL>
+                    <a:lnR w="720">
+                      <a:solidFill>
+                        <a:srgbClr val="ffffff"/>
+                      </a:solidFill>
+                    </a:lnR>
+                    <a:lnT w="720">
+                      <a:solidFill>
+                        <a:srgbClr val="ffffff"/>
+                      </a:solidFill>
+                    </a:lnT>
+                    <a:lnB w="720">
+                      <a:solidFill>
+                        <a:srgbClr val="ffffff"/>
+                      </a:solidFill>
+                    </a:lnB>
+                    <a:solidFill>
+                      <a:srgbClr val="b3b3b3"/>
+                    </a:solidFill>
+                  </a:tcPr>
+                </a:tc>
+                <a:tc>
+                  <a:txBody>
+                    <a:bodyPr lIns="90000" rIns="90000" tIns="46800" bIns="46800"/>
+                    <a:p>
+                      <a:r>
+                        <a:rPr b="0" lang="en-US" sz="1200" spc="-1" strike="noStrike">
+                          <a:solidFill>
+                            <a:srgbClr val="00000a"/>
+                          </a:solidFill>
+                          <a:uFill>
+                            <a:solidFill>
+                              <a:srgbClr val="ffffff"/>
+                            </a:solidFill>
+                          </a:uFill>
+                          <a:latin typeface="Times New Roman"/>
+                          <a:ea typeface="Times New Roman"/>
+                        </a:rPr>
+                        <a:t>Maven</a:t>
+                      </a:r>
+                      <a:endParaRPr b="0" lang="en-US" sz="1800" spc="-1" strike="noStrike">
+                        <a:solidFill>
+                          <a:srgbClr val="000000"/>
+                        </a:solidFill>
+                        <a:uFill>
+                          <a:solidFill>
+                            <a:srgbClr val="ffffff"/>
+                          </a:solidFill>
+                        </a:uFill>
+                        <a:latin typeface="Arial"/>
+                      </a:endParaRPr>
+                    </a:p>
+                  </a:txBody>
+                  <a:tcPr marL="90000" marR="90000">
+                    <a:lnL w="720">
+                      <a:solidFill>
+                        <a:srgbClr val="ffffff"/>
+                      </a:solidFill>
+                    </a:lnL>
+                    <a:lnR w="720">
+                      <a:solidFill>
+                        <a:srgbClr val="ffffff"/>
+                      </a:solidFill>
+                    </a:lnR>
+                    <a:lnT w="720">
+                      <a:solidFill>
+                        <a:srgbClr val="ffffff"/>
+                      </a:solidFill>
+                    </a:lnT>
+                    <a:lnB w="720">
+                      <a:solidFill>
+                        <a:srgbClr val="ffffff"/>
+                      </a:solidFill>
+                    </a:lnB>
+                    <a:solidFill>
+                      <a:srgbClr val="b3b3b3"/>
+                    </a:solidFill>
+                  </a:tcPr>
+                </a:tc>
+              </a:tr>
+              <a:tr h="818640">
+                <a:tc>
+                  <a:txBody>
+                    <a:bodyPr lIns="90000" rIns="90000" tIns="46800" bIns="46800"/>
+                    <a:p>
+                      <a:r>
+                        <a:rPr b="0" lang="en-US" sz="1200" spc="-1" strike="noStrike">
+                          <a:solidFill>
+                            <a:srgbClr val="00000a"/>
+                          </a:solidFill>
+                          <a:uFill>
+                            <a:solidFill>
+                              <a:srgbClr val="ffffff"/>
+                            </a:solidFill>
+                          </a:uFill>
+                          <a:latin typeface="Times New Roman"/>
+                          <a:ea typeface="Times New Roman"/>
+                        </a:rPr>
+                        <a:t>Deploy</a:t>
+                      </a:r>
+                      <a:endParaRPr b="0" lang="en-US" sz="1800" spc="-1" strike="noStrike">
+                        <a:solidFill>
+                          <a:srgbClr val="000000"/>
+                        </a:solidFill>
+                        <a:uFill>
+                          <a:solidFill>
+                            <a:srgbClr val="ffffff"/>
+                          </a:solidFill>
+                        </a:uFill>
+                        <a:latin typeface="Arial"/>
+                      </a:endParaRPr>
+                    </a:p>
+                  </a:txBody>
+                  <a:tcPr marL="90000" marR="90000">
+                    <a:lnL w="720">
+                      <a:solidFill>
+                        <a:srgbClr val="ffffff"/>
+                      </a:solidFill>
+                    </a:lnL>
+                    <a:lnR w="720">
+                      <a:solidFill>
+                        <a:srgbClr val="ffffff"/>
+                      </a:solidFill>
+                    </a:lnR>
+                    <a:lnT w="720">
+                      <a:solidFill>
+                        <a:srgbClr val="ffffff"/>
+                      </a:solidFill>
+                    </a:lnT>
+                    <a:lnB w="720">
+                      <a:solidFill>
+                        <a:srgbClr val="ffffff"/>
+                      </a:solidFill>
+                    </a:lnB>
+                    <a:solidFill>
+                      <a:srgbClr val="cccccc"/>
+                    </a:solidFill>
+                  </a:tcPr>
+                </a:tc>
+                <a:tc>
+                  <a:txBody>
+                    <a:bodyPr lIns="90000" rIns="90000" tIns="46800" bIns="46800"/>
+                    <a:p>
+                      <a:r>
+                        <a:rPr b="0" lang="pt-BR" sz="1800" spc="-1" strike="noStrike">
+                          <a:solidFill>
+                            <a:srgbClr val="000000"/>
+                          </a:solidFill>
+                          <a:uFill>
+                            <a:solidFill>
+                              <a:srgbClr val="ffffff"/>
+                            </a:solidFill>
+                          </a:uFill>
+                          <a:latin typeface="Arial"/>
+                        </a:rPr>
+                        <a:t>Deploy da Aplicação no servidor e testes automatizados e de integração</a:t>
+                      </a:r>
+                      <a:endParaRPr b="0" lang="en-US" sz="1800" spc="-1" strike="noStrike">
+                        <a:solidFill>
+                          <a:srgbClr val="000000"/>
+                        </a:solidFill>
+                        <a:uFill>
+                          <a:solidFill>
+                            <a:srgbClr val="ffffff"/>
+                          </a:solidFill>
+                        </a:uFill>
+                        <a:latin typeface="Arial"/>
+                      </a:endParaRPr>
+                    </a:p>
+                    <a:p>
+                      <a:endParaRPr b="0" lang="en-US" sz="1800" spc="-1" strike="noStrike">
+                        <a:solidFill>
+                          <a:srgbClr val="000000"/>
+                        </a:solidFill>
+                        <a:uFill>
+                          <a:solidFill>
+                            <a:srgbClr val="ffffff"/>
+                          </a:solidFill>
+                        </a:uFill>
+                        <a:latin typeface="Arial"/>
+                      </a:endParaRPr>
+                    </a:p>
+                  </a:txBody>
+                  <a:tcPr marL="90000" marR="90000">
+                    <a:lnL w="720">
+                      <a:solidFill>
+                        <a:srgbClr val="ffffff"/>
+                      </a:solidFill>
+                    </a:lnL>
+                    <a:lnR w="720">
+                      <a:solidFill>
+                        <a:srgbClr val="ffffff"/>
+                      </a:solidFill>
+                    </a:lnR>
+                    <a:lnT w="720">
+                      <a:solidFill>
+                        <a:srgbClr val="ffffff"/>
+                      </a:solidFill>
+                    </a:lnT>
+                    <a:lnB w="720">
+                      <a:solidFill>
+                        <a:srgbClr val="ffffff"/>
+                      </a:solidFill>
+                    </a:lnB>
+                    <a:solidFill>
+                      <a:srgbClr val="cccccc"/>
+                    </a:solidFill>
+                  </a:tcPr>
+                </a:tc>
+                <a:tc>
+                  <a:txBody>
+                    <a:bodyPr lIns="90000" rIns="90000" tIns="46800" bIns="46800"/>
+                    <a:p>
+                      <a:r>
+                        <a:rPr b="0" lang="en-US" sz="1200" spc="-1" strike="noStrike">
+                          <a:solidFill>
+                            <a:srgbClr val="00000a"/>
+                          </a:solidFill>
+                          <a:uFill>
+                            <a:solidFill>
+                              <a:srgbClr val="ffffff"/>
+                            </a:solidFill>
+                          </a:uFill>
+                          <a:latin typeface="Times New Roman"/>
+                          <a:ea typeface="Times New Roman"/>
+                        </a:rPr>
+                        <a:t>Jenkins</a:t>
+                      </a:r>
+                      <a:endParaRPr b="0" lang="en-US" sz="1800" spc="-1" strike="noStrike">
+                        <a:solidFill>
+                          <a:srgbClr val="000000"/>
+                        </a:solidFill>
+                        <a:uFill>
+                          <a:solidFill>
+                            <a:srgbClr val="ffffff"/>
+                          </a:solidFill>
+                        </a:uFill>
+                        <a:latin typeface="Arial"/>
+                      </a:endParaRPr>
+                    </a:p>
+                  </a:txBody>
+                  <a:tcPr marL="90000" marR="90000">
+                    <a:lnL w="720">
+                      <a:solidFill>
+                        <a:srgbClr val="ffffff"/>
+                      </a:solidFill>
+                    </a:lnL>
+                    <a:lnR w="720">
+                      <a:solidFill>
+                        <a:srgbClr val="ffffff"/>
+                      </a:solidFill>
+                    </a:lnR>
+                    <a:lnT w="720">
+                      <a:solidFill>
+                        <a:srgbClr val="ffffff"/>
+                      </a:solidFill>
+                    </a:lnT>
+                    <a:lnB w="720">
+                      <a:solidFill>
+                        <a:srgbClr val="ffffff"/>
+                      </a:solidFill>
+                    </a:lnB>
+                    <a:solidFill>
+                      <a:srgbClr val="cccccc"/>
+                    </a:solidFill>
+                  </a:tcPr>
+                </a:tc>
+              </a:tr>
+              <a:tr h="818640">
+                <a:tc>
+                  <a:txBody>
+                    <a:bodyPr lIns="90000" rIns="90000" tIns="46800" bIns="46800"/>
+                    <a:p>
+                      <a:r>
+                        <a:rPr b="0" lang="en-US" sz="1200" spc="-1" strike="noStrike">
+                          <a:solidFill>
+                            <a:srgbClr val="00000a"/>
+                          </a:solidFill>
+                          <a:uFill>
+                            <a:solidFill>
+                              <a:srgbClr val="ffffff"/>
+                            </a:solidFill>
+                          </a:uFill>
+                          <a:latin typeface="Times New Roman"/>
+                          <a:ea typeface="Times New Roman"/>
+                        </a:rPr>
+                        <a:t>Front-End</a:t>
+                      </a:r>
+                      <a:endParaRPr b="0" lang="en-US" sz="1800" spc="-1" strike="noStrike">
+                        <a:solidFill>
+                          <a:srgbClr val="000000"/>
+                        </a:solidFill>
+                        <a:uFill>
+                          <a:solidFill>
+                            <a:srgbClr val="ffffff"/>
+                          </a:solidFill>
+                        </a:uFill>
+                        <a:latin typeface="Arial"/>
+                      </a:endParaRPr>
+                    </a:p>
+                  </a:txBody>
+                  <a:tcPr marL="90000" marR="90000">
+                    <a:lnL w="720">
+                      <a:solidFill>
+                        <a:srgbClr val="ffffff"/>
+                      </a:solidFill>
+                    </a:lnL>
+                    <a:lnR w="720">
+                      <a:solidFill>
+                        <a:srgbClr val="ffffff"/>
+                      </a:solidFill>
+                    </a:lnR>
+                    <a:lnT w="720">
+                      <a:solidFill>
+                        <a:srgbClr val="ffffff"/>
+                      </a:solidFill>
+                    </a:lnT>
+                    <a:lnB w="720">
+                      <a:solidFill>
+                        <a:srgbClr val="ffffff"/>
+                      </a:solidFill>
+                    </a:lnB>
+                    <a:solidFill>
+                      <a:srgbClr val="e6e6e6"/>
+                    </a:solidFill>
+                  </a:tcPr>
+                </a:tc>
+                <a:tc>
+                  <a:txBody>
+                    <a:bodyPr lIns="90000" rIns="90000" tIns="46800" bIns="46800"/>
+                    <a:p>
+                      <a:r>
+                        <a:rPr b="0" lang="pt-BR" sz="1200" spc="-1" strike="noStrike">
+                          <a:solidFill>
+                            <a:srgbClr val="00000a"/>
+                          </a:solidFill>
+                          <a:uFill>
+                            <a:solidFill>
+                              <a:srgbClr val="ffffff"/>
+                            </a:solidFill>
+                          </a:uFill>
+                          <a:latin typeface="Times New Roman"/>
+                          <a:ea typeface="Times New Roman"/>
+                        </a:rPr>
+                        <a:t>Interface de Comunicação com o usuário do sistema</a:t>
+                      </a:r>
+                      <a:endParaRPr b="0" lang="en-US" sz="1800" spc="-1" strike="noStrike">
+                        <a:solidFill>
+                          <a:srgbClr val="000000"/>
+                        </a:solidFill>
+                        <a:uFill>
+                          <a:solidFill>
+                            <a:srgbClr val="ffffff"/>
+                          </a:solidFill>
+                        </a:uFill>
+                        <a:latin typeface="Arial"/>
+                      </a:endParaRPr>
+                    </a:p>
+                  </a:txBody>
+                  <a:tcPr marL="90000" marR="90000">
+                    <a:lnL w="720">
+                      <a:solidFill>
+                        <a:srgbClr val="ffffff"/>
+                      </a:solidFill>
+                    </a:lnL>
+                    <a:lnR w="720">
+                      <a:solidFill>
+                        <a:srgbClr val="ffffff"/>
+                      </a:solidFill>
+                    </a:lnR>
+                    <a:lnT w="720">
+                      <a:solidFill>
+                        <a:srgbClr val="ffffff"/>
+                      </a:solidFill>
+                    </a:lnT>
+                    <a:lnB w="720">
+                      <a:solidFill>
+                        <a:srgbClr val="ffffff"/>
+                      </a:solidFill>
+                    </a:lnB>
+                    <a:solidFill>
+                      <a:srgbClr val="e6e6e6"/>
+                    </a:solidFill>
+                  </a:tcPr>
+                </a:tc>
+                <a:tc>
+                  <a:txBody>
+                    <a:bodyPr lIns="90000" rIns="90000" tIns="46800" bIns="46800"/>
+                    <a:p>
+                      <a:r>
+                        <a:rPr b="0" lang="en-US" sz="1200" spc="-1" strike="noStrike">
+                          <a:solidFill>
+                            <a:srgbClr val="00000a"/>
+                          </a:solidFill>
+                          <a:uFill>
+                            <a:solidFill>
+                              <a:srgbClr val="ffffff"/>
+                            </a:solidFill>
+                          </a:uFill>
+                          <a:latin typeface="Times New Roman"/>
+                          <a:ea typeface="Times New Roman"/>
+                        </a:rPr>
+                        <a:t>Angular e Bootstrap</a:t>
+                      </a:r>
+                      <a:endParaRPr b="0" lang="en-US" sz="1800" spc="-1" strike="noStrike">
+                        <a:solidFill>
+                          <a:srgbClr val="000000"/>
+                        </a:solidFill>
+                        <a:uFill>
+                          <a:solidFill>
+                            <a:srgbClr val="ffffff"/>
+                          </a:solidFill>
+                        </a:uFill>
+                        <a:latin typeface="Arial"/>
+                      </a:endParaRPr>
+                    </a:p>
+                  </a:txBody>
+                  <a:tcPr marL="90000" marR="90000">
+                    <a:lnL w="720">
+                      <a:solidFill>
+                        <a:srgbClr val="ffffff"/>
+                      </a:solidFill>
+                    </a:lnL>
+                    <a:lnR w="720">
+                      <a:solidFill>
+                        <a:srgbClr val="ffffff"/>
+                      </a:solidFill>
+                    </a:lnR>
+                    <a:lnT w="720">
+                      <a:solidFill>
+                        <a:srgbClr val="ffffff"/>
+                      </a:solidFill>
+                    </a:lnT>
+                    <a:lnB w="720">
+                      <a:solidFill>
+                        <a:srgbClr val="ffffff"/>
+                      </a:solidFill>
+                    </a:lnB>
+                    <a:solidFill>
+                      <a:srgbClr val="e6e6e6"/>
+                    </a:solidFill>
+                  </a:tcPr>
+                </a:tc>
+              </a:tr>
+              <a:tr h="818640">
+                <a:tc>
+                  <a:txBody>
+                    <a:bodyPr lIns="90000" rIns="90000" tIns="46800" bIns="46800"/>
+                    <a:p>
+                      <a:r>
+                        <a:rPr b="0" lang="en-US" sz="1200" spc="-1" strike="noStrike">
+                          <a:solidFill>
+                            <a:srgbClr val="00000a"/>
+                          </a:solidFill>
+                          <a:uFill>
+                            <a:solidFill>
+                              <a:srgbClr val="ffffff"/>
+                            </a:solidFill>
+                          </a:uFill>
+                          <a:latin typeface="Times New Roman"/>
+                          <a:ea typeface="Times New Roman"/>
+                        </a:rPr>
+                        <a:t>Versionamento</a:t>
+                      </a:r>
+                      <a:endParaRPr b="0" lang="en-US" sz="1800" spc="-1" strike="noStrike">
+                        <a:solidFill>
+                          <a:srgbClr val="000000"/>
+                        </a:solidFill>
+                        <a:uFill>
+                          <a:solidFill>
+                            <a:srgbClr val="ffffff"/>
+                          </a:solidFill>
+                        </a:uFill>
+                        <a:latin typeface="Arial"/>
+                      </a:endParaRPr>
+                    </a:p>
+                  </a:txBody>
+                  <a:tcPr marL="90000" marR="90000">
+                    <a:lnL w="720">
+                      <a:solidFill>
+                        <a:srgbClr val="ffffff"/>
+                      </a:solidFill>
+                    </a:lnL>
+                    <a:lnR w="720">
+                      <a:solidFill>
+                        <a:srgbClr val="ffffff"/>
+                      </a:solidFill>
+                    </a:lnR>
+                    <a:lnT w="720">
+                      <a:solidFill>
+                        <a:srgbClr val="ffffff"/>
+                      </a:solidFill>
+                    </a:lnT>
+                    <a:lnB w="720">
+                      <a:solidFill>
+                        <a:srgbClr val="ffffff"/>
+                      </a:solidFill>
+                    </a:lnB>
+                    <a:solidFill>
+                      <a:srgbClr val="cccccc"/>
+                    </a:solidFill>
+                  </a:tcPr>
+                </a:tc>
+                <a:tc>
+                  <a:txBody>
+                    <a:bodyPr lIns="90000" rIns="90000" tIns="46800" bIns="46800"/>
+                    <a:p>
+                      <a:r>
+                        <a:rPr b="0" lang="pt-BR" sz="1800" spc="-1" strike="noStrike">
+                          <a:solidFill>
+                            <a:srgbClr val="000000"/>
+                          </a:solidFill>
+                          <a:uFill>
+                            <a:solidFill>
+                              <a:srgbClr val="ffffff"/>
+                            </a:solidFill>
+                          </a:uFill>
+                          <a:latin typeface="Arial"/>
+                        </a:rPr>
+                        <a:t>Versionamento do código fonte da aplicação</a:t>
+                      </a:r>
+                      <a:endParaRPr b="0" lang="en-US" sz="1800" spc="-1" strike="noStrike">
+                        <a:solidFill>
+                          <a:srgbClr val="000000"/>
+                        </a:solidFill>
+                        <a:uFill>
+                          <a:solidFill>
+                            <a:srgbClr val="ffffff"/>
+                          </a:solidFill>
+                        </a:uFill>
+                        <a:latin typeface="Arial"/>
+                      </a:endParaRPr>
+                    </a:p>
+                    <a:p>
+                      <a:endParaRPr b="0" lang="en-US" sz="1800" spc="-1" strike="noStrike">
+                        <a:solidFill>
+                          <a:srgbClr val="000000"/>
+                        </a:solidFill>
+                        <a:uFill>
+                          <a:solidFill>
+                            <a:srgbClr val="ffffff"/>
+                          </a:solidFill>
+                        </a:uFill>
+                        <a:latin typeface="Arial"/>
+                      </a:endParaRPr>
+                    </a:p>
+                  </a:txBody>
+                  <a:tcPr marL="90000" marR="90000">
+                    <a:lnL w="720">
+                      <a:solidFill>
+                        <a:srgbClr val="ffffff"/>
+                      </a:solidFill>
+                    </a:lnL>
+                    <a:lnR w="720">
+                      <a:solidFill>
+                        <a:srgbClr val="ffffff"/>
+                      </a:solidFill>
+                    </a:lnR>
+                    <a:lnT w="720">
+                      <a:solidFill>
+                        <a:srgbClr val="ffffff"/>
+                      </a:solidFill>
+                    </a:lnT>
+                    <a:lnB w="720">
+                      <a:solidFill>
+                        <a:srgbClr val="ffffff"/>
+                      </a:solidFill>
+                    </a:lnB>
+                    <a:solidFill>
+                      <a:srgbClr val="cccccc"/>
+                    </a:solidFill>
+                  </a:tcPr>
+                </a:tc>
+                <a:tc>
+                  <a:txBody>
+                    <a:bodyPr lIns="90000" rIns="90000" tIns="46800" bIns="46800"/>
+                    <a:p>
+                      <a:r>
+                        <a:rPr b="0" lang="en-US" sz="1200" spc="-1" strike="noStrike">
+                          <a:solidFill>
+                            <a:srgbClr val="00000a"/>
+                          </a:solidFill>
+                          <a:uFill>
+                            <a:solidFill>
+                              <a:srgbClr val="ffffff"/>
+                            </a:solidFill>
+                          </a:uFill>
+                          <a:latin typeface="Times New Roman"/>
+                          <a:ea typeface="Times New Roman"/>
+                        </a:rPr>
+                        <a:t>GIT/GitHub</a:t>
+                      </a:r>
+                      <a:endParaRPr b="0" lang="en-US" sz="1800" spc="-1" strike="noStrike">
+                        <a:solidFill>
+                          <a:srgbClr val="000000"/>
+                        </a:solidFill>
+                        <a:uFill>
+                          <a:solidFill>
+                            <a:srgbClr val="ffffff"/>
+                          </a:solidFill>
+                        </a:uFill>
+                        <a:latin typeface="Arial"/>
+                      </a:endParaRPr>
+                    </a:p>
+                  </a:txBody>
+                  <a:tcPr marL="90000" marR="90000">
+                    <a:lnL w="720">
+                      <a:solidFill>
+                        <a:srgbClr val="ffffff"/>
+                      </a:solidFill>
+                    </a:lnL>
+                    <a:lnR w="720">
+                      <a:solidFill>
+                        <a:srgbClr val="ffffff"/>
+                      </a:solidFill>
+                    </a:lnR>
+                    <a:lnT w="720">
+                      <a:solidFill>
+                        <a:srgbClr val="ffffff"/>
+                      </a:solidFill>
+                    </a:lnT>
+                    <a:lnB w="720">
+                      <a:solidFill>
+                        <a:srgbClr val="ffffff"/>
+                      </a:solidFill>
+                    </a:lnB>
+                    <a:solidFill>
+                      <a:srgbClr val="cccccc"/>
+                    </a:solidFill>
+                  </a:tcPr>
+                </a:tc>
+              </a:tr>
+              <a:tr h="821160">
+                <a:tc>
+                  <a:txBody>
+                    <a:bodyPr lIns="90000" rIns="90000" tIns="46800" bIns="46800"/>
+                    <a:p>
+                      <a:r>
+                        <a:rPr b="0" lang="en-US" sz="1200" spc="-1" strike="noStrike">
+                          <a:solidFill>
+                            <a:srgbClr val="00000a"/>
+                          </a:solidFill>
+                          <a:uFill>
+                            <a:solidFill>
+                              <a:srgbClr val="ffffff"/>
+                            </a:solidFill>
+                          </a:uFill>
+                          <a:latin typeface="Times New Roman"/>
+                          <a:ea typeface="Times New Roman"/>
+                        </a:rPr>
+                        <a:t>Autenticação e Autorização</a:t>
+                      </a:r>
+                      <a:endParaRPr b="0" lang="en-US" sz="1800" spc="-1" strike="noStrike">
+                        <a:solidFill>
+                          <a:srgbClr val="000000"/>
+                        </a:solidFill>
+                        <a:uFill>
+                          <a:solidFill>
+                            <a:srgbClr val="ffffff"/>
+                          </a:solidFill>
+                        </a:uFill>
+                        <a:latin typeface="Arial"/>
+                      </a:endParaRPr>
+                    </a:p>
+                  </a:txBody>
+                  <a:tcPr marL="90000" marR="90000">
+                    <a:lnL w="720">
+                      <a:solidFill>
+                        <a:srgbClr val="ffffff"/>
+                      </a:solidFill>
+                    </a:lnL>
+                    <a:lnR w="720">
+                      <a:solidFill>
+                        <a:srgbClr val="ffffff"/>
+                      </a:solidFill>
+                    </a:lnR>
+                    <a:lnT w="720">
+                      <a:solidFill>
+                        <a:srgbClr val="ffffff"/>
+                      </a:solidFill>
+                    </a:lnT>
+                    <a:lnB w="720">
+                      <a:solidFill>
+                        <a:srgbClr val="ffffff"/>
+                      </a:solidFill>
+                    </a:lnB>
+                    <a:solidFill>
+                      <a:srgbClr val="e6e6e6"/>
+                    </a:solidFill>
+                  </a:tcPr>
+                </a:tc>
+                <a:tc>
+                  <a:txBody>
+                    <a:bodyPr lIns="90000" rIns="90000" tIns="46800" bIns="46800"/>
+                    <a:p>
+                      <a:r>
+                        <a:rPr b="0" lang="pt-BR" sz="1800" spc="-1" strike="noStrike">
+                          <a:solidFill>
+                            <a:srgbClr val="000000"/>
+                          </a:solidFill>
+                          <a:uFill>
+                            <a:solidFill>
+                              <a:srgbClr val="ffffff"/>
+                            </a:solidFill>
+                          </a:uFill>
+                          <a:latin typeface="Arial"/>
+                        </a:rPr>
+                        <a:t>Verificação de credenciais e tentativas de acesso a funcionalidades restritas e validação de perfis</a:t>
+                      </a:r>
+                      <a:endParaRPr b="0" lang="en-US" sz="1800" spc="-1" strike="noStrike">
+                        <a:solidFill>
+                          <a:srgbClr val="000000"/>
+                        </a:solidFill>
+                        <a:uFill>
+                          <a:solidFill>
+                            <a:srgbClr val="ffffff"/>
+                          </a:solidFill>
+                        </a:uFill>
+                        <a:latin typeface="Arial"/>
+                      </a:endParaRPr>
+                    </a:p>
+                    <a:p>
+                      <a:endParaRPr b="0" lang="en-US" sz="1800" spc="-1" strike="noStrike">
+                        <a:solidFill>
+                          <a:srgbClr val="000000"/>
+                        </a:solidFill>
+                        <a:uFill>
+                          <a:solidFill>
+                            <a:srgbClr val="ffffff"/>
+                          </a:solidFill>
+                        </a:uFill>
+                        <a:latin typeface="Arial"/>
+                      </a:endParaRPr>
+                    </a:p>
+                  </a:txBody>
+                  <a:tcPr marL="90000" marR="90000">
+                    <a:lnL w="720">
+                      <a:solidFill>
+                        <a:srgbClr val="ffffff"/>
+                      </a:solidFill>
+                    </a:lnL>
+                    <a:lnR w="720">
+                      <a:solidFill>
+                        <a:srgbClr val="ffffff"/>
+                      </a:solidFill>
+                    </a:lnR>
+                    <a:lnT w="720">
+                      <a:solidFill>
+                        <a:srgbClr val="ffffff"/>
+                      </a:solidFill>
+                    </a:lnT>
+                    <a:lnB w="720">
+                      <a:solidFill>
+                        <a:srgbClr val="ffffff"/>
+                      </a:solidFill>
+                    </a:lnB>
+                    <a:solidFill>
+                      <a:srgbClr val="e6e6e6"/>
+                    </a:solidFill>
+                  </a:tcPr>
+                </a:tc>
+                <a:tc>
+                  <a:txBody>
+                    <a:bodyPr lIns="90000" rIns="90000" tIns="46800" bIns="46800"/>
+                    <a:p>
+                      <a:r>
+                        <a:rPr b="0" lang="en-US" sz="1200" spc="-1" strike="noStrike">
+                          <a:solidFill>
+                            <a:srgbClr val="00000a"/>
+                          </a:solidFill>
+                          <a:uFill>
+                            <a:solidFill>
+                              <a:srgbClr val="ffffff"/>
+                            </a:solidFill>
+                          </a:uFill>
+                          <a:latin typeface="Times New Roman"/>
+                          <a:ea typeface="Times New Roman"/>
+                        </a:rPr>
+                        <a:t>Oauth e JWT</a:t>
+                      </a:r>
+                      <a:endParaRPr b="0" lang="en-US" sz="1800" spc="-1" strike="noStrike">
+                        <a:solidFill>
+                          <a:srgbClr val="000000"/>
+                        </a:solidFill>
+                        <a:uFill>
+                          <a:solidFill>
+                            <a:srgbClr val="ffffff"/>
+                          </a:solidFill>
+                        </a:uFill>
+                        <a:latin typeface="Arial"/>
+                      </a:endParaRPr>
+                    </a:p>
+                  </a:txBody>
+                  <a:tcPr marL="90000" marR="90000">
+                    <a:lnL w="720">
+                      <a:solidFill>
+                        <a:srgbClr val="ffffff"/>
+                      </a:solidFill>
+                    </a:lnL>
+                    <a:lnR w="720">
+                      <a:solidFill>
+                        <a:srgbClr val="ffffff"/>
+                      </a:solidFill>
+                    </a:lnR>
+                    <a:lnT w="720">
+                      <a:solidFill>
+                        <a:srgbClr val="ffffff"/>
+                      </a:solidFill>
+                    </a:lnT>
+                    <a:lnB w="720">
+                      <a:solidFill>
+                        <a:srgbClr val="ffffff"/>
+                      </a:solidFill>
+                    </a:lnB>
+                    <a:solidFill>
+                      <a:srgbClr val="e6e6e6"/>
+                    </a:solidFill>
+                  </a:tcPr>
+                </a:tc>
+              </a:tr>
+            </a:tbl>
+          </a:graphicData>
+        </a:graphic>
+      </p:graphicFrame>
     </p:spTree>
   </p:cSld>
-  <p:timing>
-    <p:tnLst>
-      <p:par>
-        <p:cTn id="23" dur="indefinite" restart="never" nodeType="tmRoot">
-          <p:childTnLst>
-            <p:seq>
-              <p:cTn id="24" nodeType="mainSeq"/>
-              <p:prevCondLst>
-                <p:cond delay="0" evt="onPrev">
-                  <p:tgtEl>
-                    <p:sldTgt/>
-                  </p:tgtEl>
-                </p:cond>
-              </p:prevCondLst>
-              <p:nextCondLst>
-                <p:cond delay="0" evt="onNext">
-                  <p:tgtEl>
-                    <p:sldTgt/>
-                  </p:tgtEl>
-                </p:cond>
-              </p:nextCondLst>
-            </p:seq>
-          </p:childTnLst>
-        </p:cTn>
-      </p:par>
-    </p:tnLst>
-  </p:timing>
 </p:sld>
 </file>
 
@@ -5602,14 +7001,14 @@
       </p:grpSpPr>
       <p:sp>
         <p:nvSpPr>
-          <p:cNvPr id="120" name="CustomShape 1"/>
+          <p:cNvPr id="122" name="CustomShape 1"/>
           <p:cNvSpPr/>
           <p:nvPr/>
         </p:nvSpPr>
         <p:spPr>
           <a:xfrm>
             <a:off x="0" y="1001880"/>
-            <a:ext cx="9143280" cy="664560"/>
+            <a:ext cx="9142920" cy="664200"/>
           </a:xfrm>
           <a:prstGeom prst="rect">
             <a:avLst/>
@@ -5625,35 +7024,27 @@
             </a:gsLst>
             <a:lin ang="16200000"/>
           </a:gradFill>
-          <a:ln>
+          <a:ln w="25560">
             <a:noFill/>
           </a:ln>
         </p:spPr>
         <p:style>
-          <a:lnRef idx="2">
-            <a:schemeClr val="accent1">
-              <a:shade val="50000"/>
-            </a:schemeClr>
-          </a:lnRef>
-          <a:fillRef idx="1">
-            <a:schemeClr val="accent1"/>
-          </a:fillRef>
-          <a:effectRef idx="0">
-            <a:schemeClr val="accent1"/>
-          </a:effectRef>
+          <a:lnRef idx="0"/>
+          <a:fillRef idx="0"/>
+          <a:effectRef idx="0"/>
           <a:fontRef idx="minor"/>
         </p:style>
       </p:sp>
       <p:sp>
         <p:nvSpPr>
-          <p:cNvPr id="121" name="CustomShape 2"/>
+          <p:cNvPr id="123" name="CustomShape 2"/>
           <p:cNvSpPr/>
           <p:nvPr/>
         </p:nvSpPr>
         <p:spPr>
           <a:xfrm>
             <a:off x="206280" y="1100160"/>
-            <a:ext cx="8735400" cy="470880"/>
+            <a:ext cx="8735040" cy="470520"/>
           </a:xfrm>
           <a:prstGeom prst="rect">
             <a:avLst/>
@@ -5708,14 +7099,14 @@
       </p:sp>
       <p:sp>
         <p:nvSpPr>
-          <p:cNvPr id="122" name="CustomShape 3"/>
+          <p:cNvPr id="124" name="CustomShape 3"/>
           <p:cNvSpPr/>
           <p:nvPr/>
         </p:nvSpPr>
         <p:spPr>
           <a:xfrm>
             <a:off x="179280" y="1770120"/>
-            <a:ext cx="8827200" cy="4118760"/>
+            <a:ext cx="8826840" cy="4118400"/>
           </a:xfrm>
           <a:prstGeom prst="rect">
             <a:avLst/>
@@ -5734,241 +7125,6 @@
         <p:txBody>
           <a:bodyPr lIns="90000" rIns="90000" tIns="45000" bIns="45000"/>
           <a:p>
-            <a:r>
-              <a:rPr b="1" lang="en-US" sz="2000" spc="-1" strike="noStrike">
-                <a:solidFill>
-                  <a:srgbClr val="404040"/>
-                </a:solidFill>
-                <a:uFill>
-                  <a:solidFill>
-                    <a:srgbClr val="ffffff"/>
-                  </a:solidFill>
-                </a:uFill>
-                <a:latin typeface="Calibri"/>
-                <a:ea typeface="DejaVu Sans"/>
-              </a:rPr>
-              <a:t>Comunicação entre Processos</a:t>
-            </a:r>
-            <a:endParaRPr b="0" lang="en-US" sz="1800" spc="-1" strike="noStrike">
-              <a:solidFill>
-                <a:srgbClr val="000000"/>
-              </a:solidFill>
-              <a:uFill>
-                <a:solidFill>
-                  <a:srgbClr val="ffffff"/>
-                </a:solidFill>
-              </a:uFill>
-              <a:latin typeface="Arial"/>
-            </a:endParaRPr>
-          </a:p>
-          <a:p>
-            <a:endParaRPr b="0" lang="en-US" sz="1800" spc="-1" strike="noStrike">
-              <a:solidFill>
-                <a:srgbClr val="000000"/>
-              </a:solidFill>
-              <a:uFill>
-                <a:solidFill>
-                  <a:srgbClr val="ffffff"/>
-                </a:solidFill>
-              </a:uFill>
-              <a:latin typeface="Arial"/>
-            </a:endParaRPr>
-          </a:p>
-          <a:p>
-            <a:r>
-              <a:rPr b="1" lang="en-US" sz="2000" spc="-1" strike="noStrike">
-                <a:solidFill>
-                  <a:srgbClr val="404040"/>
-                </a:solidFill>
-                <a:uFill>
-                  <a:solidFill>
-                    <a:srgbClr val="ffffff"/>
-                  </a:solidFill>
-                </a:uFill>
-                <a:latin typeface="Calibri"/>
-                <a:ea typeface="DejaVu Sans"/>
-              </a:rPr>
-              <a:t>Integração com outros módulos e/ou sistemas</a:t>
-            </a:r>
-            <a:endParaRPr b="0" lang="en-US" sz="1800" spc="-1" strike="noStrike">
-              <a:solidFill>
-                <a:srgbClr val="000000"/>
-              </a:solidFill>
-              <a:uFill>
-                <a:solidFill>
-                  <a:srgbClr val="ffffff"/>
-                </a:solidFill>
-              </a:uFill>
-              <a:latin typeface="Arial"/>
-            </a:endParaRPr>
-          </a:p>
-          <a:p>
-            <a:endParaRPr b="0" lang="en-US" sz="1800" spc="-1" strike="noStrike">
-              <a:solidFill>
-                <a:srgbClr val="000000"/>
-              </a:solidFill>
-              <a:uFill>
-                <a:solidFill>
-                  <a:srgbClr val="ffffff"/>
-                </a:solidFill>
-              </a:uFill>
-              <a:latin typeface="Arial"/>
-            </a:endParaRPr>
-          </a:p>
-          <a:p>
-            <a:r>
-              <a:rPr b="1" lang="en-US" sz="2000" spc="-1" strike="noStrike">
-                <a:solidFill>
-                  <a:srgbClr val="404040"/>
-                </a:solidFill>
-                <a:uFill>
-                  <a:solidFill>
-                    <a:srgbClr val="ffffff"/>
-                  </a:solidFill>
-                </a:uFill>
-                <a:latin typeface="Calibri"/>
-                <a:ea typeface="DejaVu Sans"/>
-              </a:rPr>
-              <a:t>ESB</a:t>
-            </a:r>
-            <a:endParaRPr b="0" lang="en-US" sz="1800" spc="-1" strike="noStrike">
-              <a:solidFill>
-                <a:srgbClr val="000000"/>
-              </a:solidFill>
-              <a:uFill>
-                <a:solidFill>
-                  <a:srgbClr val="ffffff"/>
-                </a:solidFill>
-              </a:uFill>
-              <a:latin typeface="Arial"/>
-            </a:endParaRPr>
-          </a:p>
-          <a:p>
-            <a:endParaRPr b="0" lang="en-US" sz="1800" spc="-1" strike="noStrike">
-              <a:solidFill>
-                <a:srgbClr val="000000"/>
-              </a:solidFill>
-              <a:uFill>
-                <a:solidFill>
-                  <a:srgbClr val="ffffff"/>
-                </a:solidFill>
-              </a:uFill>
-              <a:latin typeface="Arial"/>
-            </a:endParaRPr>
-          </a:p>
-          <a:p>
-            <a:r>
-              <a:rPr b="1" lang="en-US" sz="2000" spc="-1" strike="noStrike">
-                <a:solidFill>
-                  <a:srgbClr val="404040"/>
-                </a:solidFill>
-                <a:uFill>
-                  <a:solidFill>
-                    <a:srgbClr val="ffffff"/>
-                  </a:solidFill>
-                </a:uFill>
-                <a:latin typeface="Calibri"/>
-                <a:ea typeface="DejaVu Sans"/>
-              </a:rPr>
-              <a:t>Log</a:t>
-            </a:r>
-            <a:endParaRPr b="0" lang="en-US" sz="1800" spc="-1" strike="noStrike">
-              <a:solidFill>
-                <a:srgbClr val="000000"/>
-              </a:solidFill>
-              <a:uFill>
-                <a:solidFill>
-                  <a:srgbClr val="ffffff"/>
-                </a:solidFill>
-              </a:uFill>
-              <a:latin typeface="Arial"/>
-            </a:endParaRPr>
-          </a:p>
-          <a:p>
-            <a:endParaRPr b="0" lang="en-US" sz="1800" spc="-1" strike="noStrike">
-              <a:solidFill>
-                <a:srgbClr val="000000"/>
-              </a:solidFill>
-              <a:uFill>
-                <a:solidFill>
-                  <a:srgbClr val="ffffff"/>
-                </a:solidFill>
-              </a:uFill>
-              <a:latin typeface="Arial"/>
-            </a:endParaRPr>
-          </a:p>
-          <a:p>
-            <a:r>
-              <a:rPr b="1" lang="en-US" sz="2000" spc="-1" strike="noStrike">
-                <a:solidFill>
-                  <a:srgbClr val="404040"/>
-                </a:solidFill>
-                <a:uFill>
-                  <a:solidFill>
-                    <a:srgbClr val="ffffff"/>
-                  </a:solidFill>
-                </a:uFill>
-                <a:latin typeface="Calibri"/>
-                <a:ea typeface="DejaVu Sans"/>
-              </a:rPr>
-              <a:t>Cache</a:t>
-            </a:r>
-            <a:endParaRPr b="0" lang="en-US" sz="1800" spc="-1" strike="noStrike">
-              <a:solidFill>
-                <a:srgbClr val="000000"/>
-              </a:solidFill>
-              <a:uFill>
-                <a:solidFill>
-                  <a:srgbClr val="ffffff"/>
-                </a:solidFill>
-              </a:uFill>
-              <a:latin typeface="Arial"/>
-            </a:endParaRPr>
-          </a:p>
-          <a:p>
-            <a:endParaRPr b="0" lang="en-US" sz="1800" spc="-1" strike="noStrike">
-              <a:solidFill>
-                <a:srgbClr val="000000"/>
-              </a:solidFill>
-              <a:uFill>
-                <a:solidFill>
-                  <a:srgbClr val="ffffff"/>
-                </a:solidFill>
-              </a:uFill>
-              <a:latin typeface="Arial"/>
-            </a:endParaRPr>
-          </a:p>
-          <a:p>
-            <a:r>
-              <a:rPr b="1" lang="en-US" sz="2000" spc="-1" strike="noStrike">
-                <a:solidFill>
-                  <a:srgbClr val="404040"/>
-                </a:solidFill>
-                <a:uFill>
-                  <a:solidFill>
-                    <a:srgbClr val="ffffff"/>
-                  </a:solidFill>
-                </a:uFill>
-                <a:latin typeface="Calibri"/>
-                <a:ea typeface="DejaVu Sans"/>
-              </a:rPr>
-              <a:t>Build</a:t>
-            </a:r>
-            <a:r>
-              <a:rPr b="1" lang="en-US" sz="2000" spc="-1" strike="noStrike">
-                <a:solidFill>
-                  <a:srgbClr val="404040"/>
-                </a:solidFill>
-                <a:uFill>
-                  <a:solidFill>
-                    <a:srgbClr val="ffffff"/>
-                  </a:solidFill>
-                </a:uFill>
-                <a:latin typeface="Calibri"/>
-                <a:ea typeface="DejaVu Sans"/>
-              </a:rPr>
-              <a:t> </a:t>
-            </a:r>
             <a:endParaRPr b="0" lang="en-US" sz="1800" spc="-1" strike="noStrike">
               <a:solidFill>
                 <a:srgbClr val="000000"/>
@@ -5984,7 +7140,7 @@
           <a:p>
             <a:pPr>
               <a:lnSpc>
-                <a:spcPts val="299"/>
+                <a:spcPts val="105"/>
               </a:lnSpc>
             </a:pPr>
             <a:r>
@@ -6018,14 +7174,14 @@
       </p:sp>
       <p:sp>
         <p:nvSpPr>
-          <p:cNvPr id="123" name="CustomShape 4"/>
+          <p:cNvPr id="125" name="CustomShape 4"/>
           <p:cNvSpPr/>
           <p:nvPr/>
         </p:nvSpPr>
         <p:spPr>
           <a:xfrm>
             <a:off x="228600" y="461880"/>
-            <a:ext cx="8825760" cy="942480"/>
+            <a:ext cx="8825400" cy="942120"/>
           </a:xfrm>
           <a:prstGeom prst="rect">
             <a:avLst/>
@@ -6046,7 +7202,7 @@
           <a:p>
             <a:pPr>
               <a:lnSpc>
-                <a:spcPts val="349"/>
+                <a:spcPts val="123"/>
               </a:lnSpc>
             </a:pPr>
             <a:r>
@@ -6123,35 +7279,950 @@
           </a:p>
         </p:txBody>
       </p:sp>
+      <p:graphicFrame>
+        <p:nvGraphicFramePr>
+          <p:cNvPr id="126" name="Table 5"/>
+          <p:cNvGraphicFramePr/>
+          <p:nvPr/>
+        </p:nvGraphicFramePr>
+        <p:xfrm>
+          <a:off x="91440" y="1665000"/>
+          <a:ext cx="9052200" cy="4002840"/>
+        </p:xfrm>
+        <a:graphic>
+          <a:graphicData uri="http://schemas.openxmlformats.org/drawingml/2006/table">
+            <a:tbl>
+              <a:tblPr/>
+              <a:tblGrid>
+                <a:gridCol w="3016800"/>
+                <a:gridCol w="3016800"/>
+                <a:gridCol w="3018960"/>
+              </a:tblGrid>
+              <a:tr h="726120">
+                <a:tc>
+                  <a:txBody>
+                    <a:bodyPr lIns="90000" rIns="90000" tIns="46800" bIns="46800"/>
+                    <a:p>
+                      <a:r>
+                        <a:rPr b="0" lang="en-US" sz="1200" spc="-1" strike="noStrike">
+                          <a:solidFill>
+                            <a:srgbClr val="00000a"/>
+                          </a:solidFill>
+                          <a:uFill>
+                            <a:solidFill>
+                              <a:srgbClr val="ffffff"/>
+                            </a:solidFill>
+                          </a:uFill>
+                          <a:latin typeface="Times New Roman"/>
+                          <a:ea typeface="Times New Roman"/>
+                        </a:rPr>
+                        <a:t>Alta Disponibilidade</a:t>
+                      </a:r>
+                      <a:endParaRPr b="0" lang="en-US" sz="1800" spc="-1" strike="noStrike">
+                        <a:solidFill>
+                          <a:srgbClr val="000000"/>
+                        </a:solidFill>
+                        <a:uFill>
+                          <a:solidFill>
+                            <a:srgbClr val="ffffff"/>
+                          </a:solidFill>
+                        </a:uFill>
+                        <a:latin typeface="Arial"/>
+                      </a:endParaRPr>
+                    </a:p>
+                  </a:txBody>
+                  <a:tcPr marL="90000" marR="90000">
+                    <a:lnL w="720">
+                      <a:solidFill>
+                        <a:srgbClr val="ffffff"/>
+                      </a:solidFill>
+                    </a:lnL>
+                    <a:lnR w="720">
+                      <a:solidFill>
+                        <a:srgbClr val="ffffff"/>
+                      </a:solidFill>
+                    </a:lnR>
+                    <a:lnT w="720">
+                      <a:solidFill>
+                        <a:srgbClr val="ffffff"/>
+                      </a:solidFill>
+                    </a:lnT>
+                    <a:lnB w="720">
+                      <a:solidFill>
+                        <a:srgbClr val="ffffff"/>
+                      </a:solidFill>
+                    </a:lnB>
+                    <a:solidFill>
+                      <a:srgbClr val="b3b3b3"/>
+                    </a:solidFill>
+                  </a:tcPr>
+                </a:tc>
+                <a:tc>
+                  <a:txBody>
+                    <a:bodyPr lIns="90000" rIns="90000" tIns="46800" bIns="46800"/>
+                    <a:p>
+                      <a:r>
+                        <a:rPr b="0" lang="pt-BR" sz="1200" spc="-1" strike="noStrike">
+                          <a:solidFill>
+                            <a:srgbClr val="00000a"/>
+                          </a:solidFill>
+                          <a:uFill>
+                            <a:solidFill>
+                              <a:srgbClr val="ffffff"/>
+                            </a:solidFill>
+                          </a:uFill>
+                          <a:latin typeface="Times New Roman"/>
+                          <a:ea typeface="Times New Roman"/>
+                        </a:rPr>
+                        <a:t>Balanceamento de carga dos serviços</a:t>
+                      </a:r>
+                      <a:endParaRPr b="0" lang="en-US" sz="1800" spc="-1" strike="noStrike">
+                        <a:solidFill>
+                          <a:srgbClr val="000000"/>
+                        </a:solidFill>
+                        <a:uFill>
+                          <a:solidFill>
+                            <a:srgbClr val="ffffff"/>
+                          </a:solidFill>
+                        </a:uFill>
+                        <a:latin typeface="Arial"/>
+                      </a:endParaRPr>
+                    </a:p>
+                  </a:txBody>
+                  <a:tcPr marL="90000" marR="90000">
+                    <a:lnL w="720">
+                      <a:solidFill>
+                        <a:srgbClr val="ffffff"/>
+                      </a:solidFill>
+                    </a:lnL>
+                    <a:lnR w="720">
+                      <a:solidFill>
+                        <a:srgbClr val="ffffff"/>
+                      </a:solidFill>
+                    </a:lnR>
+                    <a:lnT w="720">
+                      <a:solidFill>
+                        <a:srgbClr val="ffffff"/>
+                      </a:solidFill>
+                    </a:lnT>
+                    <a:lnB w="720">
+                      <a:solidFill>
+                        <a:srgbClr val="ffffff"/>
+                      </a:solidFill>
+                    </a:lnB>
+                    <a:solidFill>
+                      <a:srgbClr val="b3b3b3"/>
+                    </a:solidFill>
+                  </a:tcPr>
+                </a:tc>
+                <a:tc>
+                  <a:txBody>
+                    <a:bodyPr lIns="90000" rIns="90000" tIns="46800" bIns="46800"/>
+                    <a:p>
+                      <a:r>
+                        <a:rPr b="0" lang="en-US" sz="1200" spc="-1" strike="noStrike">
+                          <a:solidFill>
+                            <a:srgbClr val="00000a"/>
+                          </a:solidFill>
+                          <a:uFill>
+                            <a:solidFill>
+                              <a:srgbClr val="ffffff"/>
+                            </a:solidFill>
+                          </a:uFill>
+                          <a:latin typeface="Times New Roman"/>
+                          <a:ea typeface="Times New Roman"/>
+                        </a:rPr>
+                        <a:t>Ribbon(Spring Cloud Netflix OSS)</a:t>
+                      </a:r>
+                      <a:endParaRPr b="0" lang="en-US" sz="1800" spc="-1" strike="noStrike">
+                        <a:solidFill>
+                          <a:srgbClr val="000000"/>
+                        </a:solidFill>
+                        <a:uFill>
+                          <a:solidFill>
+                            <a:srgbClr val="ffffff"/>
+                          </a:solidFill>
+                        </a:uFill>
+                        <a:latin typeface="Arial"/>
+                      </a:endParaRPr>
+                    </a:p>
+                  </a:txBody>
+                  <a:tcPr marL="90000" marR="90000">
+                    <a:lnL w="720">
+                      <a:solidFill>
+                        <a:srgbClr val="ffffff"/>
+                      </a:solidFill>
+                    </a:lnL>
+                    <a:lnR w="720">
+                      <a:solidFill>
+                        <a:srgbClr val="ffffff"/>
+                      </a:solidFill>
+                    </a:lnR>
+                    <a:lnT w="720">
+                      <a:solidFill>
+                        <a:srgbClr val="ffffff"/>
+                      </a:solidFill>
+                    </a:lnT>
+                    <a:lnB w="720">
+                      <a:solidFill>
+                        <a:srgbClr val="ffffff"/>
+                      </a:solidFill>
+                    </a:lnB>
+                    <a:solidFill>
+                      <a:srgbClr val="b3b3b3"/>
+                    </a:solidFill>
+                  </a:tcPr>
+                </a:tc>
+              </a:tr>
+              <a:tr h="818640">
+                <a:tc>
+                  <a:txBody>
+                    <a:bodyPr lIns="90000" rIns="90000" tIns="46800" bIns="46800"/>
+                    <a:p>
+                      <a:r>
+                        <a:rPr b="0" lang="en-US" sz="1200" spc="-1" strike="noStrike">
+                          <a:solidFill>
+                            <a:srgbClr val="00000a"/>
+                          </a:solidFill>
+                          <a:uFill>
+                            <a:solidFill>
+                              <a:srgbClr val="ffffff"/>
+                            </a:solidFill>
+                          </a:uFill>
+                          <a:latin typeface="Times New Roman"/>
+                          <a:ea typeface="Times New Roman"/>
+                        </a:rPr>
+                        <a:t>Descoberta de Serviços</a:t>
+                      </a:r>
+                      <a:endParaRPr b="0" lang="en-US" sz="1800" spc="-1" strike="noStrike">
+                        <a:solidFill>
+                          <a:srgbClr val="000000"/>
+                        </a:solidFill>
+                        <a:uFill>
+                          <a:solidFill>
+                            <a:srgbClr val="ffffff"/>
+                          </a:solidFill>
+                        </a:uFill>
+                        <a:latin typeface="Arial"/>
+                      </a:endParaRPr>
+                    </a:p>
+                  </a:txBody>
+                  <a:tcPr marL="90000" marR="90000">
+                    <a:lnL w="720">
+                      <a:solidFill>
+                        <a:srgbClr val="ffffff"/>
+                      </a:solidFill>
+                    </a:lnL>
+                    <a:lnR w="720">
+                      <a:solidFill>
+                        <a:srgbClr val="ffffff"/>
+                      </a:solidFill>
+                    </a:lnR>
+                    <a:lnT w="720">
+                      <a:solidFill>
+                        <a:srgbClr val="ffffff"/>
+                      </a:solidFill>
+                    </a:lnT>
+                    <a:lnB w="720">
+                      <a:solidFill>
+                        <a:srgbClr val="ffffff"/>
+                      </a:solidFill>
+                    </a:lnB>
+                    <a:solidFill>
+                      <a:srgbClr val="cccccc"/>
+                    </a:solidFill>
+                  </a:tcPr>
+                </a:tc>
+                <a:tc>
+                  <a:txBody>
+                    <a:bodyPr lIns="90000" rIns="90000" tIns="46800" bIns="46800"/>
+                    <a:p>
+                      <a:r>
+                        <a:rPr b="0" lang="pt-BR" sz="1200" spc="-1" strike="noStrike">
+                          <a:solidFill>
+                            <a:srgbClr val="00000a"/>
+                          </a:solidFill>
+                          <a:uFill>
+                            <a:solidFill>
+                              <a:srgbClr val="ffffff"/>
+                            </a:solidFill>
+                          </a:uFill>
+                          <a:latin typeface="Times New Roman"/>
+                          <a:ea typeface="Times New Roman"/>
+                        </a:rPr>
+                        <a:t>Registro e Descoberta de serviços</a:t>
+                      </a:r>
+                      <a:endParaRPr b="0" lang="en-US" sz="1800" spc="-1" strike="noStrike">
+                        <a:solidFill>
+                          <a:srgbClr val="000000"/>
+                        </a:solidFill>
+                        <a:uFill>
+                          <a:solidFill>
+                            <a:srgbClr val="ffffff"/>
+                          </a:solidFill>
+                        </a:uFill>
+                        <a:latin typeface="Arial"/>
+                      </a:endParaRPr>
+                    </a:p>
+                    <a:p>
+                      <a:endParaRPr b="0" lang="en-US" sz="1800" spc="-1" strike="noStrike">
+                        <a:solidFill>
+                          <a:srgbClr val="000000"/>
+                        </a:solidFill>
+                        <a:uFill>
+                          <a:solidFill>
+                            <a:srgbClr val="ffffff"/>
+                          </a:solidFill>
+                        </a:uFill>
+                        <a:latin typeface="Arial"/>
+                      </a:endParaRPr>
+                    </a:p>
+                  </a:txBody>
+                  <a:tcPr marL="90000" marR="90000">
+                    <a:lnL w="720">
+                      <a:solidFill>
+                        <a:srgbClr val="ffffff"/>
+                      </a:solidFill>
+                    </a:lnL>
+                    <a:lnR w="720">
+                      <a:solidFill>
+                        <a:srgbClr val="ffffff"/>
+                      </a:solidFill>
+                    </a:lnR>
+                    <a:lnT w="720">
+                      <a:solidFill>
+                        <a:srgbClr val="ffffff"/>
+                      </a:solidFill>
+                    </a:lnT>
+                    <a:lnB w="720">
+                      <a:solidFill>
+                        <a:srgbClr val="ffffff"/>
+                      </a:solidFill>
+                    </a:lnB>
+                    <a:solidFill>
+                      <a:srgbClr val="cccccc"/>
+                    </a:solidFill>
+                  </a:tcPr>
+                </a:tc>
+                <a:tc>
+                  <a:txBody>
+                    <a:bodyPr lIns="90000" rIns="90000" tIns="46800" bIns="46800"/>
+                    <a:p>
+                      <a:r>
+                        <a:rPr b="0" lang="en-US" sz="1200" spc="-1" strike="noStrike">
+                          <a:solidFill>
+                            <a:srgbClr val="00000a"/>
+                          </a:solidFill>
+                          <a:uFill>
+                            <a:solidFill>
+                              <a:srgbClr val="ffffff"/>
+                            </a:solidFill>
+                          </a:uFill>
+                          <a:latin typeface="Times New Roman"/>
+                          <a:ea typeface="Times New Roman"/>
+                        </a:rPr>
+                        <a:t>Eureka(Spring Cloud Netflix OSS)</a:t>
+                      </a:r>
+                      <a:endParaRPr b="0" lang="en-US" sz="1800" spc="-1" strike="noStrike">
+                        <a:solidFill>
+                          <a:srgbClr val="000000"/>
+                        </a:solidFill>
+                        <a:uFill>
+                          <a:solidFill>
+                            <a:srgbClr val="ffffff"/>
+                          </a:solidFill>
+                        </a:uFill>
+                        <a:latin typeface="Arial"/>
+                      </a:endParaRPr>
+                    </a:p>
+                  </a:txBody>
+                  <a:tcPr marL="90000" marR="90000">
+                    <a:lnL w="720">
+                      <a:solidFill>
+                        <a:srgbClr val="ffffff"/>
+                      </a:solidFill>
+                    </a:lnL>
+                    <a:lnR w="720">
+                      <a:solidFill>
+                        <a:srgbClr val="ffffff"/>
+                      </a:solidFill>
+                    </a:lnR>
+                    <a:lnT w="720">
+                      <a:solidFill>
+                        <a:srgbClr val="ffffff"/>
+                      </a:solidFill>
+                    </a:lnT>
+                    <a:lnB w="720">
+                      <a:solidFill>
+                        <a:srgbClr val="ffffff"/>
+                      </a:solidFill>
+                    </a:lnB>
+                    <a:solidFill>
+                      <a:srgbClr val="cccccc"/>
+                    </a:solidFill>
+                  </a:tcPr>
+                </a:tc>
+              </a:tr>
+              <a:tr h="818640">
+                <a:tc>
+                  <a:txBody>
+                    <a:bodyPr lIns="90000" rIns="90000" tIns="46800" bIns="46800"/>
+                    <a:p>
+                      <a:r>
+                        <a:rPr b="0" lang="en-US" sz="1200" spc="-1" strike="noStrike">
+                          <a:solidFill>
+                            <a:srgbClr val="00000a"/>
+                          </a:solidFill>
+                          <a:uFill>
+                            <a:solidFill>
+                              <a:srgbClr val="ffffff"/>
+                            </a:solidFill>
+                          </a:uFill>
+                          <a:latin typeface="Times New Roman"/>
+                          <a:ea typeface="Times New Roman"/>
+                        </a:rPr>
+                        <a:t>Tolerancia a Falhas</a:t>
+                      </a:r>
+                      <a:endParaRPr b="0" lang="en-US" sz="1800" spc="-1" strike="noStrike">
+                        <a:solidFill>
+                          <a:srgbClr val="000000"/>
+                        </a:solidFill>
+                        <a:uFill>
+                          <a:solidFill>
+                            <a:srgbClr val="ffffff"/>
+                          </a:solidFill>
+                        </a:uFill>
+                        <a:latin typeface="Arial"/>
+                      </a:endParaRPr>
+                    </a:p>
+                  </a:txBody>
+                  <a:tcPr marL="90000" marR="90000">
+                    <a:lnL w="720">
+                      <a:solidFill>
+                        <a:srgbClr val="ffffff"/>
+                      </a:solidFill>
+                    </a:lnL>
+                    <a:lnR w="720">
+                      <a:solidFill>
+                        <a:srgbClr val="ffffff"/>
+                      </a:solidFill>
+                    </a:lnR>
+                    <a:lnT w="720">
+                      <a:solidFill>
+                        <a:srgbClr val="ffffff"/>
+                      </a:solidFill>
+                    </a:lnT>
+                    <a:lnB w="720">
+                      <a:solidFill>
+                        <a:srgbClr val="ffffff"/>
+                      </a:solidFill>
+                    </a:lnB>
+                    <a:solidFill>
+                      <a:srgbClr val="e6e6e6"/>
+                    </a:solidFill>
+                  </a:tcPr>
+                </a:tc>
+                <a:tc>
+                  <a:txBody>
+                    <a:bodyPr lIns="90000" rIns="90000" tIns="46800" bIns="46800"/>
+                    <a:p>
+                      <a:r>
+                        <a:rPr b="0" lang="pt-BR" sz="1200" spc="-1" strike="noStrike">
+                          <a:solidFill>
+                            <a:srgbClr val="00000a"/>
+                          </a:solidFill>
+                          <a:uFill>
+                            <a:solidFill>
+                              <a:srgbClr val="ffffff"/>
+                            </a:solidFill>
+                          </a:uFill>
+                          <a:latin typeface="Times New Roman"/>
+                          <a:ea typeface="Times New Roman"/>
+                        </a:rPr>
+                        <a:t>Failover para chamadas entre micro serviços</a:t>
+                      </a:r>
+                      <a:endParaRPr b="0" lang="en-US" sz="1800" spc="-1" strike="noStrike">
+                        <a:solidFill>
+                          <a:srgbClr val="000000"/>
+                        </a:solidFill>
+                        <a:uFill>
+                          <a:solidFill>
+                            <a:srgbClr val="ffffff"/>
+                          </a:solidFill>
+                        </a:uFill>
+                        <a:latin typeface="Arial"/>
+                      </a:endParaRPr>
+                    </a:p>
+                  </a:txBody>
+                  <a:tcPr marL="90000" marR="90000">
+                    <a:lnL w="720">
+                      <a:solidFill>
+                        <a:srgbClr val="ffffff"/>
+                      </a:solidFill>
+                    </a:lnL>
+                    <a:lnR w="720">
+                      <a:solidFill>
+                        <a:srgbClr val="ffffff"/>
+                      </a:solidFill>
+                    </a:lnR>
+                    <a:lnT w="720">
+                      <a:solidFill>
+                        <a:srgbClr val="ffffff"/>
+                      </a:solidFill>
+                    </a:lnT>
+                    <a:lnB w="720">
+                      <a:solidFill>
+                        <a:srgbClr val="ffffff"/>
+                      </a:solidFill>
+                    </a:lnB>
+                    <a:solidFill>
+                      <a:srgbClr val="e6e6e6"/>
+                    </a:solidFill>
+                  </a:tcPr>
+                </a:tc>
+                <a:tc>
+                  <a:txBody>
+                    <a:bodyPr lIns="90000" rIns="90000" tIns="46800" bIns="46800"/>
+                    <a:p>
+                      <a:r>
+                        <a:rPr b="0" lang="en-US" sz="1200" spc="-1" strike="noStrike">
+                          <a:solidFill>
+                            <a:srgbClr val="00000a"/>
+                          </a:solidFill>
+                          <a:uFill>
+                            <a:solidFill>
+                              <a:srgbClr val="ffffff"/>
+                            </a:solidFill>
+                          </a:uFill>
+                          <a:latin typeface="Times New Roman"/>
+                          <a:ea typeface="Times New Roman"/>
+                        </a:rPr>
+                        <a:t>Hystrix(Spring Cloud Netflix OSS)</a:t>
+                      </a:r>
+                      <a:endParaRPr b="0" lang="en-US" sz="1800" spc="-1" strike="noStrike">
+                        <a:solidFill>
+                          <a:srgbClr val="000000"/>
+                        </a:solidFill>
+                        <a:uFill>
+                          <a:solidFill>
+                            <a:srgbClr val="ffffff"/>
+                          </a:solidFill>
+                        </a:uFill>
+                        <a:latin typeface="Arial"/>
+                      </a:endParaRPr>
+                    </a:p>
+                  </a:txBody>
+                  <a:tcPr marL="90000" marR="90000">
+                    <a:lnL w="720">
+                      <a:solidFill>
+                        <a:srgbClr val="ffffff"/>
+                      </a:solidFill>
+                    </a:lnL>
+                    <a:lnR w="720">
+                      <a:solidFill>
+                        <a:srgbClr val="ffffff"/>
+                      </a:solidFill>
+                    </a:lnR>
+                    <a:lnT w="720">
+                      <a:solidFill>
+                        <a:srgbClr val="ffffff"/>
+                      </a:solidFill>
+                    </a:lnT>
+                    <a:lnB w="720">
+                      <a:solidFill>
+                        <a:srgbClr val="ffffff"/>
+                      </a:solidFill>
+                    </a:lnB>
+                    <a:solidFill>
+                      <a:srgbClr val="e6e6e6"/>
+                    </a:solidFill>
+                  </a:tcPr>
+                </a:tc>
+              </a:tr>
+              <a:tr h="818640">
+                <a:tc>
+                  <a:txBody>
+                    <a:bodyPr lIns="90000" rIns="90000" tIns="46800" bIns="46800"/>
+                    <a:p>
+                      <a:r>
+                        <a:rPr b="0" lang="en-US" sz="1200" spc="-1" strike="noStrike">
+                          <a:solidFill>
+                            <a:srgbClr val="00000a"/>
+                          </a:solidFill>
+                          <a:uFill>
+                            <a:solidFill>
+                              <a:srgbClr val="ffffff"/>
+                            </a:solidFill>
+                          </a:uFill>
+                          <a:latin typeface="Times New Roman"/>
+                          <a:ea typeface="Times New Roman"/>
+                        </a:rPr>
+                        <a:t>Segurança</a:t>
+                      </a:r>
+                      <a:endParaRPr b="0" lang="en-US" sz="1800" spc="-1" strike="noStrike">
+                        <a:solidFill>
+                          <a:srgbClr val="000000"/>
+                        </a:solidFill>
+                        <a:uFill>
+                          <a:solidFill>
+                            <a:srgbClr val="ffffff"/>
+                          </a:solidFill>
+                        </a:uFill>
+                        <a:latin typeface="Arial"/>
+                      </a:endParaRPr>
+                    </a:p>
+                  </a:txBody>
+                  <a:tcPr marL="90000" marR="90000">
+                    <a:lnL w="720">
+                      <a:solidFill>
+                        <a:srgbClr val="ffffff"/>
+                      </a:solidFill>
+                    </a:lnL>
+                    <a:lnR w="720">
+                      <a:solidFill>
+                        <a:srgbClr val="ffffff"/>
+                      </a:solidFill>
+                    </a:lnR>
+                    <a:lnT w="720">
+                      <a:solidFill>
+                        <a:srgbClr val="ffffff"/>
+                      </a:solidFill>
+                    </a:lnT>
+                    <a:lnB w="720">
+                      <a:solidFill>
+                        <a:srgbClr val="ffffff"/>
+                      </a:solidFill>
+                    </a:lnB>
+                    <a:solidFill>
+                      <a:srgbClr val="cccccc"/>
+                    </a:solidFill>
+                  </a:tcPr>
+                </a:tc>
+                <a:tc>
+                  <a:txBody>
+                    <a:bodyPr lIns="90000" rIns="90000" tIns="46800" bIns="46800"/>
+                    <a:p>
+                      <a:r>
+                        <a:rPr b="0" lang="en-US" sz="1200" spc="-1" strike="noStrike">
+                          <a:solidFill>
+                            <a:srgbClr val="00000a"/>
+                          </a:solidFill>
+                          <a:uFill>
+                            <a:solidFill>
+                              <a:srgbClr val="ffffff"/>
+                            </a:solidFill>
+                          </a:uFill>
+                          <a:latin typeface="Times New Roman"/>
+                          <a:ea typeface="Times New Roman"/>
+                        </a:rPr>
+                        <a:t>Segurança de Apis</a:t>
+                      </a:r>
+                      <a:endParaRPr b="0" lang="en-US" sz="1800" spc="-1" strike="noStrike">
+                        <a:solidFill>
+                          <a:srgbClr val="000000"/>
+                        </a:solidFill>
+                        <a:uFill>
+                          <a:solidFill>
+                            <a:srgbClr val="ffffff"/>
+                          </a:solidFill>
+                        </a:uFill>
+                        <a:latin typeface="Arial"/>
+                      </a:endParaRPr>
+                    </a:p>
+                    <a:p>
+                      <a:endParaRPr b="0" lang="en-US" sz="1800" spc="-1" strike="noStrike">
+                        <a:solidFill>
+                          <a:srgbClr val="000000"/>
+                        </a:solidFill>
+                        <a:uFill>
+                          <a:solidFill>
+                            <a:srgbClr val="ffffff"/>
+                          </a:solidFill>
+                        </a:uFill>
+                        <a:latin typeface="Arial"/>
+                      </a:endParaRPr>
+                    </a:p>
+                  </a:txBody>
+                  <a:tcPr marL="90000" marR="90000">
+                    <a:lnL w="720">
+                      <a:solidFill>
+                        <a:srgbClr val="ffffff"/>
+                      </a:solidFill>
+                    </a:lnL>
+                    <a:lnR w="720">
+                      <a:solidFill>
+                        <a:srgbClr val="ffffff"/>
+                      </a:solidFill>
+                    </a:lnR>
+                    <a:lnT w="720">
+                      <a:solidFill>
+                        <a:srgbClr val="ffffff"/>
+                      </a:solidFill>
+                    </a:lnT>
+                    <a:lnB w="720">
+                      <a:solidFill>
+                        <a:srgbClr val="ffffff"/>
+                      </a:solidFill>
+                    </a:lnB>
+                    <a:solidFill>
+                      <a:srgbClr val="cccccc"/>
+                    </a:solidFill>
+                  </a:tcPr>
+                </a:tc>
+                <a:tc>
+                  <a:txBody>
+                    <a:bodyPr lIns="90000" rIns="90000" tIns="46800" bIns="46800"/>
+                    <a:p>
+                      <a:r>
+                        <a:rPr b="0" lang="en-US" sz="1200" spc="-1" strike="noStrike">
+                          <a:solidFill>
+                            <a:srgbClr val="00000a"/>
+                          </a:solidFill>
+                          <a:uFill>
+                            <a:solidFill>
+                              <a:srgbClr val="ffffff"/>
+                            </a:solidFill>
+                          </a:uFill>
+                          <a:latin typeface="Times New Roman"/>
+                          <a:ea typeface="Times New Roman"/>
+                        </a:rPr>
+                        <a:t>Spring Cloud Security</a:t>
+                      </a:r>
+                      <a:endParaRPr b="0" lang="en-US" sz="1800" spc="-1" strike="noStrike">
+                        <a:solidFill>
+                          <a:srgbClr val="000000"/>
+                        </a:solidFill>
+                        <a:uFill>
+                          <a:solidFill>
+                            <a:srgbClr val="ffffff"/>
+                          </a:solidFill>
+                        </a:uFill>
+                        <a:latin typeface="Arial"/>
+                      </a:endParaRPr>
+                    </a:p>
+                  </a:txBody>
+                  <a:tcPr marL="90000" marR="90000">
+                    <a:lnL w="720">
+                      <a:solidFill>
+                        <a:srgbClr val="ffffff"/>
+                      </a:solidFill>
+                    </a:lnL>
+                    <a:lnR w="720">
+                      <a:solidFill>
+                        <a:srgbClr val="ffffff"/>
+                      </a:solidFill>
+                    </a:lnR>
+                    <a:lnT w="720">
+                      <a:solidFill>
+                        <a:srgbClr val="ffffff"/>
+                      </a:solidFill>
+                    </a:lnT>
+                    <a:lnB w="720">
+                      <a:solidFill>
+                        <a:srgbClr val="ffffff"/>
+                      </a:solidFill>
+                    </a:lnB>
+                    <a:solidFill>
+                      <a:srgbClr val="cccccc"/>
+                    </a:solidFill>
+                  </a:tcPr>
+                </a:tc>
+              </a:tr>
+              <a:tr h="821160">
+                <a:tc>
+                  <a:txBody>
+                    <a:bodyPr lIns="90000" rIns="90000" tIns="46800" bIns="46800"/>
+                    <a:p>
+                      <a:r>
+                        <a:rPr b="0" lang="en-US" sz="1200" spc="-1" strike="noStrike">
+                          <a:solidFill>
+                            <a:srgbClr val="00000a"/>
+                          </a:solidFill>
+                          <a:uFill>
+                            <a:solidFill>
+                              <a:srgbClr val="ffffff"/>
+                            </a:solidFill>
+                          </a:uFill>
+                          <a:latin typeface="Times New Roman"/>
+                          <a:ea typeface="Times New Roman"/>
+                        </a:rPr>
+                        <a:t>Sistema Operacional</a:t>
+                      </a:r>
+                      <a:endParaRPr b="0" lang="en-US" sz="1800" spc="-1" strike="noStrike">
+                        <a:solidFill>
+                          <a:srgbClr val="000000"/>
+                        </a:solidFill>
+                        <a:uFill>
+                          <a:solidFill>
+                            <a:srgbClr val="ffffff"/>
+                          </a:solidFill>
+                        </a:uFill>
+                        <a:latin typeface="Arial"/>
+                      </a:endParaRPr>
+                    </a:p>
+                  </a:txBody>
+                  <a:tcPr marL="90000" marR="90000">
+                    <a:lnL w="720">
+                      <a:solidFill>
+                        <a:srgbClr val="ffffff"/>
+                      </a:solidFill>
+                    </a:lnL>
+                    <a:lnR w="720">
+                      <a:solidFill>
+                        <a:srgbClr val="ffffff"/>
+                      </a:solidFill>
+                    </a:lnR>
+                    <a:lnT w="720">
+                      <a:solidFill>
+                        <a:srgbClr val="ffffff"/>
+                      </a:solidFill>
+                    </a:lnT>
+                    <a:lnB w="720">
+                      <a:solidFill>
+                        <a:srgbClr val="ffffff"/>
+                      </a:solidFill>
+                    </a:lnB>
+                    <a:solidFill>
+                      <a:srgbClr val="e6e6e6"/>
+                    </a:solidFill>
+                  </a:tcPr>
+                </a:tc>
+                <a:tc>
+                  <a:txBody>
+                    <a:bodyPr lIns="90000" rIns="90000" tIns="46800" bIns="46800"/>
+                    <a:p>
+                      <a:r>
+                        <a:rPr b="0" lang="pt-BR" sz="1200" spc="-1" strike="noStrike">
+                          <a:solidFill>
+                            <a:srgbClr val="00000a"/>
+                          </a:solidFill>
+                          <a:uFill>
+                            <a:solidFill>
+                              <a:srgbClr val="ffffff"/>
+                            </a:solidFill>
+                          </a:uFill>
+                          <a:latin typeface="Times New Roman"/>
+                          <a:ea typeface="Times New Roman"/>
+                        </a:rPr>
+                        <a:t>Sistema que será executado nos servidores</a:t>
+                      </a:r>
+                      <a:endParaRPr b="0" lang="en-US" sz="1800" spc="-1" strike="noStrike">
+                        <a:solidFill>
+                          <a:srgbClr val="000000"/>
+                        </a:solidFill>
+                        <a:uFill>
+                          <a:solidFill>
+                            <a:srgbClr val="ffffff"/>
+                          </a:solidFill>
+                        </a:uFill>
+                        <a:latin typeface="Arial"/>
+                      </a:endParaRPr>
+                    </a:p>
+                    <a:p>
+                      <a:endParaRPr b="0" lang="en-US" sz="1800" spc="-1" strike="noStrike">
+                        <a:solidFill>
+                          <a:srgbClr val="000000"/>
+                        </a:solidFill>
+                        <a:uFill>
+                          <a:solidFill>
+                            <a:srgbClr val="ffffff"/>
+                          </a:solidFill>
+                        </a:uFill>
+                        <a:latin typeface="Arial"/>
+                      </a:endParaRPr>
+                    </a:p>
+                  </a:txBody>
+                  <a:tcPr marL="90000" marR="90000">
+                    <a:lnL w="720">
+                      <a:solidFill>
+                        <a:srgbClr val="ffffff"/>
+                      </a:solidFill>
+                    </a:lnL>
+                    <a:lnR w="720">
+                      <a:solidFill>
+                        <a:srgbClr val="ffffff"/>
+                      </a:solidFill>
+                    </a:lnR>
+                    <a:lnT w="720">
+                      <a:solidFill>
+                        <a:srgbClr val="ffffff"/>
+                      </a:solidFill>
+                    </a:lnT>
+                    <a:lnB w="720">
+                      <a:solidFill>
+                        <a:srgbClr val="ffffff"/>
+                      </a:solidFill>
+                    </a:lnB>
+                    <a:solidFill>
+                      <a:srgbClr val="e6e6e6"/>
+                    </a:solidFill>
+                  </a:tcPr>
+                </a:tc>
+                <a:tc>
+                  <a:txBody>
+                    <a:bodyPr lIns="90000" rIns="90000" tIns="46800" bIns="46800"/>
+                    <a:p>
+                      <a:r>
+                        <a:rPr b="0" lang="en-US" sz="1200" spc="-1" strike="noStrike">
+                          <a:solidFill>
+                            <a:srgbClr val="00000a"/>
+                          </a:solidFill>
+                          <a:uFill>
+                            <a:solidFill>
+                              <a:srgbClr val="ffffff"/>
+                            </a:solidFill>
+                          </a:uFill>
+                          <a:latin typeface="Times New Roman"/>
+                          <a:ea typeface="Times New Roman"/>
+                        </a:rPr>
+                        <a:t>Docker</a:t>
+                      </a:r>
+                      <a:endParaRPr b="0" lang="en-US" sz="1800" spc="-1" strike="noStrike">
+                        <a:solidFill>
+                          <a:srgbClr val="000000"/>
+                        </a:solidFill>
+                        <a:uFill>
+                          <a:solidFill>
+                            <a:srgbClr val="ffffff"/>
+                          </a:solidFill>
+                        </a:uFill>
+                        <a:latin typeface="Arial"/>
+                      </a:endParaRPr>
+                    </a:p>
+                  </a:txBody>
+                  <a:tcPr marL="90000" marR="90000">
+                    <a:lnL w="720">
+                      <a:solidFill>
+                        <a:srgbClr val="ffffff"/>
+                      </a:solidFill>
+                    </a:lnL>
+                    <a:lnR w="720">
+                      <a:solidFill>
+                        <a:srgbClr val="ffffff"/>
+                      </a:solidFill>
+                    </a:lnR>
+                    <a:lnT w="720">
+                      <a:solidFill>
+                        <a:srgbClr val="ffffff"/>
+                      </a:solidFill>
+                    </a:lnT>
+                    <a:lnB w="720">
+                      <a:solidFill>
+                        <a:srgbClr val="ffffff"/>
+                      </a:solidFill>
+                    </a:lnB>
+                    <a:solidFill>
+                      <a:srgbClr val="e6e6e6"/>
+                    </a:solidFill>
+                  </a:tcPr>
+                </a:tc>
+              </a:tr>
+            </a:tbl>
+          </a:graphicData>
+        </a:graphic>
+      </p:graphicFrame>
     </p:spTree>
   </p:cSld>
-  <p:timing>
-    <p:tnLst>
-      <p:par>
-        <p:cTn id="25" dur="indefinite" restart="never" nodeType="tmRoot">
-          <p:childTnLst>
-            <p:seq>
-              <p:cTn id="26" nodeType="mainSeq"/>
-              <p:prevCondLst>
-                <p:cond delay="0" evt="onPrev">
-                  <p:tgtEl>
-                    <p:sldTgt/>
-                  </p:tgtEl>
-                </p:cond>
-              </p:prevCondLst>
-              <p:nextCondLst>
-                <p:cond delay="0" evt="onNext">
-                  <p:tgtEl>
-                    <p:sldTgt/>
-                  </p:tgtEl>
-                </p:cond>
-              </p:nextCondLst>
-            </p:seq>
-          </p:childTnLst>
-        </p:cTn>
-      </p:par>
-    </p:tnLst>
-  </p:timing>
 </p:sld>
 </file>
 
@@ -6174,14 +8245,14 @@
       </p:grpSpPr>
       <p:sp>
         <p:nvSpPr>
-          <p:cNvPr id="124" name="CustomShape 1"/>
+          <p:cNvPr id="127" name="CustomShape 1"/>
           <p:cNvSpPr/>
           <p:nvPr/>
         </p:nvSpPr>
         <p:spPr>
           <a:xfrm>
             <a:off x="0" y="1001880"/>
-            <a:ext cx="9143280" cy="664560"/>
+            <a:ext cx="9142920" cy="664200"/>
           </a:xfrm>
           <a:prstGeom prst="rect">
             <a:avLst/>
@@ -6197,35 +8268,27 @@
             </a:gsLst>
             <a:lin ang="16200000"/>
           </a:gradFill>
-          <a:ln>
+          <a:ln w="25560">
             <a:noFill/>
           </a:ln>
         </p:spPr>
         <p:style>
-          <a:lnRef idx="2">
-            <a:schemeClr val="accent1">
-              <a:shade val="50000"/>
-            </a:schemeClr>
-          </a:lnRef>
-          <a:fillRef idx="1">
-            <a:schemeClr val="accent1"/>
-          </a:fillRef>
-          <a:effectRef idx="0">
-            <a:schemeClr val="accent1"/>
-          </a:effectRef>
+          <a:lnRef idx="0"/>
+          <a:fillRef idx="0"/>
+          <a:effectRef idx="0"/>
           <a:fontRef idx="minor"/>
         </p:style>
       </p:sp>
       <p:sp>
         <p:nvSpPr>
-          <p:cNvPr id="125" name="CustomShape 2"/>
+          <p:cNvPr id="128" name="CustomShape 2"/>
           <p:cNvSpPr/>
           <p:nvPr/>
         </p:nvSpPr>
         <p:spPr>
           <a:xfrm>
             <a:off x="206280" y="1100160"/>
-            <a:ext cx="8735400" cy="470880"/>
+            <a:ext cx="8735040" cy="470520"/>
           </a:xfrm>
           <a:prstGeom prst="rect">
             <a:avLst/>
@@ -6280,14 +8343,14 @@
       </p:sp>
       <p:sp>
         <p:nvSpPr>
-          <p:cNvPr id="126" name="CustomShape 3"/>
+          <p:cNvPr id="129" name="CustomShape 3"/>
           <p:cNvSpPr/>
           <p:nvPr/>
         </p:nvSpPr>
         <p:spPr>
           <a:xfrm>
             <a:off x="179280" y="1770120"/>
-            <a:ext cx="8827200" cy="4118760"/>
+            <a:ext cx="8826840" cy="4118400"/>
           </a:xfrm>
           <a:prstGeom prst="rect">
             <a:avLst/>
@@ -6541,7 +8604,7 @@
           <a:p>
             <a:pPr>
               <a:lnSpc>
-                <a:spcPts val="299"/>
+                <a:spcPts val="105"/>
               </a:lnSpc>
             </a:pPr>
             <a:r>
@@ -6575,14 +8638,14 @@
       </p:sp>
       <p:sp>
         <p:nvSpPr>
-          <p:cNvPr id="127" name="CustomShape 4"/>
+          <p:cNvPr id="130" name="CustomShape 4"/>
           <p:cNvSpPr/>
           <p:nvPr/>
         </p:nvSpPr>
         <p:spPr>
           <a:xfrm>
             <a:off x="228600" y="461880"/>
-            <a:ext cx="8825760" cy="942480"/>
+            <a:ext cx="8825400" cy="942120"/>
           </a:xfrm>
           <a:prstGeom prst="rect">
             <a:avLst/>
@@ -6603,7 +8666,7 @@
           <a:p>
             <a:pPr>
               <a:lnSpc>
-                <a:spcPts val="349"/>
+                <a:spcPts val="123"/>
               </a:lnSpc>
             </a:pPr>
             <a:r>
@@ -6682,33 +8745,6 @@
       </p:sp>
     </p:spTree>
   </p:cSld>
-  <p:timing>
-    <p:tnLst>
-      <p:par>
-        <p:cTn id="27" dur="indefinite" restart="never" nodeType="tmRoot">
-          <p:childTnLst>
-            <p:seq>
-              <p:cTn id="28" nodeType="mainSeq"/>
-              <p:prevCondLst>
-                <p:cond delay="0" evt="onPrev">
-                  <p:tgtEl>
-                    <p:sldTgt/>
-                  </p:tgtEl>
-                </p:cond>
-              </p:prevCondLst>
-              <p:nextCondLst>
-                <p:cond delay="0" evt="onNext">
-                  <p:tgtEl>
-                    <p:sldTgt/>
-                  </p:tgtEl>
-                </p:cond>
-              </p:nextCondLst>
-            </p:seq>
-          </p:childTnLst>
-        </p:cTn>
-      </p:par>
-    </p:tnLst>
-  </p:timing>
 </p:sld>
 </file>
 
@@ -6731,14 +8767,14 @@
       </p:grpSpPr>
       <p:sp>
         <p:nvSpPr>
-          <p:cNvPr id="128" name="CustomShape 1"/>
+          <p:cNvPr id="131" name="CustomShape 1"/>
           <p:cNvSpPr/>
           <p:nvPr/>
         </p:nvSpPr>
         <p:spPr>
           <a:xfrm>
             <a:off x="0" y="1001880"/>
-            <a:ext cx="9143280" cy="664560"/>
+            <a:ext cx="9142920" cy="664200"/>
           </a:xfrm>
           <a:prstGeom prst="rect">
             <a:avLst/>
@@ -6754,35 +8790,27 @@
             </a:gsLst>
             <a:lin ang="16200000"/>
           </a:gradFill>
-          <a:ln>
+          <a:ln w="25560">
             <a:noFill/>
           </a:ln>
         </p:spPr>
         <p:style>
-          <a:lnRef idx="2">
-            <a:schemeClr val="accent1">
-              <a:shade val="50000"/>
-            </a:schemeClr>
-          </a:lnRef>
-          <a:fillRef idx="1">
-            <a:schemeClr val="accent1"/>
-          </a:fillRef>
-          <a:effectRef idx="0">
-            <a:schemeClr val="accent1"/>
-          </a:effectRef>
+          <a:lnRef idx="0"/>
+          <a:fillRef idx="0"/>
+          <a:effectRef idx="0"/>
           <a:fontRef idx="minor"/>
         </p:style>
       </p:sp>
       <p:sp>
         <p:nvSpPr>
-          <p:cNvPr id="129" name="CustomShape 2"/>
+          <p:cNvPr id="132" name="CustomShape 2"/>
           <p:cNvSpPr/>
           <p:nvPr/>
         </p:nvSpPr>
         <p:spPr>
           <a:xfrm>
             <a:off x="206280" y="1100160"/>
-            <a:ext cx="8735400" cy="470880"/>
+            <a:ext cx="8735040" cy="470520"/>
           </a:xfrm>
           <a:prstGeom prst="rect">
             <a:avLst/>
@@ -6837,14 +8865,14 @@
       </p:sp>
       <p:sp>
         <p:nvSpPr>
-          <p:cNvPr id="130" name="CustomShape 3"/>
+          <p:cNvPr id="133" name="CustomShape 3"/>
           <p:cNvSpPr/>
           <p:nvPr/>
         </p:nvSpPr>
         <p:spPr>
           <a:xfrm>
             <a:off x="179280" y="1770120"/>
-            <a:ext cx="8827200" cy="4118760"/>
+            <a:ext cx="8826840" cy="4118400"/>
           </a:xfrm>
           <a:prstGeom prst="rect">
             <a:avLst/>
@@ -6975,7 +9003,7 @@
           <a:p>
             <a:pPr>
               <a:lnSpc>
-                <a:spcPts val="299"/>
+                <a:spcPts val="105"/>
               </a:lnSpc>
             </a:pPr>
             <a:r>
@@ -7009,14 +9037,14 @@
       </p:sp>
       <p:sp>
         <p:nvSpPr>
-          <p:cNvPr id="131" name="CustomShape 4"/>
+          <p:cNvPr id="134" name="CustomShape 4"/>
           <p:cNvSpPr/>
           <p:nvPr/>
         </p:nvSpPr>
         <p:spPr>
           <a:xfrm>
             <a:off x="228600" y="461880"/>
-            <a:ext cx="8825760" cy="942480"/>
+            <a:ext cx="8825400" cy="942120"/>
           </a:xfrm>
           <a:prstGeom prst="rect">
             <a:avLst/>
@@ -7037,7 +9065,7 @@
           <a:p>
             <a:pPr>
               <a:lnSpc>
-                <a:spcPts val="349"/>
+                <a:spcPts val="123"/>
               </a:lnSpc>
             </a:pPr>
             <a:r>
@@ -7116,33 +9144,6 @@
       </p:sp>
     </p:spTree>
   </p:cSld>
-  <p:timing>
-    <p:tnLst>
-      <p:par>
-        <p:cTn id="29" dur="indefinite" restart="never" nodeType="tmRoot">
-          <p:childTnLst>
-            <p:seq>
-              <p:cTn id="30" nodeType="mainSeq"/>
-              <p:prevCondLst>
-                <p:cond delay="0" evt="onPrev">
-                  <p:tgtEl>
-                    <p:sldTgt/>
-                  </p:tgtEl>
-                </p:cond>
-              </p:prevCondLst>
-              <p:nextCondLst>
-                <p:cond delay="0" evt="onNext">
-                  <p:tgtEl>
-                    <p:sldTgt/>
-                  </p:tgtEl>
-                </p:cond>
-              </p:nextCondLst>
-            </p:seq>
-          </p:childTnLst>
-        </p:cTn>
-      </p:par>
-    </p:tnLst>
-  </p:timing>
 </p:sld>
 </file>
 
@@ -7165,14 +9166,14 @@
       </p:grpSpPr>
       <p:sp>
         <p:nvSpPr>
-          <p:cNvPr id="132" name="CustomShape 1"/>
+          <p:cNvPr id="135" name="CustomShape 1"/>
           <p:cNvSpPr/>
           <p:nvPr/>
         </p:nvSpPr>
         <p:spPr>
           <a:xfrm>
             <a:off x="0" y="1001880"/>
-            <a:ext cx="9143280" cy="664560"/>
+            <a:ext cx="9142920" cy="664200"/>
           </a:xfrm>
           <a:prstGeom prst="rect">
             <a:avLst/>
@@ -7188,35 +9189,27 @@
             </a:gsLst>
             <a:lin ang="16200000"/>
           </a:gradFill>
-          <a:ln>
+          <a:ln w="25560">
             <a:noFill/>
           </a:ln>
         </p:spPr>
         <p:style>
-          <a:lnRef idx="2">
-            <a:schemeClr val="accent1">
-              <a:shade val="50000"/>
-            </a:schemeClr>
-          </a:lnRef>
-          <a:fillRef idx="1">
-            <a:schemeClr val="accent1"/>
-          </a:fillRef>
-          <a:effectRef idx="0">
-            <a:schemeClr val="accent1"/>
-          </a:effectRef>
+          <a:lnRef idx="0"/>
+          <a:fillRef idx="0"/>
+          <a:effectRef idx="0"/>
           <a:fontRef idx="minor"/>
         </p:style>
       </p:sp>
       <p:sp>
         <p:nvSpPr>
-          <p:cNvPr id="133" name="CustomShape 2"/>
+          <p:cNvPr id="136" name="CustomShape 2"/>
           <p:cNvSpPr/>
           <p:nvPr/>
         </p:nvSpPr>
         <p:spPr>
           <a:xfrm>
             <a:off x="206280" y="1100160"/>
-            <a:ext cx="8735400" cy="470880"/>
+            <a:ext cx="8735040" cy="470520"/>
           </a:xfrm>
           <a:prstGeom prst="rect">
             <a:avLst/>
@@ -7271,14 +9264,14 @@
       </p:sp>
       <p:sp>
         <p:nvSpPr>
-          <p:cNvPr id="134" name="CustomShape 3"/>
+          <p:cNvPr id="137" name="CustomShape 3"/>
           <p:cNvSpPr/>
           <p:nvPr/>
         </p:nvSpPr>
         <p:spPr>
           <a:xfrm>
             <a:off x="179280" y="1770120"/>
-            <a:ext cx="8827200" cy="4118760"/>
+            <a:ext cx="8826840" cy="4118400"/>
           </a:xfrm>
           <a:prstGeom prst="rect">
             <a:avLst/>
@@ -7299,7 +9292,7 @@
           <a:p>
             <a:pPr>
               <a:lnSpc>
-                <a:spcPts val="349"/>
+                <a:spcPts val="123"/>
               </a:lnSpc>
             </a:pPr>
             <a:r>
@@ -7332,7 +9325,7 @@
           <a:p>
             <a:pPr>
               <a:lnSpc>
-                <a:spcPts val="299"/>
+                <a:spcPts val="105"/>
               </a:lnSpc>
             </a:pPr>
             <a:r>
@@ -7365,7 +9358,7 @@
           <a:p>
             <a:pPr>
               <a:lnSpc>
-                <a:spcPts val="299"/>
+                <a:spcPts val="105"/>
               </a:lnSpc>
             </a:pPr>
             <a:endParaRPr b="0" lang="en-US" sz="1800" spc="-1" strike="noStrike">
@@ -7384,14 +9377,14 @@
       </p:sp>
       <p:sp>
         <p:nvSpPr>
-          <p:cNvPr id="135" name="CustomShape 4"/>
+          <p:cNvPr id="138" name="CustomShape 4"/>
           <p:cNvSpPr/>
           <p:nvPr/>
         </p:nvSpPr>
         <p:spPr>
           <a:xfrm>
             <a:off x="228600" y="461880"/>
-            <a:ext cx="8825760" cy="942480"/>
+            <a:ext cx="8825400" cy="942120"/>
           </a:xfrm>
           <a:prstGeom prst="rect">
             <a:avLst/>
@@ -7412,7 +9405,7 @@
           <a:p>
             <a:pPr>
               <a:lnSpc>
-                <a:spcPts val="349"/>
+                <a:spcPts val="123"/>
               </a:lnSpc>
             </a:pPr>
             <a:r>
@@ -7491,7 +9484,7 @@
       </p:sp>
       <p:pic>
         <p:nvPicPr>
-          <p:cNvPr id="136" name="" descr=""/>
+          <p:cNvPr id="139" name="" descr=""/>
           <p:cNvPicPr/>
           <p:nvPr/>
         </p:nvPicPr>
@@ -7502,7 +9495,7 @@
         <p:spPr>
           <a:xfrm>
             <a:off x="2633760" y="1920240"/>
-            <a:ext cx="3584160" cy="4100760"/>
+            <a:ext cx="3583800" cy="4100400"/>
           </a:xfrm>
           <a:prstGeom prst="rect">
             <a:avLst/>
@@ -7514,33 +9507,6 @@
       </p:pic>
     </p:spTree>
   </p:cSld>
-  <p:timing>
-    <p:tnLst>
-      <p:par>
-        <p:cTn id="31" dur="indefinite" restart="never" nodeType="tmRoot">
-          <p:childTnLst>
-            <p:seq>
-              <p:cTn id="32" nodeType="mainSeq"/>
-              <p:prevCondLst>
-                <p:cond delay="0" evt="onPrev">
-                  <p:tgtEl>
-                    <p:sldTgt/>
-                  </p:tgtEl>
-                </p:cond>
-              </p:prevCondLst>
-              <p:nextCondLst>
-                <p:cond delay="0" evt="onNext">
-                  <p:tgtEl>
-                    <p:sldTgt/>
-                  </p:tgtEl>
-                </p:cond>
-              </p:nextCondLst>
-            </p:seq>
-          </p:childTnLst>
-        </p:cTn>
-      </p:par>
-    </p:tnLst>
-  </p:timing>
 </p:sld>
 </file>
 
@@ -7563,14 +9529,14 @@
       </p:grpSpPr>
       <p:sp>
         <p:nvSpPr>
-          <p:cNvPr id="137" name="CustomShape 1"/>
+          <p:cNvPr id="140" name="CustomShape 1"/>
           <p:cNvSpPr/>
           <p:nvPr/>
         </p:nvSpPr>
         <p:spPr>
           <a:xfrm>
             <a:off x="0" y="1001880"/>
-            <a:ext cx="9143280" cy="664560"/>
+            <a:ext cx="9142920" cy="664200"/>
           </a:xfrm>
           <a:prstGeom prst="rect">
             <a:avLst/>
@@ -7586,35 +9552,27 @@
             </a:gsLst>
             <a:lin ang="16200000"/>
           </a:gradFill>
-          <a:ln>
+          <a:ln w="25560">
             <a:noFill/>
           </a:ln>
         </p:spPr>
         <p:style>
-          <a:lnRef idx="2">
-            <a:schemeClr val="accent1">
-              <a:shade val="50000"/>
-            </a:schemeClr>
-          </a:lnRef>
-          <a:fillRef idx="1">
-            <a:schemeClr val="accent1"/>
-          </a:fillRef>
-          <a:effectRef idx="0">
-            <a:schemeClr val="accent1"/>
-          </a:effectRef>
+          <a:lnRef idx="0"/>
+          <a:fillRef idx="0"/>
+          <a:effectRef idx="0"/>
           <a:fontRef idx="minor"/>
         </p:style>
       </p:sp>
       <p:sp>
         <p:nvSpPr>
-          <p:cNvPr id="138" name="CustomShape 2"/>
+          <p:cNvPr id="141" name="CustomShape 2"/>
           <p:cNvSpPr/>
           <p:nvPr/>
         </p:nvSpPr>
         <p:spPr>
           <a:xfrm>
             <a:off x="206280" y="1100160"/>
-            <a:ext cx="8735400" cy="470880"/>
+            <a:ext cx="8735040" cy="470520"/>
           </a:xfrm>
           <a:prstGeom prst="rect">
             <a:avLst/>
@@ -7669,14 +9627,14 @@
       </p:sp>
       <p:sp>
         <p:nvSpPr>
-          <p:cNvPr id="139" name="CustomShape 3"/>
+          <p:cNvPr id="142" name="CustomShape 3"/>
           <p:cNvSpPr/>
           <p:nvPr/>
         </p:nvSpPr>
         <p:spPr>
           <a:xfrm>
             <a:off x="179280" y="1770120"/>
-            <a:ext cx="8827200" cy="4118760"/>
+            <a:ext cx="8826840" cy="4118400"/>
           </a:xfrm>
           <a:prstGeom prst="rect">
             <a:avLst/>
@@ -7697,7 +9655,7 @@
           <a:p>
             <a:pPr>
               <a:lnSpc>
-                <a:spcPts val="349"/>
+                <a:spcPts val="123"/>
               </a:lnSpc>
             </a:pPr>
             <a:endParaRPr b="0" lang="en-US" sz="1800" spc="-1" strike="noStrike">
@@ -7715,7 +9673,7 @@
           <a:p>
             <a:pPr>
               <a:lnSpc>
-                <a:spcPts val="299"/>
+                <a:spcPts val="105"/>
               </a:lnSpc>
             </a:pPr>
             <a:r>
@@ -7748,7 +9706,7 @@
           <a:p>
             <a:pPr>
               <a:lnSpc>
-                <a:spcPts val="299"/>
+                <a:spcPts val="105"/>
               </a:lnSpc>
             </a:pPr>
             <a:endParaRPr b="0" lang="en-US" sz="1800" spc="-1" strike="noStrike">
@@ -7767,14 +9725,14 @@
       </p:sp>
       <p:sp>
         <p:nvSpPr>
-          <p:cNvPr id="140" name="CustomShape 4"/>
+          <p:cNvPr id="143" name="CustomShape 4"/>
           <p:cNvSpPr/>
           <p:nvPr/>
         </p:nvSpPr>
         <p:spPr>
           <a:xfrm>
             <a:off x="228600" y="461880"/>
-            <a:ext cx="8825760" cy="942480"/>
+            <a:ext cx="8825400" cy="942120"/>
           </a:xfrm>
           <a:prstGeom prst="rect">
             <a:avLst/>
@@ -7793,14 +9751,14 @@
       </p:sp>
       <p:sp>
         <p:nvSpPr>
-          <p:cNvPr id="141" name="TextShape 5"/>
-          <p:cNvSpPr txBox="1"/>
+          <p:cNvPr id="144" name="CustomShape 5"/>
+          <p:cNvSpPr/>
           <p:nvPr/>
         </p:nvSpPr>
         <p:spPr>
           <a:xfrm>
             <a:off x="1291680" y="274320"/>
-            <a:ext cx="6640920" cy="640080"/>
+            <a:ext cx="6640560" cy="639720"/>
           </a:xfrm>
           <a:prstGeom prst="rect">
             <a:avLst/>
@@ -7810,12 +9768,18 @@
             <a:noFill/>
           </a:ln>
         </p:spPr>
+        <p:style>
+          <a:lnRef idx="0"/>
+          <a:fillRef idx="0"/>
+          <a:effectRef idx="0"/>
+          <a:fontRef idx="minor"/>
+        </p:style>
         <p:txBody>
           <a:bodyPr lIns="90000" rIns="90000" tIns="45000" bIns="45000"/>
           <a:p>
             <a:pPr>
               <a:lnSpc>
-                <a:spcPts val="349"/>
+                <a:spcPts val="123"/>
               </a:lnSpc>
             </a:pPr>
             <a:r>
@@ -7879,7 +9843,7 @@
       </p:sp>
       <p:pic>
         <p:nvPicPr>
-          <p:cNvPr id="142" name="" descr=""/>
+          <p:cNvPr id="145" name="" descr=""/>
           <p:cNvPicPr/>
           <p:nvPr/>
         </p:nvPicPr>
@@ -7890,7 +9854,7 @@
         <p:spPr>
           <a:xfrm>
             <a:off x="1638360" y="1770120"/>
-            <a:ext cx="5775120" cy="3899160"/>
+            <a:ext cx="5774760" cy="3898800"/>
           </a:xfrm>
           <a:prstGeom prst="rect">
             <a:avLst/>
@@ -7902,33 +9866,6 @@
       </p:pic>
     </p:spTree>
   </p:cSld>
-  <p:timing>
-    <p:tnLst>
-      <p:par>
-        <p:cTn id="33" dur="indefinite" restart="never" nodeType="tmRoot">
-          <p:childTnLst>
-            <p:seq>
-              <p:cTn id="34" nodeType="mainSeq"/>
-              <p:prevCondLst>
-                <p:cond delay="0" evt="onPrev">
-                  <p:tgtEl>
-                    <p:sldTgt/>
-                  </p:tgtEl>
-                </p:cond>
-              </p:prevCondLst>
-              <p:nextCondLst>
-                <p:cond delay="0" evt="onNext">
-                  <p:tgtEl>
-                    <p:sldTgt/>
-                  </p:tgtEl>
-                </p:cond>
-              </p:nextCondLst>
-            </p:seq>
-          </p:childTnLst>
-        </p:cTn>
-      </p:par>
-    </p:tnLst>
-  </p:timing>
 </p:sld>
 </file>
 
@@ -7951,14 +9888,14 @@
       </p:grpSpPr>
       <p:sp>
         <p:nvSpPr>
-          <p:cNvPr id="143" name="CustomShape 1"/>
+          <p:cNvPr id="146" name="CustomShape 1"/>
           <p:cNvSpPr/>
           <p:nvPr/>
         </p:nvSpPr>
         <p:spPr>
           <a:xfrm>
             <a:off x="0" y="1001880"/>
-            <a:ext cx="9143280" cy="664560"/>
+            <a:ext cx="9142920" cy="664200"/>
           </a:xfrm>
           <a:prstGeom prst="rect">
             <a:avLst/>
@@ -7974,35 +9911,27 @@
             </a:gsLst>
             <a:lin ang="16200000"/>
           </a:gradFill>
-          <a:ln>
+          <a:ln w="25560">
             <a:noFill/>
           </a:ln>
         </p:spPr>
         <p:style>
-          <a:lnRef idx="2">
-            <a:schemeClr val="accent1">
-              <a:shade val="50000"/>
-            </a:schemeClr>
-          </a:lnRef>
-          <a:fillRef idx="1">
-            <a:schemeClr val="accent1"/>
-          </a:fillRef>
-          <a:effectRef idx="0">
-            <a:schemeClr val="accent1"/>
-          </a:effectRef>
+          <a:lnRef idx="0"/>
+          <a:fillRef idx="0"/>
+          <a:effectRef idx="0"/>
           <a:fontRef idx="minor"/>
         </p:style>
       </p:sp>
       <p:sp>
         <p:nvSpPr>
-          <p:cNvPr id="144" name="CustomShape 2"/>
+          <p:cNvPr id="147" name="CustomShape 2"/>
           <p:cNvSpPr/>
           <p:nvPr/>
         </p:nvSpPr>
         <p:spPr>
           <a:xfrm>
             <a:off x="206280" y="1100160"/>
-            <a:ext cx="8735400" cy="470880"/>
+            <a:ext cx="8735040" cy="470520"/>
           </a:xfrm>
           <a:prstGeom prst="rect">
             <a:avLst/>
@@ -8057,14 +9986,14 @@
       </p:sp>
       <p:sp>
         <p:nvSpPr>
-          <p:cNvPr id="145" name="CustomShape 3"/>
+          <p:cNvPr id="148" name="CustomShape 3"/>
           <p:cNvSpPr/>
           <p:nvPr/>
         </p:nvSpPr>
         <p:spPr>
           <a:xfrm>
             <a:off x="228600" y="461880"/>
-            <a:ext cx="8825760" cy="942480"/>
+            <a:ext cx="8825400" cy="942120"/>
           </a:xfrm>
           <a:prstGeom prst="rect">
             <a:avLst/>
@@ -8085,7 +10014,7 @@
           <a:p>
             <a:pPr>
               <a:lnSpc>
-                <a:spcPts val="349"/>
+                <a:spcPts val="123"/>
               </a:lnSpc>
             </a:pPr>
             <a:r>
@@ -8164,33 +10093,6 @@
       </p:sp>
     </p:spTree>
   </p:cSld>
-  <p:timing>
-    <p:tnLst>
-      <p:par>
-        <p:cTn id="35" dur="indefinite" restart="never" nodeType="tmRoot">
-          <p:childTnLst>
-            <p:seq>
-              <p:cTn id="36" nodeType="mainSeq"/>
-              <p:prevCondLst>
-                <p:cond delay="0" evt="onPrev">
-                  <p:tgtEl>
-                    <p:sldTgt/>
-                  </p:tgtEl>
-                </p:cond>
-              </p:prevCondLst>
-              <p:nextCondLst>
-                <p:cond delay="0" evt="onNext">
-                  <p:tgtEl>
-                    <p:sldTgt/>
-                  </p:tgtEl>
-                </p:cond>
-              </p:nextCondLst>
-            </p:seq>
-          </p:childTnLst>
-        </p:cTn>
-      </p:par>
-    </p:tnLst>
-  </p:timing>
 </p:sld>
 </file>
 
@@ -8213,14 +10115,14 @@
       </p:grpSpPr>
       <p:sp>
         <p:nvSpPr>
-          <p:cNvPr id="146" name="CustomShape 1"/>
+          <p:cNvPr id="149" name="CustomShape 1"/>
           <p:cNvSpPr/>
           <p:nvPr/>
         </p:nvSpPr>
         <p:spPr>
           <a:xfrm>
             <a:off x="0" y="1001880"/>
-            <a:ext cx="9143280" cy="664560"/>
+            <a:ext cx="9142920" cy="664200"/>
           </a:xfrm>
           <a:prstGeom prst="rect">
             <a:avLst/>
@@ -8236,35 +10138,27 @@
             </a:gsLst>
             <a:lin ang="16200000"/>
           </a:gradFill>
-          <a:ln>
+          <a:ln w="25560">
             <a:noFill/>
           </a:ln>
         </p:spPr>
         <p:style>
-          <a:lnRef idx="2">
-            <a:schemeClr val="accent1">
-              <a:shade val="50000"/>
-            </a:schemeClr>
-          </a:lnRef>
-          <a:fillRef idx="1">
-            <a:schemeClr val="accent1"/>
-          </a:fillRef>
-          <a:effectRef idx="0">
-            <a:schemeClr val="accent1"/>
-          </a:effectRef>
+          <a:lnRef idx="0"/>
+          <a:fillRef idx="0"/>
+          <a:effectRef idx="0"/>
           <a:fontRef idx="minor"/>
         </p:style>
       </p:sp>
       <p:sp>
         <p:nvSpPr>
-          <p:cNvPr id="147" name="CustomShape 2"/>
+          <p:cNvPr id="150" name="CustomShape 2"/>
           <p:cNvSpPr/>
           <p:nvPr/>
         </p:nvSpPr>
         <p:spPr>
           <a:xfrm>
             <a:off x="206280" y="1100160"/>
-            <a:ext cx="8735400" cy="470880"/>
+            <a:ext cx="8735040" cy="470520"/>
           </a:xfrm>
           <a:prstGeom prst="rect">
             <a:avLst/>
@@ -8319,14 +10213,14 @@
       </p:sp>
       <p:sp>
         <p:nvSpPr>
-          <p:cNvPr id="148" name="CustomShape 3"/>
+          <p:cNvPr id="151" name="CustomShape 3"/>
           <p:cNvSpPr/>
           <p:nvPr/>
         </p:nvSpPr>
         <p:spPr>
           <a:xfrm>
             <a:off x="179280" y="1770120"/>
-            <a:ext cx="8827200" cy="4118760"/>
+            <a:ext cx="8826840" cy="4118400"/>
           </a:xfrm>
           <a:prstGeom prst="rect">
             <a:avLst/>
@@ -8601,22 +10495,7 @@
                 <a:latin typeface="Calibri"/>
                 <a:ea typeface="DejaVu Sans"/>
               </a:rPr>
-              <a:t>máximo em 5 segundos.</a:t>
-            </a:r>
-            <a:r>
-              <a:rPr b="1" lang="en-US" sz="2000" spc="-1" strike="noStrike">
-                <a:solidFill>
-                  <a:srgbClr val="404040"/>
-                </a:solidFill>
-                <a:uFill>
-                  <a:solidFill>
-                    <a:srgbClr val="ffffff"/>
-                  </a:solidFill>
-                </a:uFill>
-                <a:latin typeface="Calibri"/>
-                <a:ea typeface="DejaVu Sans"/>
-              </a:rPr>
-              <a:t> </a:t>
+              <a:t>máximo em 5 segundos. </a:t>
             </a:r>
             <a:endParaRPr b="0" lang="en-US" sz="1800" spc="-1" strike="noStrike">
               <a:solidFill>
@@ -8633,7 +10512,7 @@
           <a:p>
             <a:pPr>
               <a:lnSpc>
-                <a:spcPts val="299"/>
+                <a:spcPts val="105"/>
               </a:lnSpc>
             </a:pPr>
             <a:r>
@@ -8666,7 +10545,7 @@
           <a:p>
             <a:pPr>
               <a:lnSpc>
-                <a:spcPts val="299"/>
+                <a:spcPts val="105"/>
               </a:lnSpc>
             </a:pPr>
             <a:endParaRPr b="0" lang="en-US" sz="1800" spc="-1" strike="noStrike">
@@ -8685,14 +10564,14 @@
       </p:sp>
       <p:sp>
         <p:nvSpPr>
-          <p:cNvPr id="149" name="CustomShape 4"/>
+          <p:cNvPr id="152" name="CustomShape 4"/>
           <p:cNvSpPr/>
           <p:nvPr/>
         </p:nvSpPr>
         <p:spPr>
           <a:xfrm>
             <a:off x="228600" y="461880"/>
-            <a:ext cx="8825760" cy="942480"/>
+            <a:ext cx="8825400" cy="942120"/>
           </a:xfrm>
           <a:prstGeom prst="rect">
             <a:avLst/>
@@ -8713,7 +10592,7 @@
           <a:p>
             <a:pPr>
               <a:lnSpc>
-                <a:spcPts val="349"/>
+                <a:spcPts val="123"/>
               </a:lnSpc>
             </a:pPr>
             <a:r>
@@ -8807,33 +10686,6 @@
       </p:sp>
     </p:spTree>
   </p:cSld>
-  <p:timing>
-    <p:tnLst>
-      <p:par>
-        <p:cTn id="37" dur="indefinite" restart="never" nodeType="tmRoot">
-          <p:childTnLst>
-            <p:seq>
-              <p:cTn id="38" nodeType="mainSeq"/>
-              <p:prevCondLst>
-                <p:cond delay="0" evt="onPrev">
-                  <p:tgtEl>
-                    <p:sldTgt/>
-                  </p:tgtEl>
-                </p:cond>
-              </p:prevCondLst>
-              <p:nextCondLst>
-                <p:cond delay="0" evt="onNext">
-                  <p:tgtEl>
-                    <p:sldTgt/>
-                  </p:tgtEl>
-                </p:cond>
-              </p:nextCondLst>
-            </p:seq>
-          </p:childTnLst>
-        </p:cTn>
-      </p:par>
-    </p:tnLst>
-  </p:timing>
 </p:sld>
 </file>
 
@@ -8863,7 +10715,7 @@
         <p:spPr>
           <a:xfrm>
             <a:off x="0" y="1001880"/>
-            <a:ext cx="9143280" cy="664560"/>
+            <a:ext cx="9142920" cy="664200"/>
           </a:xfrm>
           <a:prstGeom prst="rect">
             <a:avLst/>
@@ -8879,22 +10731,14 @@
             </a:gsLst>
             <a:lin ang="16200000"/>
           </a:gradFill>
-          <a:ln>
+          <a:ln w="25560">
             <a:noFill/>
           </a:ln>
         </p:spPr>
         <p:style>
-          <a:lnRef idx="2">
-            <a:schemeClr val="accent1">
-              <a:shade val="50000"/>
-            </a:schemeClr>
-          </a:lnRef>
-          <a:fillRef idx="1">
-            <a:schemeClr val="accent1"/>
-          </a:fillRef>
-          <a:effectRef idx="0">
-            <a:schemeClr val="accent1"/>
-          </a:effectRef>
+          <a:lnRef idx="0"/>
+          <a:fillRef idx="0"/>
+          <a:effectRef idx="0"/>
           <a:fontRef idx="minor"/>
         </p:style>
       </p:sp>
@@ -8907,7 +10751,7 @@
         <p:spPr>
           <a:xfrm>
             <a:off x="206280" y="1100160"/>
-            <a:ext cx="8735400" cy="470880"/>
+            <a:ext cx="8735040" cy="470520"/>
           </a:xfrm>
           <a:prstGeom prst="rect">
             <a:avLst/>
@@ -8969,7 +10813,7 @@
         <p:spPr>
           <a:xfrm>
             <a:off x="179280" y="1770120"/>
-            <a:ext cx="8827200" cy="4118760"/>
+            <a:ext cx="8826840" cy="4118400"/>
           </a:xfrm>
           <a:prstGeom prst="rect">
             <a:avLst/>
@@ -8990,7 +10834,7 @@
           <a:p>
             <a:pPr>
               <a:lnSpc>
-                <a:spcPts val="349"/>
+                <a:spcPts val="123"/>
               </a:lnSpc>
             </a:pPr>
             <a:r>
@@ -9006,7 +10850,7 @@
                 <a:latin typeface="Calibri"/>
                 <a:ea typeface="DejaVu Sans"/>
               </a:rPr>
-              <a:t>Este projeto aborda a solução arquitetural de um sistema integrado para o controle de comércio on-line de venda de produtos diversos através do sistema de dropshipping tendo sua utilização por dispositivos móveis e desktop.</a:t>
+              <a:t>Este projeto aborda a solução arquitetural de um sistema integrado para o controle de comércio on-line de venda de produtos diversos através do sistema de dropshipping que será utilizado por dispositivos móveis e desktop.</a:t>
             </a:r>
             <a:endParaRPr b="0" lang="en-US" sz="1800" spc="-1" strike="noStrike">
               <a:solidFill>
@@ -9023,7 +10867,7 @@
           <a:p>
             <a:pPr>
               <a:lnSpc>
-                <a:spcPts val="349"/>
+                <a:spcPts val="123"/>
               </a:lnSpc>
             </a:pPr>
             <a:r>
@@ -9039,7 +10883,7 @@
                 <a:latin typeface="Calibri"/>
                 <a:ea typeface="DejaVu Sans"/>
               </a:rPr>
-              <a:t>A proposta consiste em realizar a documentação de criação arquitetural e provar a eficiência desta arquitetura através de prova de conceito a ser realizada para atender os requisitos não funcionais da proposta. </a:t>
+              <a:t>A proposta arquitetural consiste em realizar a criação da documentação arquitetural e provar a eficiência desta arquitetura através de prova de conceito a ser realizada para atender os requisitos não funcionais propostos. </a:t>
             </a:r>
             <a:endParaRPr b="0" lang="en-US" sz="1800" spc="-1" strike="noStrike">
               <a:solidFill>
@@ -9056,7 +10900,7 @@
           <a:p>
             <a:pPr>
               <a:lnSpc>
-                <a:spcPts val="299"/>
+                <a:spcPts val="105"/>
               </a:lnSpc>
             </a:pPr>
             <a:endParaRPr b="0" lang="en-US" sz="1800" spc="-1" strike="noStrike">
@@ -9074,7 +10918,7 @@
           <a:p>
             <a:pPr>
               <a:lnSpc>
-                <a:spcPts val="299"/>
+                <a:spcPts val="105"/>
               </a:lnSpc>
             </a:pPr>
             <a:endParaRPr b="0" lang="en-US" sz="1800" spc="-1" strike="noStrike">
@@ -9100,7 +10944,7 @@
         <p:spPr>
           <a:xfrm>
             <a:off x="159120" y="461880"/>
-            <a:ext cx="8825760" cy="942480"/>
+            <a:ext cx="8825400" cy="942120"/>
           </a:xfrm>
           <a:prstGeom prst="rect">
             <a:avLst/>
@@ -9121,7 +10965,7 @@
           <a:p>
             <a:pPr>
               <a:lnSpc>
-                <a:spcPts val="349"/>
+                <a:spcPts val="123"/>
               </a:lnSpc>
             </a:pPr>
             <a:r>
@@ -9214,7 +11058,7 @@
           <a:p>
             <a:pPr>
               <a:lnSpc>
-                <a:spcPts val="349"/>
+                <a:spcPts val="123"/>
               </a:lnSpc>
             </a:pPr>
             <a:endParaRPr b="0" lang="en-US" sz="1800" spc="-1" strike="noStrike">
@@ -9233,33 +11077,6 @@
       </p:sp>
     </p:spTree>
   </p:cSld>
-  <p:timing>
-    <p:tnLst>
-      <p:par>
-        <p:cTn id="3" dur="indefinite" restart="never" nodeType="tmRoot">
-          <p:childTnLst>
-            <p:seq>
-              <p:cTn id="4" nodeType="mainSeq"/>
-              <p:prevCondLst>
-                <p:cond delay="0" evt="onPrev">
-                  <p:tgtEl>
-                    <p:sldTgt/>
-                  </p:tgtEl>
-                </p:cond>
-              </p:prevCondLst>
-              <p:nextCondLst>
-                <p:cond delay="0" evt="onNext">
-                  <p:tgtEl>
-                    <p:sldTgt/>
-                  </p:tgtEl>
-                </p:cond>
-              </p:nextCondLst>
-            </p:seq>
-          </p:childTnLst>
-        </p:cTn>
-      </p:par>
-    </p:tnLst>
-  </p:timing>
 </p:sld>
 </file>
 
@@ -9282,14 +11099,14 @@
       </p:grpSpPr>
       <p:sp>
         <p:nvSpPr>
-          <p:cNvPr id="150" name="CustomShape 1"/>
+          <p:cNvPr id="153" name="CustomShape 1"/>
           <p:cNvSpPr/>
           <p:nvPr/>
         </p:nvSpPr>
         <p:spPr>
           <a:xfrm>
             <a:off x="0" y="1001880"/>
-            <a:ext cx="9143280" cy="664560"/>
+            <a:ext cx="9142920" cy="664200"/>
           </a:xfrm>
           <a:prstGeom prst="rect">
             <a:avLst/>
@@ -9305,35 +11122,27 @@
             </a:gsLst>
             <a:lin ang="16200000"/>
           </a:gradFill>
-          <a:ln>
+          <a:ln w="25560">
             <a:noFill/>
           </a:ln>
         </p:spPr>
         <p:style>
-          <a:lnRef idx="2">
-            <a:schemeClr val="accent1">
-              <a:shade val="50000"/>
-            </a:schemeClr>
-          </a:lnRef>
-          <a:fillRef idx="1">
-            <a:schemeClr val="accent1"/>
-          </a:fillRef>
-          <a:effectRef idx="0">
-            <a:schemeClr val="accent1"/>
-          </a:effectRef>
+          <a:lnRef idx="0"/>
+          <a:fillRef idx="0"/>
+          <a:effectRef idx="0"/>
           <a:fontRef idx="minor"/>
         </p:style>
       </p:sp>
       <p:sp>
         <p:nvSpPr>
-          <p:cNvPr id="151" name="CustomShape 2"/>
+          <p:cNvPr id="154" name="CustomShape 2"/>
           <p:cNvSpPr/>
           <p:nvPr/>
         </p:nvSpPr>
         <p:spPr>
           <a:xfrm>
             <a:off x="206280" y="1100160"/>
-            <a:ext cx="8735400" cy="470880"/>
+            <a:ext cx="8735040" cy="470520"/>
           </a:xfrm>
           <a:prstGeom prst="rect">
             <a:avLst/>
@@ -9388,14 +11197,14 @@
       </p:sp>
       <p:sp>
         <p:nvSpPr>
-          <p:cNvPr id="152" name="CustomShape 3"/>
+          <p:cNvPr id="155" name="CustomShape 3"/>
           <p:cNvSpPr/>
           <p:nvPr/>
         </p:nvSpPr>
         <p:spPr>
           <a:xfrm>
             <a:off x="179280" y="1770120"/>
-            <a:ext cx="8827200" cy="4118760"/>
+            <a:ext cx="8826840" cy="4118400"/>
           </a:xfrm>
           <a:prstGeom prst="rect">
             <a:avLst/>
@@ -9427,22 +11236,7 @@
                 <a:latin typeface="Calibri"/>
                 <a:ea typeface="DejaVu Sans"/>
               </a:rPr>
-              <a:t>O trabalho em questão apresentou um protótipo de arquitetura para um sistema de vendas na modalidade dropshipping, os objetivos de documentação e prova de conceito provarão que a ideia arquitetural atende totalmente a proposta e que suas limitações não impactam na aceitação da proposta pela facilidade de evolução da arquitetura apresentada.</a:t>
-            </a:r>
-            <a:r>
-              <a:rPr b="1" lang="en-US" sz="2000" spc="-1" strike="noStrike">
-                <a:solidFill>
-                  <a:srgbClr val="404040"/>
-                </a:solidFill>
-                <a:uFill>
-                  <a:solidFill>
-                    <a:srgbClr val="ffffff"/>
-                  </a:solidFill>
-                </a:uFill>
-                <a:latin typeface="Calibri"/>
-                <a:ea typeface="DejaVu Sans"/>
-              </a:rPr>
-              <a:t> </a:t>
+              <a:t>O trabalho em questão apresentou um protótipo de arquitetura para um sistema de vendas na modalidade dropshipping, os objetivos de documentação e prova de conceito provaram que a ideia arquitetural atende totalmente a proposta e que suas limitações não impactam na aceitação da proposta pela facilidade de evolução da arquitetura apresentada. </a:t>
             </a:r>
             <a:endParaRPr b="0" lang="en-US" sz="1800" spc="-1" strike="noStrike">
               <a:solidFill>
@@ -9459,7 +11253,7 @@
           <a:p>
             <a:pPr>
               <a:lnSpc>
-                <a:spcPts val="299"/>
+                <a:spcPts val="105"/>
               </a:lnSpc>
             </a:pPr>
             <a:r>
@@ -9492,7 +11286,7 @@
           <a:p>
             <a:pPr>
               <a:lnSpc>
-                <a:spcPts val="299"/>
+                <a:spcPts val="105"/>
               </a:lnSpc>
             </a:pPr>
             <a:endParaRPr b="0" lang="en-US" sz="1800" spc="-1" strike="noStrike">
@@ -9511,14 +11305,14 @@
       </p:sp>
       <p:sp>
         <p:nvSpPr>
-          <p:cNvPr id="153" name="CustomShape 4"/>
+          <p:cNvPr id="156" name="CustomShape 4"/>
           <p:cNvSpPr/>
           <p:nvPr/>
         </p:nvSpPr>
         <p:spPr>
           <a:xfrm>
             <a:off x="228600" y="461880"/>
-            <a:ext cx="8825760" cy="942480"/>
+            <a:ext cx="8825400" cy="942120"/>
           </a:xfrm>
           <a:prstGeom prst="rect">
             <a:avLst/>
@@ -9539,7 +11333,7 @@
           <a:p>
             <a:pPr>
               <a:lnSpc>
-                <a:spcPts val="349"/>
+                <a:spcPts val="123"/>
               </a:lnSpc>
             </a:pPr>
             <a:r>
@@ -9618,33 +11412,6 @@
       </p:sp>
     </p:spTree>
   </p:cSld>
-  <p:timing>
-    <p:tnLst>
-      <p:par>
-        <p:cTn id="39" dur="indefinite" restart="never" nodeType="tmRoot">
-          <p:childTnLst>
-            <p:seq>
-              <p:cTn id="40" nodeType="mainSeq"/>
-              <p:prevCondLst>
-                <p:cond delay="0" evt="onPrev">
-                  <p:tgtEl>
-                    <p:sldTgt/>
-                  </p:tgtEl>
-                </p:cond>
-              </p:prevCondLst>
-              <p:nextCondLst>
-                <p:cond delay="0" evt="onNext">
-                  <p:tgtEl>
-                    <p:sldTgt/>
-                  </p:tgtEl>
-                </p:cond>
-              </p:nextCondLst>
-            </p:seq>
-          </p:childTnLst>
-        </p:cTn>
-      </p:par>
-    </p:tnLst>
-  </p:timing>
 </p:sld>
 </file>
 
@@ -9674,7 +11441,7 @@
         <p:spPr>
           <a:xfrm>
             <a:off x="0" y="1001880"/>
-            <a:ext cx="9143280" cy="664560"/>
+            <a:ext cx="9142920" cy="664200"/>
           </a:xfrm>
           <a:prstGeom prst="rect">
             <a:avLst/>
@@ -9690,22 +11457,14 @@
             </a:gsLst>
             <a:lin ang="16200000"/>
           </a:gradFill>
-          <a:ln>
+          <a:ln w="25560">
             <a:noFill/>
           </a:ln>
         </p:spPr>
         <p:style>
-          <a:lnRef idx="2">
-            <a:schemeClr val="accent1">
-              <a:shade val="50000"/>
-            </a:schemeClr>
-          </a:lnRef>
-          <a:fillRef idx="1">
-            <a:schemeClr val="accent1"/>
-          </a:fillRef>
-          <a:effectRef idx="0">
-            <a:schemeClr val="accent1"/>
-          </a:effectRef>
+          <a:lnRef idx="0"/>
+          <a:fillRef idx="0"/>
+          <a:effectRef idx="0"/>
           <a:fontRef idx="minor"/>
         </p:style>
       </p:sp>
@@ -9718,7 +11477,7 @@
         <p:spPr>
           <a:xfrm>
             <a:off x="206280" y="1100160"/>
-            <a:ext cx="8735400" cy="470880"/>
+            <a:ext cx="8735040" cy="470520"/>
           </a:xfrm>
           <a:prstGeom prst="rect">
             <a:avLst/>
@@ -9780,7 +11539,7 @@
         <p:spPr>
           <a:xfrm>
             <a:off x="179280" y="1770120"/>
-            <a:ext cx="8827200" cy="4118760"/>
+            <a:ext cx="8826840" cy="4118400"/>
           </a:xfrm>
           <a:prstGeom prst="rect">
             <a:avLst/>
@@ -9801,7 +11560,7 @@
           <a:p>
             <a:pPr>
               <a:lnSpc>
-                <a:spcPts val="349"/>
+                <a:spcPts val="123"/>
               </a:lnSpc>
             </a:pPr>
             <a:r>
@@ -9842,7 +11601,7 @@
         <p:spPr>
           <a:xfrm>
             <a:off x="228600" y="461880"/>
-            <a:ext cx="8825760" cy="516600"/>
+            <a:ext cx="8825400" cy="516240"/>
           </a:xfrm>
           <a:prstGeom prst="rect">
             <a:avLst/>
@@ -9863,7 +11622,7 @@
           <a:p>
             <a:pPr>
               <a:lnSpc>
-                <a:spcPts val="349"/>
+                <a:spcPts val="123"/>
               </a:lnSpc>
             </a:pPr>
             <a:r>
@@ -9998,7 +11757,7 @@
         <p:spPr>
           <a:xfrm>
             <a:off x="659880" y="1920240"/>
-            <a:ext cx="7903440" cy="3649320"/>
+            <a:ext cx="7903080" cy="3648960"/>
           </a:xfrm>
           <a:prstGeom prst="rect">
             <a:avLst/>
@@ -10010,33 +11769,6 @@
       </p:pic>
     </p:spTree>
   </p:cSld>
-  <p:timing>
-    <p:tnLst>
-      <p:par>
-        <p:cTn id="5" dur="indefinite" restart="never" nodeType="tmRoot">
-          <p:childTnLst>
-            <p:seq>
-              <p:cTn id="6" nodeType="mainSeq"/>
-              <p:prevCondLst>
-                <p:cond delay="0" evt="onPrev">
-                  <p:tgtEl>
-                    <p:sldTgt/>
-                  </p:tgtEl>
-                </p:cond>
-              </p:prevCondLst>
-              <p:nextCondLst>
-                <p:cond delay="0" evt="onNext">
-                  <p:tgtEl>
-                    <p:sldTgt/>
-                  </p:tgtEl>
-                </p:cond>
-              </p:nextCondLst>
-            </p:seq>
-          </p:childTnLst>
-        </p:cTn>
-      </p:par>
-    </p:tnLst>
-  </p:timing>
 </p:sld>
 </file>
 
@@ -10069,8 +11801,8 @@
         </p:blipFill>
         <p:spPr>
           <a:xfrm>
-            <a:off x="373320" y="1449360"/>
-            <a:ext cx="8476560" cy="4018680"/>
+            <a:off x="373320" y="1809360"/>
+            <a:ext cx="8476200" cy="4018320"/>
           </a:xfrm>
           <a:prstGeom prst="rect">
             <a:avLst/>
@@ -10089,7 +11821,7 @@
         <p:spPr>
           <a:xfrm>
             <a:off x="0" y="1001880"/>
-            <a:ext cx="9143280" cy="664560"/>
+            <a:ext cx="9142920" cy="664200"/>
           </a:xfrm>
           <a:prstGeom prst="rect">
             <a:avLst/>
@@ -10105,22 +11837,14 @@
             </a:gsLst>
             <a:lin ang="16200000"/>
           </a:gradFill>
-          <a:ln>
+          <a:ln w="25560">
             <a:noFill/>
           </a:ln>
         </p:spPr>
         <p:style>
-          <a:lnRef idx="2">
-            <a:schemeClr val="accent1">
-              <a:shade val="50000"/>
-            </a:schemeClr>
-          </a:lnRef>
-          <a:fillRef idx="1">
-            <a:schemeClr val="accent1"/>
-          </a:fillRef>
-          <a:effectRef idx="0">
-            <a:schemeClr val="accent1"/>
-          </a:effectRef>
+          <a:lnRef idx="0"/>
+          <a:fillRef idx="0"/>
+          <a:effectRef idx="0"/>
           <a:fontRef idx="minor"/>
         </p:style>
       </p:sp>
@@ -10133,7 +11857,7 @@
         <p:spPr>
           <a:xfrm>
             <a:off x="640080" y="274320"/>
-            <a:ext cx="7314840" cy="502920"/>
+            <a:ext cx="7314480" cy="502560"/>
           </a:xfrm>
           <a:prstGeom prst="rect">
             <a:avLst/>
@@ -10154,7 +11878,7 @@
           <a:p>
             <a:pPr>
               <a:lnSpc>
-                <a:spcPts val="349"/>
+                <a:spcPts val="123"/>
               </a:lnSpc>
             </a:pPr>
             <a:r>
@@ -10240,7 +11964,7 @@
         <p:spPr>
           <a:xfrm>
             <a:off x="0" y="1001880"/>
-            <a:ext cx="9143280" cy="664560"/>
+            <a:ext cx="9142920" cy="664200"/>
           </a:xfrm>
           <a:prstGeom prst="rect">
             <a:avLst/>
@@ -10256,22 +11980,14 @@
             </a:gsLst>
             <a:lin ang="16200000"/>
           </a:gradFill>
-          <a:ln>
+          <a:ln w="25560">
             <a:noFill/>
           </a:ln>
         </p:spPr>
         <p:style>
-          <a:lnRef idx="2">
-            <a:schemeClr val="accent1">
-              <a:shade val="50000"/>
-            </a:schemeClr>
-          </a:lnRef>
-          <a:fillRef idx="1">
-            <a:schemeClr val="accent1"/>
-          </a:fillRef>
-          <a:effectRef idx="0">
-            <a:schemeClr val="accent1"/>
-          </a:effectRef>
+          <a:lnRef idx="0"/>
+          <a:fillRef idx="0"/>
+          <a:effectRef idx="0"/>
           <a:fontRef idx="minor"/>
         </p:style>
       </p:sp>
@@ -10284,7 +12000,7 @@
         <p:spPr>
           <a:xfrm>
             <a:off x="731520" y="1097280"/>
-            <a:ext cx="6309720" cy="458640"/>
+            <a:ext cx="6309360" cy="458280"/>
           </a:xfrm>
           <a:prstGeom prst="rect">
             <a:avLst/>
@@ -10339,33 +12055,6 @@
       </p:sp>
     </p:spTree>
   </p:cSld>
-  <p:timing>
-    <p:tnLst>
-      <p:par>
-        <p:cTn id="7" dur="indefinite" restart="never" nodeType="tmRoot">
-          <p:childTnLst>
-            <p:seq>
-              <p:cTn id="8" nodeType="mainSeq"/>
-              <p:prevCondLst>
-                <p:cond delay="0" evt="onPrev">
-                  <p:tgtEl>
-                    <p:sldTgt/>
-                  </p:tgtEl>
-                </p:cond>
-              </p:prevCondLst>
-              <p:nextCondLst>
-                <p:cond delay="0" evt="onNext">
-                  <p:tgtEl>
-                    <p:sldTgt/>
-                  </p:tgtEl>
-                </p:cond>
-              </p:nextCondLst>
-            </p:seq>
-          </p:childTnLst>
-        </p:cTn>
-      </p:par>
-    </p:tnLst>
-  </p:timing>
 </p:sld>
 </file>
 
@@ -10399,7 +12088,7 @@
         <p:spPr>
           <a:xfrm>
             <a:off x="464040" y="1828800"/>
-            <a:ext cx="8295120" cy="3630600"/>
+            <a:ext cx="8294760" cy="3630240"/>
           </a:xfrm>
           <a:prstGeom prst="rect">
             <a:avLst/>
@@ -10418,7 +12107,7 @@
         <p:spPr>
           <a:xfrm>
             <a:off x="1005840" y="274320"/>
-            <a:ext cx="5943240" cy="502920"/>
+            <a:ext cx="5942880" cy="502560"/>
           </a:xfrm>
           <a:prstGeom prst="rect">
             <a:avLst/>
@@ -10439,7 +12128,7 @@
           <a:p>
             <a:pPr>
               <a:lnSpc>
-                <a:spcPts val="349"/>
+                <a:spcPts val="123"/>
               </a:lnSpc>
             </a:pPr>
             <a:r>
@@ -10495,7 +12184,7 @@
         <p:spPr>
           <a:xfrm>
             <a:off x="0" y="1001880"/>
-            <a:ext cx="9143280" cy="664560"/>
+            <a:ext cx="9142920" cy="664200"/>
           </a:xfrm>
           <a:prstGeom prst="rect">
             <a:avLst/>
@@ -10511,22 +12200,14 @@
             </a:gsLst>
             <a:lin ang="16200000"/>
           </a:gradFill>
-          <a:ln>
+          <a:ln w="25560">
             <a:noFill/>
           </a:ln>
         </p:spPr>
         <p:style>
-          <a:lnRef idx="2">
-            <a:schemeClr val="accent1">
-              <a:shade val="50000"/>
-            </a:schemeClr>
-          </a:lnRef>
-          <a:fillRef idx="1">
-            <a:schemeClr val="accent1"/>
-          </a:fillRef>
-          <a:effectRef idx="0">
-            <a:schemeClr val="accent1"/>
-          </a:effectRef>
+          <a:lnRef idx="0"/>
+          <a:fillRef idx="0"/>
+          <a:effectRef idx="0"/>
           <a:fontRef idx="minor"/>
         </p:style>
       </p:sp>
@@ -10539,7 +12220,7 @@
         <p:spPr>
           <a:xfrm>
             <a:off x="731520" y="1097640"/>
-            <a:ext cx="6309720" cy="458640"/>
+            <a:ext cx="6309360" cy="458280"/>
           </a:xfrm>
           <a:prstGeom prst="rect">
             <a:avLst/>
@@ -10594,33 +12275,6 @@
       </p:sp>
     </p:spTree>
   </p:cSld>
-  <p:timing>
-    <p:tnLst>
-      <p:par>
-        <p:cTn id="9" dur="indefinite" restart="never" nodeType="tmRoot">
-          <p:childTnLst>
-            <p:seq>
-              <p:cTn id="10" nodeType="mainSeq"/>
-              <p:prevCondLst>
-                <p:cond delay="0" evt="onPrev">
-                  <p:tgtEl>
-                    <p:sldTgt/>
-                  </p:tgtEl>
-                </p:cond>
-              </p:prevCondLst>
-              <p:nextCondLst>
-                <p:cond delay="0" evt="onNext">
-                  <p:tgtEl>
-                    <p:sldTgt/>
-                  </p:tgtEl>
-                </p:cond>
-              </p:nextCondLst>
-            </p:seq>
-          </p:childTnLst>
-        </p:cTn>
-      </p:par>
-    </p:tnLst>
-  </p:timing>
 </p:sld>
 </file>
 
@@ -10654,7 +12308,7 @@
         <p:spPr>
           <a:xfrm>
             <a:off x="1645920" y="1737360"/>
-            <a:ext cx="5826240" cy="4023360"/>
+            <a:ext cx="5825880" cy="4023000"/>
           </a:xfrm>
           <a:prstGeom prst="rect">
             <a:avLst/>
@@ -10673,7 +12327,7 @@
         <p:spPr>
           <a:xfrm>
             <a:off x="1554480" y="0"/>
-            <a:ext cx="5691960" cy="639720"/>
+            <a:ext cx="5691600" cy="639360"/>
           </a:xfrm>
           <a:prstGeom prst="rect">
             <a:avLst/>
@@ -10694,7 +12348,7 @@
           <a:p>
             <a:pPr>
               <a:lnSpc>
-                <a:spcPts val="349"/>
+                <a:spcPts val="123"/>
               </a:lnSpc>
             </a:pPr>
             <a:r>
@@ -10735,7 +12389,7 @@
         <p:spPr>
           <a:xfrm>
             <a:off x="0" y="1001880"/>
-            <a:ext cx="9143280" cy="664560"/>
+            <a:ext cx="9142920" cy="664200"/>
           </a:xfrm>
           <a:prstGeom prst="rect">
             <a:avLst/>
@@ -10751,22 +12405,14 @@
             </a:gsLst>
             <a:lin ang="16200000"/>
           </a:gradFill>
-          <a:ln>
+          <a:ln w="25560">
             <a:noFill/>
           </a:ln>
         </p:spPr>
         <p:style>
-          <a:lnRef idx="2">
-            <a:schemeClr val="accent1">
-              <a:shade val="50000"/>
-            </a:schemeClr>
-          </a:lnRef>
-          <a:fillRef idx="1">
-            <a:schemeClr val="accent1"/>
-          </a:fillRef>
-          <a:effectRef idx="0">
-            <a:schemeClr val="accent1"/>
-          </a:effectRef>
+          <a:lnRef idx="0"/>
+          <a:fillRef idx="0"/>
+          <a:effectRef idx="0"/>
           <a:fontRef idx="minor"/>
         </p:style>
       </p:sp>
@@ -10779,7 +12425,7 @@
         <p:spPr>
           <a:xfrm>
             <a:off x="1645920" y="1097280"/>
-            <a:ext cx="5395320" cy="458640"/>
+            <a:ext cx="5394960" cy="458280"/>
           </a:xfrm>
           <a:prstGeom prst="rect">
             <a:avLst/>
@@ -10834,33 +12480,6 @@
       </p:sp>
     </p:spTree>
   </p:cSld>
-  <p:timing>
-    <p:tnLst>
-      <p:par>
-        <p:cTn id="11" dur="indefinite" restart="never" nodeType="tmRoot">
-          <p:childTnLst>
-            <p:seq>
-              <p:cTn id="12" nodeType="mainSeq"/>
-              <p:prevCondLst>
-                <p:cond delay="0" evt="onPrev">
-                  <p:tgtEl>
-                    <p:sldTgt/>
-                  </p:tgtEl>
-                </p:cond>
-              </p:prevCondLst>
-              <p:nextCondLst>
-                <p:cond delay="0" evt="onNext">
-                  <p:tgtEl>
-                    <p:sldTgt/>
-                  </p:tgtEl>
-                </p:cond>
-              </p:nextCondLst>
-            </p:seq>
-          </p:childTnLst>
-        </p:cTn>
-      </p:par>
-    </p:tnLst>
-  </p:timing>
 </p:sld>
 </file>
 
@@ -10883,14 +12502,14 @@
       </p:grpSpPr>
       <p:sp>
         <p:nvSpPr>
-          <p:cNvPr id="96" name="TextShape 1"/>
-          <p:cNvSpPr txBox="1"/>
+          <p:cNvPr id="96" name="CustomShape 1"/>
+          <p:cNvSpPr/>
           <p:nvPr/>
         </p:nvSpPr>
         <p:spPr>
           <a:xfrm>
             <a:off x="1977480" y="274320"/>
-            <a:ext cx="5269320" cy="640080"/>
+            <a:ext cx="5268960" cy="639720"/>
           </a:xfrm>
           <a:prstGeom prst="rect">
             <a:avLst/>
@@ -10900,12 +12519,18 @@
             <a:noFill/>
           </a:ln>
         </p:spPr>
+        <p:style>
+          <a:lnRef idx="0"/>
+          <a:fillRef idx="0"/>
+          <a:effectRef idx="0"/>
+          <a:fontRef idx="minor"/>
+        </p:style>
         <p:txBody>
           <a:bodyPr lIns="90000" rIns="90000" tIns="45000" bIns="45000"/>
           <a:p>
             <a:pPr>
               <a:lnSpc>
-                <a:spcPts val="349"/>
+                <a:spcPts val="123"/>
               </a:lnSpc>
             </a:pPr>
             <a:r>
@@ -10946,7 +12571,7 @@
         <p:spPr>
           <a:xfrm>
             <a:off x="0" y="1001880"/>
-            <a:ext cx="9143280" cy="664560"/>
+            <a:ext cx="9142920" cy="664200"/>
           </a:xfrm>
           <a:prstGeom prst="rect">
             <a:avLst/>
@@ -10962,35 +12587,27 @@
             </a:gsLst>
             <a:lin ang="16200000"/>
           </a:gradFill>
-          <a:ln>
+          <a:ln w="25560">
             <a:noFill/>
           </a:ln>
         </p:spPr>
         <p:style>
-          <a:lnRef idx="2">
-            <a:schemeClr val="accent1">
-              <a:shade val="50000"/>
-            </a:schemeClr>
-          </a:lnRef>
-          <a:fillRef idx="1">
-            <a:schemeClr val="accent1"/>
-          </a:fillRef>
-          <a:effectRef idx="0">
-            <a:schemeClr val="accent1"/>
-          </a:effectRef>
+          <a:lnRef idx="0"/>
+          <a:fillRef idx="0"/>
+          <a:effectRef idx="0"/>
           <a:fontRef idx="minor"/>
         </p:style>
       </p:sp>
       <p:sp>
         <p:nvSpPr>
-          <p:cNvPr id="98" name="TextShape 3"/>
-          <p:cNvSpPr txBox="1"/>
+          <p:cNvPr id="98" name="CustomShape 3"/>
+          <p:cNvSpPr/>
           <p:nvPr/>
         </p:nvSpPr>
         <p:spPr>
           <a:xfrm>
             <a:off x="2182320" y="1097280"/>
-            <a:ext cx="4859280" cy="459000"/>
+            <a:ext cx="4858920" cy="458640"/>
           </a:xfrm>
           <a:prstGeom prst="rect">
             <a:avLst/>
@@ -11000,6 +12617,12 @@
             <a:noFill/>
           </a:ln>
         </p:spPr>
+        <p:style>
+          <a:lnRef idx="0"/>
+          <a:fillRef idx="0"/>
+          <a:effectRef idx="0"/>
+          <a:fontRef idx="minor"/>
+        </p:style>
         <p:txBody>
           <a:bodyPr lIns="90000" rIns="90000" tIns="45000" bIns="45000"/>
           <a:p>
@@ -11050,7 +12673,7 @@
         <p:spPr>
           <a:xfrm>
             <a:off x="1992600" y="2011680"/>
-            <a:ext cx="4410360" cy="3383280"/>
+            <a:ext cx="4410000" cy="3382920"/>
           </a:xfrm>
           <a:prstGeom prst="rect">
             <a:avLst/>
@@ -11062,33 +12685,6 @@
       </p:pic>
     </p:spTree>
   </p:cSld>
-  <p:timing>
-    <p:tnLst>
-      <p:par>
-        <p:cTn id="13" dur="indefinite" restart="never" nodeType="tmRoot">
-          <p:childTnLst>
-            <p:seq>
-              <p:cTn id="14" nodeType="mainSeq"/>
-              <p:prevCondLst>
-                <p:cond delay="0" evt="onPrev">
-                  <p:tgtEl>
-                    <p:sldTgt/>
-                  </p:tgtEl>
-                </p:cond>
-              </p:prevCondLst>
-              <p:nextCondLst>
-                <p:cond delay="0" evt="onNext">
-                  <p:tgtEl>
-                    <p:sldTgt/>
-                  </p:tgtEl>
-                </p:cond>
-              </p:nextCondLst>
-            </p:seq>
-          </p:childTnLst>
-        </p:cTn>
-      </p:par>
-    </p:tnLst>
-  </p:timing>
 </p:sld>
 </file>
 
@@ -11111,14 +12707,14 @@
       </p:grpSpPr>
       <p:sp>
         <p:nvSpPr>
-          <p:cNvPr id="100" name="TextShape 1"/>
-          <p:cNvSpPr txBox="1"/>
+          <p:cNvPr id="100" name="CustomShape 1"/>
+          <p:cNvSpPr/>
           <p:nvPr/>
         </p:nvSpPr>
         <p:spPr>
           <a:xfrm>
             <a:off x="1977480" y="274320"/>
-            <a:ext cx="5269320" cy="640080"/>
+            <a:ext cx="5268960" cy="639720"/>
           </a:xfrm>
           <a:prstGeom prst="rect">
             <a:avLst/>
@@ -11128,12 +12724,18 @@
             <a:noFill/>
           </a:ln>
         </p:spPr>
+        <p:style>
+          <a:lnRef idx="0"/>
+          <a:fillRef idx="0"/>
+          <a:effectRef idx="0"/>
+          <a:fontRef idx="minor"/>
+        </p:style>
         <p:txBody>
           <a:bodyPr lIns="90000" rIns="90000" tIns="45000" bIns="45000"/>
           <a:p>
             <a:pPr>
               <a:lnSpc>
-                <a:spcPts val="349"/>
+                <a:spcPts val="123"/>
               </a:lnSpc>
             </a:pPr>
             <a:r>
@@ -11174,7 +12776,7 @@
         <p:spPr>
           <a:xfrm>
             <a:off x="0" y="1001880"/>
-            <a:ext cx="9143280" cy="664560"/>
+            <a:ext cx="9142920" cy="664200"/>
           </a:xfrm>
           <a:prstGeom prst="rect">
             <a:avLst/>
@@ -11190,35 +12792,27 @@
             </a:gsLst>
             <a:lin ang="16200000"/>
           </a:gradFill>
-          <a:ln>
+          <a:ln w="25560">
             <a:noFill/>
           </a:ln>
         </p:spPr>
         <p:style>
-          <a:lnRef idx="2">
-            <a:schemeClr val="accent1">
-              <a:shade val="50000"/>
-            </a:schemeClr>
-          </a:lnRef>
-          <a:fillRef idx="1">
-            <a:schemeClr val="accent1"/>
-          </a:fillRef>
-          <a:effectRef idx="0">
-            <a:schemeClr val="accent1"/>
-          </a:effectRef>
+          <a:lnRef idx="0"/>
+          <a:fillRef idx="0"/>
+          <a:effectRef idx="0"/>
           <a:fontRef idx="minor"/>
         </p:style>
       </p:sp>
       <p:sp>
         <p:nvSpPr>
-          <p:cNvPr id="102" name="TextShape 3"/>
-          <p:cNvSpPr txBox="1"/>
+          <p:cNvPr id="102" name="CustomShape 3"/>
+          <p:cNvSpPr/>
           <p:nvPr/>
         </p:nvSpPr>
         <p:spPr>
           <a:xfrm>
             <a:off x="2182320" y="1097280"/>
-            <a:ext cx="4859280" cy="459000"/>
+            <a:ext cx="4858920" cy="458640"/>
           </a:xfrm>
           <a:prstGeom prst="rect">
             <a:avLst/>
@@ -11228,6 +12822,12 @@
             <a:noFill/>
           </a:ln>
         </p:spPr>
+        <p:style>
+          <a:lnRef idx="0"/>
+          <a:fillRef idx="0"/>
+          <a:effectRef idx="0"/>
+          <a:fontRef idx="minor"/>
+        </p:style>
         <p:txBody>
           <a:bodyPr lIns="90000" rIns="90000" tIns="45000" bIns="45000"/>
           <a:p>
@@ -11278,7 +12878,7 @@
         <p:spPr>
           <a:xfrm>
             <a:off x="2163600" y="2011680"/>
-            <a:ext cx="4896720" cy="3702240"/>
+            <a:ext cx="4896360" cy="3701880"/>
           </a:xfrm>
           <a:prstGeom prst="rect">
             <a:avLst/>
@@ -11290,33 +12890,6 @@
       </p:pic>
     </p:spTree>
   </p:cSld>
-  <p:timing>
-    <p:tnLst>
-      <p:par>
-        <p:cTn id="15" dur="indefinite" restart="never" nodeType="tmRoot">
-          <p:childTnLst>
-            <p:seq>
-              <p:cTn id="16" nodeType="mainSeq"/>
-              <p:prevCondLst>
-                <p:cond delay="0" evt="onPrev">
-                  <p:tgtEl>
-                    <p:sldTgt/>
-                  </p:tgtEl>
-                </p:cond>
-              </p:prevCondLst>
-              <p:nextCondLst>
-                <p:cond delay="0" evt="onNext">
-                  <p:tgtEl>
-                    <p:sldTgt/>
-                  </p:tgtEl>
-                </p:cond>
-              </p:nextCondLst>
-            </p:seq>
-          </p:childTnLst>
-        </p:cTn>
-      </p:par>
-    </p:tnLst>
-  </p:timing>
 </p:sld>
 </file>
 
@@ -11346,7 +12919,7 @@
         <p:spPr>
           <a:xfrm>
             <a:off x="0" y="1001880"/>
-            <a:ext cx="9143280" cy="664560"/>
+            <a:ext cx="9142920" cy="664200"/>
           </a:xfrm>
           <a:prstGeom prst="rect">
             <a:avLst/>
@@ -11362,22 +12935,14 @@
             </a:gsLst>
             <a:lin ang="16200000"/>
           </a:gradFill>
-          <a:ln>
+          <a:ln w="25560">
             <a:noFill/>
           </a:ln>
         </p:spPr>
         <p:style>
-          <a:lnRef idx="2">
-            <a:schemeClr val="accent1">
-              <a:shade val="50000"/>
-            </a:schemeClr>
-          </a:lnRef>
-          <a:fillRef idx="1">
-            <a:schemeClr val="accent1"/>
-          </a:fillRef>
-          <a:effectRef idx="0">
-            <a:schemeClr val="accent1"/>
-          </a:effectRef>
+          <a:lnRef idx="0"/>
+          <a:fillRef idx="0"/>
+          <a:effectRef idx="0"/>
           <a:fontRef idx="minor"/>
         </p:style>
       </p:sp>
@@ -11390,7 +12955,7 @@
         <p:spPr>
           <a:xfrm>
             <a:off x="206280" y="1100160"/>
-            <a:ext cx="8735400" cy="470880"/>
+            <a:ext cx="8735040" cy="470520"/>
           </a:xfrm>
           <a:prstGeom prst="rect">
             <a:avLst/>
@@ -11452,7 +13017,7 @@
         <p:spPr>
           <a:xfrm>
             <a:off x="179280" y="1770120"/>
-            <a:ext cx="8827200" cy="4118760"/>
+            <a:ext cx="8826840" cy="4118400"/>
           </a:xfrm>
           <a:prstGeom prst="rect">
             <a:avLst/>
@@ -11473,7 +13038,7 @@
           <a:p>
             <a:pPr>
               <a:lnSpc>
-                <a:spcPts val="349"/>
+                <a:spcPts val="123"/>
               </a:lnSpc>
             </a:pPr>
             <a:r>
@@ -11521,7 +13086,7 @@
           <a:p>
             <a:pPr>
               <a:lnSpc>
-                <a:spcPts val="349"/>
+                <a:spcPts val="123"/>
               </a:lnSpc>
             </a:pPr>
             <a:r>
@@ -11569,7 +13134,7 @@
           <a:p>
             <a:pPr>
               <a:lnSpc>
-                <a:spcPts val="349"/>
+                <a:spcPts val="123"/>
               </a:lnSpc>
             </a:pPr>
             <a:r>
@@ -11647,7 +13212,7 @@
           <a:p>
             <a:pPr>
               <a:lnSpc>
-                <a:spcPts val="349"/>
+                <a:spcPts val="123"/>
               </a:lnSpc>
             </a:pPr>
             <a:r>
@@ -11695,7 +13260,7 @@
           <a:p>
             <a:pPr>
               <a:lnSpc>
-                <a:spcPts val="349"/>
+                <a:spcPts val="123"/>
               </a:lnSpc>
             </a:pPr>
             <a:r>
@@ -11743,7 +13308,7 @@
           <a:p>
             <a:pPr>
               <a:lnSpc>
-                <a:spcPts val="349"/>
+                <a:spcPts val="123"/>
               </a:lnSpc>
             </a:pPr>
             <a:r>
@@ -11791,7 +13356,7 @@
           <a:p>
             <a:pPr>
               <a:lnSpc>
-                <a:spcPts val="299"/>
+                <a:spcPts val="105"/>
               </a:lnSpc>
             </a:pPr>
             <a:r>
@@ -11832,7 +13397,7 @@
         <p:spPr>
           <a:xfrm>
             <a:off x="228600" y="461880"/>
-            <a:ext cx="8825760" cy="942480"/>
+            <a:ext cx="8825400" cy="942120"/>
           </a:xfrm>
           <a:prstGeom prst="rect">
             <a:avLst/>
@@ -11853,7 +13418,7 @@
           <a:p>
             <a:pPr>
               <a:lnSpc>
-                <a:spcPts val="349"/>
+                <a:spcPts val="123"/>
               </a:lnSpc>
             </a:pPr>
             <a:r>
@@ -11932,33 +13497,6 @@
       </p:sp>
     </p:spTree>
   </p:cSld>
-  <p:timing>
-    <p:tnLst>
-      <p:par>
-        <p:cTn id="17" dur="indefinite" restart="never" nodeType="tmRoot">
-          <p:childTnLst>
-            <p:seq>
-              <p:cTn id="18" nodeType="mainSeq"/>
-              <p:prevCondLst>
-                <p:cond delay="0" evt="onPrev">
-                  <p:tgtEl>
-                    <p:sldTgt/>
-                  </p:tgtEl>
-                </p:cond>
-              </p:prevCondLst>
-              <p:nextCondLst>
-                <p:cond delay="0" evt="onNext">
-                  <p:tgtEl>
-                    <p:sldTgt/>
-                  </p:tgtEl>
-                </p:cond>
-              </p:nextCondLst>
-            </p:seq>
-          </p:childTnLst>
-        </p:cTn>
-      </p:par>
-    </p:tnLst>
-  </p:timing>
 </p:sld>
 </file>
 
